--- a/doc/ProjectArchitecture.pptx
+++ b/doc/ProjectArchitecture.pptx
@@ -6,13 +6,14 @@
   </p:sldMasterIdLst>
   <p:sldIdLst>
     <p:sldId id="256" r:id="rId2"/>
-    <p:sldId id="257" r:id="rId3"/>
-    <p:sldId id="258" r:id="rId4"/>
-    <p:sldId id="259" r:id="rId5"/>
-    <p:sldId id="260" r:id="rId6"/>
-    <p:sldId id="261" r:id="rId7"/>
-    <p:sldId id="262" r:id="rId8"/>
-    <p:sldId id="263" r:id="rId9"/>
+    <p:sldId id="258" r:id="rId3"/>
+    <p:sldId id="259" r:id="rId4"/>
+    <p:sldId id="260" r:id="rId5"/>
+    <p:sldId id="261" r:id="rId6"/>
+    <p:sldId id="262" r:id="rId7"/>
+    <p:sldId id="263" r:id="rId8"/>
+    <p:sldId id="264" r:id="rId9"/>
+    <p:sldId id="257" r:id="rId10"/>
   </p:sldIdLst>
   <p:sldSz cx="12192000" cy="6858000"/>
   <p:notesSz cx="6858000" cy="9144000"/>
@@ -3342,7 +3343,7 @@
           <p:cNvPr id="2" name="Title 1">
             <a:extLst>
               <a:ext uri="{FF2B5EF4-FFF2-40B4-BE49-F238E27FC236}">
-                <a16:creationId xmlns:a16="http://schemas.microsoft.com/office/drawing/2014/main" id="{19D66875-484A-1060-C03D-77BE501652F6}"/>
+                <a16:creationId xmlns:a16="http://schemas.microsoft.com/office/drawing/2014/main" id="{A6218943-0B21-B6FF-64BE-A05626D8F1BF}"/>
               </a:ext>
             </a:extLst>
           </p:cNvPr>
@@ -3360,7 +3361,7 @@
           <a:p>
             <a:r>
               <a:rPr lang="en-US" dirty="0"/>
-              <a:t>Performance</a:t>
+              <a:t>Functionality</a:t>
             </a:r>
           </a:p>
         </p:txBody>
@@ -3370,7 +3371,7 @@
           <p:cNvPr id="3" name="Content Placeholder 2">
             <a:extLst>
               <a:ext uri="{FF2B5EF4-FFF2-40B4-BE49-F238E27FC236}">
-                <a16:creationId xmlns:a16="http://schemas.microsoft.com/office/drawing/2014/main" id="{5B622429-557F-187F-6250-5521D98D9A9B}"/>
+                <a16:creationId xmlns:a16="http://schemas.microsoft.com/office/drawing/2014/main" id="{31EDD835-5B60-B8ED-E734-B363524C349B}"/>
               </a:ext>
             </a:extLst>
           </p:cNvPr>
@@ -3388,7 +3389,96 @@
           <a:p>
             <a:r>
               <a:rPr lang="en-US" dirty="0"/>
-              <a:t>The performance of our  </a:t>
+              <a:t>This project has the requirement of portability, which is why we chose to split it up into a few different .</a:t>
+            </a:r>
+            <a:r>
+              <a:rPr lang="en-US" dirty="0" err="1"/>
+              <a:t>cpp</a:t>
+            </a:r>
+            <a:r>
+              <a:rPr lang="en-US" dirty="0"/>
+              <a:t> files and .</a:t>
+            </a:r>
+            <a:r>
+              <a:rPr lang="en-US" dirty="0" err="1"/>
+              <a:t>hpp</a:t>
+            </a:r>
+            <a:r>
+              <a:rPr lang="en-US" dirty="0"/>
+              <a:t> files</a:t>
+            </a:r>
+          </a:p>
+          <a:p>
+            <a:pPr lvl="1"/>
+            <a:r>
+              <a:rPr lang="en-US" dirty="0" err="1"/>
+              <a:t>Assignment.cpp</a:t>
+            </a:r>
+            <a:r>
+              <a:rPr lang="en-US" dirty="0"/>
+              <a:t> &amp; </a:t>
+            </a:r>
+            <a:r>
+              <a:rPr lang="en-US" dirty="0" err="1"/>
+              <a:t>Assignment.h</a:t>
+            </a:r>
+            <a:r>
+              <a:rPr lang="en-US" dirty="0"/>
+              <a:t> → These files hold the assignment class</a:t>
+            </a:r>
+          </a:p>
+          <a:p>
+            <a:pPr lvl="1"/>
+            <a:r>
+              <a:rPr lang="en-US" dirty="0" err="1"/>
+              <a:t>Date.cpp</a:t>
+            </a:r>
+            <a:r>
+              <a:rPr lang="en-US" dirty="0"/>
+              <a:t> &amp; </a:t>
+            </a:r>
+            <a:r>
+              <a:rPr lang="en-US" dirty="0" err="1"/>
+              <a:t>Date.hpp</a:t>
+            </a:r>
+            <a:r>
+              <a:rPr lang="en-US" dirty="0"/>
+              <a:t> → These files hold the Date class</a:t>
+            </a:r>
+          </a:p>
+          <a:p>
+            <a:pPr lvl="1"/>
+            <a:r>
+              <a:rPr lang="en-US" dirty="0" err="1"/>
+              <a:t>OrganizeLife.cpp</a:t>
+            </a:r>
+            <a:r>
+              <a:rPr lang="en-US" dirty="0"/>
+              <a:t> &amp; </a:t>
+            </a:r>
+            <a:r>
+              <a:rPr lang="en-US" dirty="0" err="1"/>
+              <a:t>OrganizeLife.hpp</a:t>
+            </a:r>
+            <a:r>
+              <a:rPr lang="en-US" dirty="0"/>
+              <a:t> → These files hold the remainder of the functions used in </a:t>
+            </a:r>
+            <a:r>
+              <a:rPr lang="en-US" dirty="0" err="1"/>
+              <a:t>main.cpp</a:t>
+            </a:r>
+            <a:endParaRPr lang="en-US" dirty="0"/>
+          </a:p>
+          <a:p>
+            <a:pPr lvl="1"/>
+            <a:r>
+              <a:rPr lang="en-US" dirty="0" err="1"/>
+              <a:t>Main.cpp</a:t>
+            </a:r>
+            <a:r>
+              <a:rPr lang="en-US" dirty="0"/>
+              <a:t> → the main function of the program</a:t>
             </a:r>
           </a:p>
         </p:txBody>
@@ -3396,7 +3486,7 @@
     </p:spTree>
     <p:extLst>
       <p:ext uri="{BB962C8B-B14F-4D97-AF65-F5344CB8AC3E}">
-        <p14:creationId xmlns:p14="http://schemas.microsoft.com/office/powerpoint/2010/main" val="1565167725"/>
+        <p14:creationId xmlns:p14="http://schemas.microsoft.com/office/powerpoint/2010/main" val="2706513292"/>
       </p:ext>
     </p:extLst>
   </p:cSld>
@@ -3428,7 +3518,7 @@
           <p:cNvPr id="2" name="Title 1">
             <a:extLst>
               <a:ext uri="{FF2B5EF4-FFF2-40B4-BE49-F238E27FC236}">
-                <a16:creationId xmlns:a16="http://schemas.microsoft.com/office/drawing/2014/main" id="{A6218943-0B21-B6FF-64BE-A05626D8F1BF}"/>
+                <a16:creationId xmlns:a16="http://schemas.microsoft.com/office/drawing/2014/main" id="{7E2A30A0-8365-12A0-1347-A2C477777111}"/>
               </a:ext>
             </a:extLst>
           </p:cNvPr>
@@ -3446,7 +3536,7 @@
           <a:p>
             <a:r>
               <a:rPr lang="en-US" dirty="0"/>
-              <a:t>Functionality</a:t>
+              <a:t>testing</a:t>
             </a:r>
           </a:p>
         </p:txBody>
@@ -3456,7 +3546,7 @@
           <p:cNvPr id="3" name="Content Placeholder 2">
             <a:extLst>
               <a:ext uri="{FF2B5EF4-FFF2-40B4-BE49-F238E27FC236}">
-                <a16:creationId xmlns:a16="http://schemas.microsoft.com/office/drawing/2014/main" id="{31EDD835-5B60-B8ED-E734-B363524C349B}"/>
+                <a16:creationId xmlns:a16="http://schemas.microsoft.com/office/drawing/2014/main" id="{29C4D206-25C0-E9F5-48F7-FCD3B3239E01}"/>
               </a:ext>
             </a:extLst>
           </p:cNvPr>
@@ -3474,96 +3564,27 @@
           <a:p>
             <a:r>
               <a:rPr lang="en-US" dirty="0"/>
-              <a:t>This project has the requirement of portability, which is why we chose to split it up into a few different .</a:t>
+              <a:t>Instructions provided to user via </a:t>
             </a:r>
             <a:r>
               <a:rPr lang="en-US" dirty="0" err="1"/>
-              <a:t>cpp</a:t>
-            </a:r>
-            <a:r>
-              <a:rPr lang="en-US" dirty="0"/>
-              <a:t> files and .</a:t>
-            </a:r>
-            <a:r>
-              <a:rPr lang="en-US" dirty="0" err="1"/>
-              <a:t>hpp</a:t>
-            </a:r>
-            <a:r>
-              <a:rPr lang="en-US" dirty="0"/>
-              <a:t> files</a:t>
-            </a:r>
-          </a:p>
-          <a:p>
-            <a:pPr lvl="1"/>
-            <a:r>
-              <a:rPr lang="en-US" dirty="0" err="1"/>
-              <a:t>Assignment.cpp</a:t>
-            </a:r>
-            <a:r>
-              <a:rPr lang="en-US" dirty="0"/>
-              <a:t> &amp; </a:t>
-            </a:r>
-            <a:r>
-              <a:rPr lang="en-US" dirty="0" err="1"/>
-              <a:t>Assignment.h</a:t>
-            </a:r>
-            <a:r>
-              <a:rPr lang="en-US" dirty="0"/>
-              <a:t> → These files hold the assignment class</a:t>
-            </a:r>
-          </a:p>
-          <a:p>
-            <a:pPr lvl="1"/>
-            <a:r>
-              <a:rPr lang="en-US" dirty="0" err="1"/>
-              <a:t>Date.cpp</a:t>
-            </a:r>
-            <a:r>
-              <a:rPr lang="en-US" dirty="0"/>
-              <a:t> &amp; </a:t>
-            </a:r>
-            <a:r>
-              <a:rPr lang="en-US" dirty="0" err="1"/>
-              <a:t>Date.hpp</a:t>
-            </a:r>
-            <a:r>
-              <a:rPr lang="en-US" dirty="0"/>
-              <a:t> → These files hold the Date class</a:t>
-            </a:r>
-          </a:p>
-          <a:p>
-            <a:pPr lvl="1"/>
-            <a:r>
-              <a:rPr lang="en-US" dirty="0" err="1"/>
-              <a:t>OrganizeLife.cpp</a:t>
-            </a:r>
-            <a:r>
-              <a:rPr lang="en-US" dirty="0"/>
-              <a:t> &amp; </a:t>
-            </a:r>
-            <a:r>
-              <a:rPr lang="en-US" dirty="0" err="1"/>
-              <a:t>OrganizeLife.hpp</a:t>
-            </a:r>
-            <a:r>
-              <a:rPr lang="en-US" dirty="0"/>
-              <a:t> → These files hold the remainder of the functions used in </a:t>
-            </a:r>
-            <a:r>
-              <a:rPr lang="en-US" dirty="0" err="1"/>
-              <a:t>main.cpp</a:t>
-            </a:r>
-            <a:endParaRPr lang="en-US" dirty="0"/>
-          </a:p>
-          <a:p>
-            <a:pPr lvl="1"/>
-            <a:r>
-              <a:rPr lang="en-US" dirty="0" err="1"/>
-              <a:t>Main.cpp</a:t>
-            </a:r>
-            <a:r>
-              <a:rPr lang="en-US" dirty="0"/>
-              <a:t> → the main function of the program</a:t>
+              <a:t>cout</a:t>
+            </a:r>
+            <a:r>
+              <a:rPr lang="en-US" dirty="0"/>
+              <a:t> statements in the code</a:t>
+            </a:r>
+          </a:p>
+          <a:p>
+            <a:r>
+              <a:rPr lang="en-US" dirty="0"/>
+              <a:t>Very user-friendly and intuitive design, allowing for seamless application of test cases while running the program</a:t>
+            </a:r>
+          </a:p>
+          <a:p>
+            <a:r>
+              <a:rPr lang="en-US" dirty="0"/>
+              <a:t>Test Case Examples on following page</a:t>
             </a:r>
           </a:p>
         </p:txBody>
@@ -3571,7 +3592,7 @@
     </p:spTree>
     <p:extLst>
       <p:ext uri="{BB962C8B-B14F-4D97-AF65-F5344CB8AC3E}">
-        <p14:creationId xmlns:p14="http://schemas.microsoft.com/office/powerpoint/2010/main" val="2706513292"/>
+        <p14:creationId xmlns:p14="http://schemas.microsoft.com/office/powerpoint/2010/main" val="3875190424"/>
       </p:ext>
     </p:extLst>
   </p:cSld>
@@ -3603,7 +3624,7 @@
           <p:cNvPr id="2" name="Title 1">
             <a:extLst>
               <a:ext uri="{FF2B5EF4-FFF2-40B4-BE49-F238E27FC236}">
-                <a16:creationId xmlns:a16="http://schemas.microsoft.com/office/drawing/2014/main" id="{7E2A30A0-8365-12A0-1347-A2C477777111}"/>
+                <a16:creationId xmlns:a16="http://schemas.microsoft.com/office/drawing/2014/main" id="{CBCBE736-1968-4039-E156-E620C05D9A4E}"/>
               </a:ext>
             </a:extLst>
           </p:cNvPr>
@@ -3614,24 +3635,29 @@
             <p:ph type="title"/>
           </p:nvPr>
         </p:nvSpPr>
-        <p:spPr/>
-        <p:txBody>
-          <a:bodyPr/>
-          <a:lstStyle/>
-          <a:p>
-            <a:r>
-              <a:rPr lang="en-US" dirty="0"/>
-              <a:t>testing</a:t>
-            </a:r>
-          </a:p>
-        </p:txBody>
-      </p:sp>
-      <p:sp>
-        <p:nvSpPr>
-          <p:cNvPr id="3" name="Content Placeholder 2">
+        <p:spPr>
+          <a:xfrm>
+            <a:off x="765449" y="186428"/>
+            <a:ext cx="4494998" cy="1134640"/>
+          </a:xfrm>
+        </p:spPr>
+        <p:txBody>
+          <a:bodyPr/>
+          <a:lstStyle/>
+          <a:p>
+            <a:r>
+              <a:rPr lang="en-US" dirty="0"/>
+              <a:t>Test case I</a:t>
+            </a:r>
+          </a:p>
+        </p:txBody>
+      </p:sp>
+      <p:sp>
+        <p:nvSpPr>
+          <p:cNvPr id="3" name="Picture Placeholder 2">
             <a:extLst>
               <a:ext uri="{FF2B5EF4-FFF2-40B4-BE49-F238E27FC236}">
-                <a16:creationId xmlns:a16="http://schemas.microsoft.com/office/drawing/2014/main" id="{29C4D206-25C0-E9F5-48F7-FCD3B3239E01}"/>
+                <a16:creationId xmlns:a16="http://schemas.microsoft.com/office/drawing/2014/main" id="{C86864CC-3A52-2E08-708E-8988FB202A8B}"/>
               </a:ext>
             </a:extLst>
           </p:cNvPr>
@@ -3639,45 +3665,15 @@
             <a:spLocks noGrp="1"/>
           </p:cNvSpPr>
           <p:nvPr>
-            <p:ph idx="1"/>
-          </p:nvPr>
-        </p:nvSpPr>
-        <p:spPr/>
-        <p:txBody>
-          <a:bodyPr/>
-          <a:lstStyle/>
-          <a:p>
-            <a:r>
-              <a:rPr lang="en-US" dirty="0"/>
-              <a:t>Instructions provided to user via </a:t>
-            </a:r>
-            <a:r>
-              <a:rPr lang="en-US" dirty="0" err="1"/>
-              <a:t>cout</a:t>
-            </a:r>
-            <a:r>
-              <a:rPr lang="en-US" dirty="0"/>
-              <a:t> statements in the code</a:t>
-            </a:r>
-          </a:p>
-          <a:p>
-            <a:r>
-              <a:rPr lang="en-US" dirty="0"/>
-              <a:t>Very user-friendly and intuitive design, allowing for seamless application of test cases while running the program</a:t>
-            </a:r>
-          </a:p>
-          <a:p>
-            <a:r>
-              <a:rPr lang="en-US" dirty="0"/>
-              <a:t>Test Case Examples on following page</a:t>
-            </a:r>
-          </a:p>
-        </p:txBody>
+            <p:ph type="pic" idx="1"/>
+          </p:nvPr>
+        </p:nvSpPr>
+        <p:spPr/>
       </p:sp>
     </p:spTree>
     <p:extLst>
       <p:ext uri="{BB962C8B-B14F-4D97-AF65-F5344CB8AC3E}">
-        <p14:creationId xmlns:p14="http://schemas.microsoft.com/office/powerpoint/2010/main" val="3875190424"/>
+        <p14:creationId xmlns:p14="http://schemas.microsoft.com/office/powerpoint/2010/main" val="3291192043"/>
       </p:ext>
     </p:extLst>
   </p:cSld>
@@ -3722,7 +3718,7 @@
         </p:nvSpPr>
         <p:spPr>
           <a:xfrm>
-            <a:off x="765449" y="186428"/>
+            <a:off x="775389" y="186429"/>
             <a:ext cx="4494998" cy="1134640"/>
           </a:xfrm>
         </p:spPr>
@@ -3732,7 +3728,7 @@
           <a:p>
             <a:r>
               <a:rPr lang="en-US" dirty="0"/>
-              <a:t>Test case I</a:t>
+              <a:t>Test case II</a:t>
             </a:r>
           </a:p>
         </p:txBody>
@@ -3758,7 +3754,7 @@
     </p:spTree>
     <p:extLst>
       <p:ext uri="{BB962C8B-B14F-4D97-AF65-F5344CB8AC3E}">
-        <p14:creationId xmlns:p14="http://schemas.microsoft.com/office/powerpoint/2010/main" val="3291192043"/>
+        <p14:creationId xmlns:p14="http://schemas.microsoft.com/office/powerpoint/2010/main" val="248377141"/>
       </p:ext>
     </p:extLst>
   </p:cSld>
@@ -3803,7 +3799,7 @@
         </p:nvSpPr>
         <p:spPr>
           <a:xfrm>
-            <a:off x="775389" y="186429"/>
+            <a:off x="765449" y="186428"/>
             <a:ext cx="4494998" cy="1134640"/>
           </a:xfrm>
         </p:spPr>
@@ -3813,7 +3809,7 @@
           <a:p>
             <a:r>
               <a:rPr lang="en-US" dirty="0"/>
-              <a:t>Test case II</a:t>
+              <a:t>Test case III</a:t>
             </a:r>
           </a:p>
         </p:txBody>
@@ -3839,7 +3835,7 @@
     </p:spTree>
     <p:extLst>
       <p:ext uri="{BB962C8B-B14F-4D97-AF65-F5344CB8AC3E}">
-        <p14:creationId xmlns:p14="http://schemas.microsoft.com/office/powerpoint/2010/main" val="248377141"/>
+        <p14:creationId xmlns:p14="http://schemas.microsoft.com/office/powerpoint/2010/main" val="3715308466"/>
       </p:ext>
     </p:extLst>
   </p:cSld>
@@ -3894,7 +3890,7 @@
           <a:p>
             <a:r>
               <a:rPr lang="en-US" dirty="0"/>
-              <a:t>Test case III</a:t>
+              <a:t>Test case IV</a:t>
             </a:r>
           </a:p>
         </p:txBody>
@@ -3920,7 +3916,7 @@
     </p:spTree>
     <p:extLst>
       <p:ext uri="{BB962C8B-B14F-4D97-AF65-F5344CB8AC3E}">
-        <p14:creationId xmlns:p14="http://schemas.microsoft.com/office/powerpoint/2010/main" val="3715308466"/>
+        <p14:creationId xmlns:p14="http://schemas.microsoft.com/office/powerpoint/2010/main" val="3515544287"/>
       </p:ext>
     </p:extLst>
   </p:cSld>
@@ -3952,7 +3948,7 @@
           <p:cNvPr id="2" name="Title 1">
             <a:extLst>
               <a:ext uri="{FF2B5EF4-FFF2-40B4-BE49-F238E27FC236}">
-                <a16:creationId xmlns:a16="http://schemas.microsoft.com/office/drawing/2014/main" id="{CBCBE736-1968-4039-E156-E620C05D9A4E}"/>
+                <a16:creationId xmlns:a16="http://schemas.microsoft.com/office/drawing/2014/main" id="{7E2A30A0-8365-12A0-1347-A2C477777111}"/>
               </a:ext>
             </a:extLst>
           </p:cNvPr>
@@ -3963,29 +3959,24 @@
             <p:ph type="title"/>
           </p:nvPr>
         </p:nvSpPr>
-        <p:spPr>
-          <a:xfrm>
-            <a:off x="765449" y="186428"/>
-            <a:ext cx="4494998" cy="1134640"/>
-          </a:xfrm>
-        </p:spPr>
-        <p:txBody>
-          <a:bodyPr/>
-          <a:lstStyle/>
-          <a:p>
-            <a:r>
-              <a:rPr lang="en-US" dirty="0"/>
-              <a:t>Test case IV</a:t>
-            </a:r>
-          </a:p>
-        </p:txBody>
-      </p:sp>
-      <p:sp>
-        <p:nvSpPr>
-          <p:cNvPr id="3" name="Picture Placeholder 2">
+        <p:spPr/>
+        <p:txBody>
+          <a:bodyPr/>
+          <a:lstStyle/>
+          <a:p>
+            <a:r>
+              <a:rPr lang="en-US" dirty="0"/>
+              <a:t>Software architecture</a:t>
+            </a:r>
+          </a:p>
+        </p:txBody>
+      </p:sp>
+      <p:sp>
+        <p:nvSpPr>
+          <p:cNvPr id="3" name="Content Placeholder 2">
             <a:extLst>
               <a:ext uri="{FF2B5EF4-FFF2-40B4-BE49-F238E27FC236}">
-                <a16:creationId xmlns:a16="http://schemas.microsoft.com/office/drawing/2014/main" id="{C86864CC-3A52-2E08-708E-8988FB202A8B}"/>
+                <a16:creationId xmlns:a16="http://schemas.microsoft.com/office/drawing/2014/main" id="{29C4D206-25C0-E9F5-48F7-FCD3B3239E01}"/>
               </a:ext>
             </a:extLst>
           </p:cNvPr>
@@ -3993,15 +3984,146 @@
             <a:spLocks noGrp="1"/>
           </p:cNvSpPr>
           <p:nvPr>
-            <p:ph type="pic" idx="1"/>
-          </p:nvPr>
-        </p:nvSpPr>
-        <p:spPr/>
+            <p:ph idx="1"/>
+          </p:nvPr>
+        </p:nvSpPr>
+        <p:spPr/>
+        <p:txBody>
+          <a:bodyPr>
+            <a:normAutofit fontScale="92500"/>
+          </a:bodyPr>
+          <a:lstStyle/>
+          <a:p>
+            <a:r>
+              <a:rPr lang="en-US" dirty="0"/>
+              <a:t>Used Pass By Reference whenever possible/it made sense to in order to use the smallest amount of storage possible</a:t>
+            </a:r>
+          </a:p>
+          <a:p>
+            <a:r>
+              <a:rPr lang="en-US" dirty="0"/>
+              <a:t>Attempted to keep the variables in </a:t>
+            </a:r>
+            <a:r>
+              <a:rPr lang="en-US" dirty="0" err="1"/>
+              <a:t>main.cpp</a:t>
+            </a:r>
+            <a:r>
+              <a:rPr lang="en-US" dirty="0"/>
+              <a:t> at a minimum and defer their  responsibility to local variables in functions outside of main. This allowed for those variables to pop off the stack and free up memory after they were no longer actively being used.</a:t>
+            </a:r>
+          </a:p>
+          <a:p>
+            <a:r>
+              <a:rPr lang="en-US" dirty="0"/>
+              <a:t>Attempted to use switch statements more frequently than if and if-else statements</a:t>
+            </a:r>
+          </a:p>
+          <a:p>
+            <a:pPr lvl="1"/>
+            <a:r>
+              <a:rPr lang="en-US" dirty="0"/>
+              <a:t>However, this was not completely avoidable → in order to maintain system logic and clarity, sometimes it was best to use a series of if-else statements when operating within a switch statement</a:t>
+            </a:r>
+          </a:p>
+        </p:txBody>
       </p:sp>
     </p:spTree>
     <p:extLst>
       <p:ext uri="{BB962C8B-B14F-4D97-AF65-F5344CB8AC3E}">
-        <p14:creationId xmlns:p14="http://schemas.microsoft.com/office/powerpoint/2010/main" val="3515544287"/>
+        <p14:creationId xmlns:p14="http://schemas.microsoft.com/office/powerpoint/2010/main" val="1291661186"/>
+      </p:ext>
+    </p:extLst>
+  </p:cSld>
+  <p:clrMapOvr>
+    <a:masterClrMapping/>
+  </p:clrMapOvr>
+</p:sld>
+</file>
+
+<file path=ppt/slides/slide9.xml><?xml version="1.0" encoding="utf-8"?>
+<p:sld xmlns:a="http://schemas.openxmlformats.org/drawingml/2006/main" xmlns:r="http://schemas.openxmlformats.org/officeDocument/2006/relationships" xmlns:p="http://schemas.openxmlformats.org/presentationml/2006/main">
+  <p:cSld>
+    <p:spTree>
+      <p:nvGrpSpPr>
+        <p:cNvPr id="1" name=""/>
+        <p:cNvGrpSpPr/>
+        <p:nvPr/>
+      </p:nvGrpSpPr>
+      <p:grpSpPr>
+        <a:xfrm>
+          <a:off x="0" y="0"/>
+          <a:ext cx="0" cy="0"/>
+          <a:chOff x="0" y="0"/>
+          <a:chExt cx="0" cy="0"/>
+        </a:xfrm>
+      </p:grpSpPr>
+      <p:sp>
+        <p:nvSpPr>
+          <p:cNvPr id="2" name="Title 1">
+            <a:extLst>
+              <a:ext uri="{FF2B5EF4-FFF2-40B4-BE49-F238E27FC236}">
+                <a16:creationId xmlns:a16="http://schemas.microsoft.com/office/drawing/2014/main" id="{19D66875-484A-1060-C03D-77BE501652F6}"/>
+              </a:ext>
+            </a:extLst>
+          </p:cNvPr>
+          <p:cNvSpPr>
+            <a:spLocks noGrp="1"/>
+          </p:cNvSpPr>
+          <p:nvPr>
+            <p:ph type="title"/>
+          </p:nvPr>
+        </p:nvSpPr>
+        <p:spPr/>
+        <p:txBody>
+          <a:bodyPr/>
+          <a:lstStyle/>
+          <a:p>
+            <a:r>
+              <a:rPr lang="en-US" dirty="0"/>
+              <a:t>Performance</a:t>
+            </a:r>
+          </a:p>
+        </p:txBody>
+      </p:sp>
+      <p:sp>
+        <p:nvSpPr>
+          <p:cNvPr id="3" name="Content Placeholder 2">
+            <a:extLst>
+              <a:ext uri="{FF2B5EF4-FFF2-40B4-BE49-F238E27FC236}">
+                <a16:creationId xmlns:a16="http://schemas.microsoft.com/office/drawing/2014/main" id="{5B622429-557F-187F-6250-5521D98D9A9B}"/>
+              </a:ext>
+            </a:extLst>
+          </p:cNvPr>
+          <p:cNvSpPr>
+            <a:spLocks noGrp="1"/>
+          </p:cNvSpPr>
+          <p:nvPr>
+            <p:ph idx="1"/>
+          </p:nvPr>
+        </p:nvSpPr>
+        <p:spPr/>
+        <p:txBody>
+          <a:bodyPr/>
+          <a:lstStyle/>
+          <a:p>
+            <a:r>
+              <a:rPr lang="en-US" dirty="0"/>
+              <a:t>The performance of our program is satisfactory</a:t>
+            </a:r>
+          </a:p>
+          <a:p>
+            <a:r>
+              <a:rPr lang="en-US" dirty="0"/>
+              <a:t>Due to the size of our group, we did not perform any performance analysis beyond using our own judgement</a:t>
+            </a:r>
+          </a:p>
+        </p:txBody>
+      </p:sp>
+    </p:spTree>
+    <p:extLst>
+      <p:ext uri="{BB962C8B-B14F-4D97-AF65-F5344CB8AC3E}">
+        <p14:creationId xmlns:p14="http://schemas.microsoft.com/office/powerpoint/2010/main" val="1565167725"/>
       </p:ext>
     </p:extLst>
   </p:cSld>

--- a/doc/ProjectArchitecture.pptx
+++ b/doc/ProjectArchitecture.pptx
@@ -10,10 +10,12 @@
     <p:sldId id="259" r:id="rId4"/>
     <p:sldId id="260" r:id="rId5"/>
     <p:sldId id="261" r:id="rId6"/>
-    <p:sldId id="262" r:id="rId7"/>
-    <p:sldId id="263" r:id="rId8"/>
-    <p:sldId id="264" r:id="rId9"/>
-    <p:sldId id="257" r:id="rId10"/>
+    <p:sldId id="265" r:id="rId7"/>
+    <p:sldId id="266" r:id="rId8"/>
+    <p:sldId id="267" r:id="rId9"/>
+    <p:sldId id="262" r:id="rId10"/>
+    <p:sldId id="264" r:id="rId11"/>
+    <p:sldId id="257" r:id="rId12"/>
   </p:sldIdLst>
   <p:sldSz cx="12192000" cy="6858000"/>
   <p:notesSz cx="6858000" cy="9144000"/>
@@ -112,6 +114,11 @@
       </a:defRPr>
     </a:lvl9pPr>
   </p:defaultTextStyle>
+  <p:extLst>
+    <p:ext uri="{EFAFB233-063F-42B5-8137-9DF3F51BA10A}">
+      <p15:sldGuideLst xmlns:p15="http://schemas.microsoft.com/office/powerpoint/2012/main"/>
+    </p:ext>
+  </p:extLst>
 </p:presentation>
 </file>
 
@@ -278,7 +285,7 @@
           <a:p>
             <a:fld id="{1160EA64-D806-43AC-9DF2-F8C432F32B4C}" type="datetimeFigureOut">
               <a:rPr lang="en-US" dirty="0"/>
-              <a:t>12/12/22</a:t>
+              <a:t>12/12/2022</a:t>
             </a:fld>
             <a:endParaRPr lang="en-US" dirty="0"/>
           </a:p>
@@ -444,7 +451,7 @@
           <a:p>
             <a:fld id="{E9F9C37B-1D36-470B-8223-D6C91242EC14}" type="datetimeFigureOut">
               <a:rPr lang="en-US" dirty="0"/>
-              <a:t>12/12/22</a:t>
+              <a:t>12/12/2022</a:t>
             </a:fld>
             <a:endParaRPr lang="en-US" dirty="0"/>
           </a:p>
@@ -619,7 +626,7 @@
           <a:p>
             <a:fld id="{67C6F52A-A82B-47A2-A83A-8C4C91F2D59F}" type="datetimeFigureOut">
               <a:rPr lang="en-US" dirty="0"/>
-              <a:t>12/12/22</a:t>
+              <a:t>12/12/2022</a:t>
             </a:fld>
             <a:endParaRPr lang="en-US" dirty="0"/>
           </a:p>
@@ -784,7 +791,7 @@
           <a:p>
             <a:fld id="{F070A7B3-6521-4DCA-87E5-044747A908C1}" type="datetimeFigureOut">
               <a:rPr lang="en-US" dirty="0"/>
-              <a:t>12/12/22</a:t>
+              <a:t>12/12/2022</a:t>
             </a:fld>
             <a:endParaRPr lang="en-US" dirty="0"/>
           </a:p>
@@ -1048,7 +1055,7 @@
           <a:p>
             <a:fld id="{1160EA64-D806-43AC-9DF2-F8C432F32B4C}" type="datetimeFigureOut">
               <a:rPr lang="en-US" dirty="0"/>
-              <a:t>12/12/22</a:t>
+              <a:t>12/12/2022</a:t>
             </a:fld>
             <a:endParaRPr lang="en-US" dirty="0"/>
           </a:p>
@@ -1276,7 +1283,7 @@
           <a:p>
             <a:fld id="{AB134690-1557-4C89-A502-4959FE7FAD70}" type="datetimeFigureOut">
               <a:rPr lang="en-US" dirty="0"/>
-              <a:t>12/12/22</a:t>
+              <a:t>12/12/2022</a:t>
             </a:fld>
             <a:endParaRPr lang="en-US" dirty="0"/>
           </a:p>
@@ -1630,7 +1637,7 @@
           <a:p>
             <a:fld id="{4F7D4976-E339-4826-83B7-FBD03F55ECF8}" type="datetimeFigureOut">
               <a:rPr lang="en-US" dirty="0"/>
-              <a:t>12/12/22</a:t>
+              <a:t>12/12/2022</a:t>
             </a:fld>
             <a:endParaRPr lang="en-US" dirty="0"/>
           </a:p>
@@ -1766,7 +1773,7 @@
           <a:p>
             <a:fld id="{E1037C31-9E7A-4F99-8774-A0E530DE1A42}" type="datetimeFigureOut">
               <a:rPr lang="en-US" dirty="0"/>
-              <a:t>12/12/22</a:t>
+              <a:t>12/12/2022</a:t>
             </a:fld>
             <a:endParaRPr lang="en-US" dirty="0"/>
           </a:p>
@@ -1856,7 +1863,7 @@
           <a:p>
             <a:fld id="{C278504F-A551-4DE0-9316-4DCD1D8CC752}" type="datetimeFigureOut">
               <a:rPr lang="en-US" dirty="0"/>
-              <a:t>12/12/22</a:t>
+              <a:t>12/12/2022</a:t>
             </a:fld>
             <a:endParaRPr lang="en-US" dirty="0"/>
           </a:p>
@@ -2208,7 +2215,7 @@
           <a:p>
             <a:fld id="{D1BE4249-C0D0-4B06-8692-E8BB871AF643}" type="datetimeFigureOut">
               <a:rPr lang="en-US" dirty="0"/>
-              <a:t>12/12/22</a:t>
+              <a:t>12/12/2022</a:t>
             </a:fld>
             <a:endParaRPr lang="en-US" dirty="0"/>
           </a:p>
@@ -2560,7 +2567,7 @@
           <a:p>
             <a:fld id="{042B0DB6-F5C7-45FB-8CF3-31B45F9C2DAC}" type="datetimeFigureOut">
               <a:rPr lang="en-US" dirty="0"/>
-              <a:t>12/12/22</a:t>
+              <a:t>12/12/2022</a:t>
             </a:fld>
             <a:endParaRPr lang="en-US" dirty="0"/>
           </a:p>
@@ -2797,7 +2804,7 @@
           <a:p>
             <a:fld id="{1160EA64-D806-43AC-9DF2-F8C432F32B4C}" type="datetimeFigureOut">
               <a:rPr lang="en-US" dirty="0"/>
-              <a:t>12/12/22</a:t>
+              <a:t>12/12/2022</a:t>
             </a:fld>
             <a:endParaRPr lang="en-US" dirty="0"/>
           </a:p>
@@ -3321,6 +3328,213 @@
 </p:sld>
 </file>
 
+<file path=ppt/slides/slide10.xml><?xml version="1.0" encoding="utf-8"?>
+<p:sld xmlns:a="http://schemas.openxmlformats.org/drawingml/2006/main" xmlns:r="http://schemas.openxmlformats.org/officeDocument/2006/relationships" xmlns:p="http://schemas.openxmlformats.org/presentationml/2006/main">
+  <p:cSld>
+    <p:spTree>
+      <p:nvGrpSpPr>
+        <p:cNvPr id="1" name=""/>
+        <p:cNvGrpSpPr/>
+        <p:nvPr/>
+      </p:nvGrpSpPr>
+      <p:grpSpPr>
+        <a:xfrm>
+          <a:off x="0" y="0"/>
+          <a:ext cx="0" cy="0"/>
+          <a:chOff x="0" y="0"/>
+          <a:chExt cx="0" cy="0"/>
+        </a:xfrm>
+      </p:grpSpPr>
+      <p:sp>
+        <p:nvSpPr>
+          <p:cNvPr id="2" name="Title 1">
+            <a:extLst>
+              <a:ext uri="{FF2B5EF4-FFF2-40B4-BE49-F238E27FC236}">
+                <a16:creationId xmlns:a16="http://schemas.microsoft.com/office/drawing/2014/main" id="{7E2A30A0-8365-12A0-1347-A2C477777111}"/>
+              </a:ext>
+            </a:extLst>
+          </p:cNvPr>
+          <p:cNvSpPr>
+            <a:spLocks noGrp="1"/>
+          </p:cNvSpPr>
+          <p:nvPr>
+            <p:ph type="title"/>
+          </p:nvPr>
+        </p:nvSpPr>
+        <p:spPr/>
+        <p:txBody>
+          <a:bodyPr/>
+          <a:lstStyle/>
+          <a:p>
+            <a:r>
+              <a:rPr lang="en-US" dirty="0"/>
+              <a:t>Software architecture</a:t>
+            </a:r>
+          </a:p>
+        </p:txBody>
+      </p:sp>
+      <p:sp>
+        <p:nvSpPr>
+          <p:cNvPr id="3" name="Content Placeholder 2">
+            <a:extLst>
+              <a:ext uri="{FF2B5EF4-FFF2-40B4-BE49-F238E27FC236}">
+                <a16:creationId xmlns:a16="http://schemas.microsoft.com/office/drawing/2014/main" id="{29C4D206-25C0-E9F5-48F7-FCD3B3239E01}"/>
+              </a:ext>
+            </a:extLst>
+          </p:cNvPr>
+          <p:cNvSpPr>
+            <a:spLocks noGrp="1"/>
+          </p:cNvSpPr>
+          <p:nvPr>
+            <p:ph idx="1"/>
+          </p:nvPr>
+        </p:nvSpPr>
+        <p:spPr/>
+        <p:txBody>
+          <a:bodyPr>
+            <a:normAutofit fontScale="92500"/>
+          </a:bodyPr>
+          <a:lstStyle/>
+          <a:p>
+            <a:r>
+              <a:rPr lang="en-US" dirty="0"/>
+              <a:t>Used Pass By Reference whenever possible/it made sense to in order to use the smallest amount of storage possible</a:t>
+            </a:r>
+          </a:p>
+          <a:p>
+            <a:r>
+              <a:rPr lang="en-US" dirty="0"/>
+              <a:t>Attempted to keep the variables in </a:t>
+            </a:r>
+            <a:r>
+              <a:rPr lang="en-US" dirty="0" err="1"/>
+              <a:t>main.cpp</a:t>
+            </a:r>
+            <a:r>
+              <a:rPr lang="en-US" dirty="0"/>
+              <a:t> at a minimum and defer their  responsibility to local variables in functions outside of main. This allowed for those variables to pop off the stack and free up memory after they were no longer actively being used.</a:t>
+            </a:r>
+          </a:p>
+          <a:p>
+            <a:r>
+              <a:rPr lang="en-US" dirty="0"/>
+              <a:t>Attempted to use switch statements more frequently than if and if-else statements</a:t>
+            </a:r>
+          </a:p>
+          <a:p>
+            <a:pPr lvl="1"/>
+            <a:r>
+              <a:rPr lang="en-US" dirty="0"/>
+              <a:t>However, this was not completely avoidable → in order to maintain system logic and clarity, sometimes it was best to use a series of if-else statements when operating within a switch statement</a:t>
+            </a:r>
+          </a:p>
+        </p:txBody>
+      </p:sp>
+    </p:spTree>
+    <p:extLst>
+      <p:ext uri="{BB962C8B-B14F-4D97-AF65-F5344CB8AC3E}">
+        <p14:creationId xmlns:p14="http://schemas.microsoft.com/office/powerpoint/2010/main" val="1291661186"/>
+      </p:ext>
+    </p:extLst>
+  </p:cSld>
+  <p:clrMapOvr>
+    <a:masterClrMapping/>
+  </p:clrMapOvr>
+</p:sld>
+</file>
+
+<file path=ppt/slides/slide11.xml><?xml version="1.0" encoding="utf-8"?>
+<p:sld xmlns:a="http://schemas.openxmlformats.org/drawingml/2006/main" xmlns:r="http://schemas.openxmlformats.org/officeDocument/2006/relationships" xmlns:p="http://schemas.openxmlformats.org/presentationml/2006/main">
+  <p:cSld>
+    <p:spTree>
+      <p:nvGrpSpPr>
+        <p:cNvPr id="1" name=""/>
+        <p:cNvGrpSpPr/>
+        <p:nvPr/>
+      </p:nvGrpSpPr>
+      <p:grpSpPr>
+        <a:xfrm>
+          <a:off x="0" y="0"/>
+          <a:ext cx="0" cy="0"/>
+          <a:chOff x="0" y="0"/>
+          <a:chExt cx="0" cy="0"/>
+        </a:xfrm>
+      </p:grpSpPr>
+      <p:sp>
+        <p:nvSpPr>
+          <p:cNvPr id="2" name="Title 1">
+            <a:extLst>
+              <a:ext uri="{FF2B5EF4-FFF2-40B4-BE49-F238E27FC236}">
+                <a16:creationId xmlns:a16="http://schemas.microsoft.com/office/drawing/2014/main" id="{19D66875-484A-1060-C03D-77BE501652F6}"/>
+              </a:ext>
+            </a:extLst>
+          </p:cNvPr>
+          <p:cNvSpPr>
+            <a:spLocks noGrp="1"/>
+          </p:cNvSpPr>
+          <p:nvPr>
+            <p:ph type="title"/>
+          </p:nvPr>
+        </p:nvSpPr>
+        <p:spPr/>
+        <p:txBody>
+          <a:bodyPr/>
+          <a:lstStyle/>
+          <a:p>
+            <a:r>
+              <a:rPr lang="en-US" dirty="0"/>
+              <a:t>Performance</a:t>
+            </a:r>
+          </a:p>
+        </p:txBody>
+      </p:sp>
+      <p:sp>
+        <p:nvSpPr>
+          <p:cNvPr id="3" name="Content Placeholder 2">
+            <a:extLst>
+              <a:ext uri="{FF2B5EF4-FFF2-40B4-BE49-F238E27FC236}">
+                <a16:creationId xmlns:a16="http://schemas.microsoft.com/office/drawing/2014/main" id="{5B622429-557F-187F-6250-5521D98D9A9B}"/>
+              </a:ext>
+            </a:extLst>
+          </p:cNvPr>
+          <p:cNvSpPr>
+            <a:spLocks noGrp="1"/>
+          </p:cNvSpPr>
+          <p:nvPr>
+            <p:ph idx="1"/>
+          </p:nvPr>
+        </p:nvSpPr>
+        <p:spPr/>
+        <p:txBody>
+          <a:bodyPr/>
+          <a:lstStyle/>
+          <a:p>
+            <a:r>
+              <a:rPr lang="en-US" dirty="0"/>
+              <a:t>The performance of our program is satisfactory</a:t>
+            </a:r>
+          </a:p>
+          <a:p>
+            <a:r>
+              <a:rPr lang="en-US" dirty="0"/>
+              <a:t>Due to the size of our group, we did not perform any performance analysis beyond using our own judgement</a:t>
+            </a:r>
+          </a:p>
+        </p:txBody>
+      </p:sp>
+    </p:spTree>
+    <p:extLst>
+      <p:ext uri="{BB962C8B-B14F-4D97-AF65-F5344CB8AC3E}">
+        <p14:creationId xmlns:p14="http://schemas.microsoft.com/office/powerpoint/2010/main" val="1565167725"/>
+      </p:ext>
+    </p:extLst>
+  </p:cSld>
+  <p:clrMapOvr>
+    <a:masterClrMapping/>
+  </p:clrMapOvr>
+</p:sld>
+</file>
+
 <file path=ppt/slides/slide2.xml><?xml version="1.0" encoding="utf-8"?>
 <p:sld xmlns:a="http://schemas.openxmlformats.org/drawingml/2006/main" xmlns:r="http://schemas.openxmlformats.org/officeDocument/2006/relationships" xmlns:p="http://schemas.openxmlformats.org/presentationml/2006/main">
   <p:cSld>
@@ -3605,6 +3819,14 @@
 <file path=ppt/slides/slide4.xml><?xml version="1.0" encoding="utf-8"?>
 <p:sld xmlns:a="http://schemas.openxmlformats.org/drawingml/2006/main" xmlns:r="http://schemas.openxmlformats.org/officeDocument/2006/relationships" xmlns:p="http://schemas.openxmlformats.org/presentationml/2006/main">
   <p:cSld>
+    <p:bg>
+      <p:bgPr>
+        <a:solidFill>
+          <a:schemeClr val="accent2"/>
+        </a:solidFill>
+        <a:effectLst/>
+      </p:bgPr>
+    </p:bg>
     <p:spTree>
       <p:nvGrpSpPr>
         <p:cNvPr id="1" name=""/>
@@ -3637,39 +3859,54 @@
         </p:nvSpPr>
         <p:spPr>
           <a:xfrm>
-            <a:off x="765449" y="186428"/>
-            <a:ext cx="4494998" cy="1134640"/>
+            <a:off x="853767" y="398384"/>
+            <a:ext cx="4486656" cy="1645920"/>
           </a:xfrm>
         </p:spPr>
         <p:txBody>
-          <a:bodyPr/>
-          <a:lstStyle/>
-          <a:p>
-            <a:r>
-              <a:rPr lang="en-US" dirty="0"/>
+          <a:bodyPr vert="horz" lIns="274320" tIns="182880" rIns="274320" bIns="182880" rtlCol="0" anchor="ctr" anchorCtr="1">
+            <a:normAutofit/>
+          </a:bodyPr>
+          <a:lstStyle/>
+          <a:p>
+            <a:r>
+              <a:rPr lang="en-US" sz="3200"/>
               <a:t>Test case I</a:t>
             </a:r>
           </a:p>
         </p:txBody>
       </p:sp>
-      <p:sp>
-        <p:nvSpPr>
-          <p:cNvPr id="3" name="Picture Placeholder 2">
+      <p:pic>
+        <p:nvPicPr>
+          <p:cNvPr id="5" name="Picture Placeholder 4">
             <a:extLst>
               <a:ext uri="{FF2B5EF4-FFF2-40B4-BE49-F238E27FC236}">
-                <a16:creationId xmlns:a16="http://schemas.microsoft.com/office/drawing/2014/main" id="{C86864CC-3A52-2E08-708E-8988FB202A8B}"/>
+                <a16:creationId xmlns:a16="http://schemas.microsoft.com/office/drawing/2014/main" id="{190DAD05-F12B-73CC-2FEA-2C16D2020973}"/>
               </a:ext>
             </a:extLst>
           </p:cNvPr>
-          <p:cNvSpPr>
-            <a:spLocks noGrp="1"/>
-          </p:cNvSpPr>
+          <p:cNvPicPr>
+            <a:picLocks noGrp="1" noChangeAspect="1"/>
+          </p:cNvPicPr>
           <p:nvPr>
             <p:ph type="pic" idx="1"/>
           </p:nvPr>
-        </p:nvSpPr>
-        <p:spPr/>
-      </p:sp>
+        </p:nvPicPr>
+        <p:blipFill rotWithShape="1">
+          <a:blip r:embed="rId2"/>
+          <a:srcRect r="5938"/>
+          <a:stretch/>
+        </p:blipFill>
+        <p:spPr>
+          <a:xfrm>
+            <a:off x="6096000" y="10"/>
+            <a:ext cx="6095999" cy="6857990"/>
+          </a:xfrm>
+          <a:prstGeom prst="rect">
+            <a:avLst/>
+          </a:prstGeom>
+        </p:spPr>
+      </p:pic>
     </p:spTree>
     <p:extLst>
       <p:ext uri="{BB962C8B-B14F-4D97-AF65-F5344CB8AC3E}">
@@ -3680,6 +3917,98 @@
   <p:clrMapOvr>
     <a:masterClrMapping/>
   </p:clrMapOvr>
+  <p:timing>
+    <p:tnLst>
+      <p:par>
+        <p:cTn id="1" dur="indefinite" restart="never" nodeType="tmRoot">
+          <p:childTnLst>
+            <p:seq concurrent="1" nextAc="seek">
+              <p:cTn id="2" dur="indefinite" nodeType="mainSeq">
+                <p:childTnLst>
+                  <p:par>
+                    <p:cTn id="3" fill="hold">
+                      <p:stCondLst>
+                        <p:cond delay="indefinite"/>
+                        <p:cond evt="onBegin" delay="0">
+                          <p:tn val="2"/>
+                        </p:cond>
+                      </p:stCondLst>
+                      <p:childTnLst>
+                        <p:par>
+                          <p:cTn id="4" fill="hold">
+                            <p:stCondLst>
+                              <p:cond delay="0"/>
+                            </p:stCondLst>
+                            <p:childTnLst>
+                              <p:par>
+                                <p:cTn id="5" presetID="10" presetClass="entr" presetSubtype="0" fill="hold" grpId="0" nodeType="withEffect">
+                                  <p:stCondLst>
+                                    <p:cond delay="1000"/>
+                                  </p:stCondLst>
+                                  <p:iterate type="lt">
+                                    <p:tmPct val="10000"/>
+                                  </p:iterate>
+                                  <p:childTnLst>
+                                    <p:set>
+                                      <p:cBhvr>
+                                        <p:cTn id="6" dur="1" fill="hold">
+                                          <p:stCondLst>
+                                            <p:cond delay="0"/>
+                                          </p:stCondLst>
+                                        </p:cTn>
+                                        <p:tgtEl>
+                                          <p:spTgt spid="2"/>
+                                        </p:tgtEl>
+                                        <p:attrNameLst>
+                                          <p:attrName>style.visibility</p:attrName>
+                                        </p:attrNameLst>
+                                      </p:cBhvr>
+                                      <p:to>
+                                        <p:strVal val="visible"/>
+                                      </p:to>
+                                    </p:set>
+                                    <p:animEffect transition="in" filter="fade">
+                                      <p:cBhvr>
+                                        <p:cTn id="7" dur="400"/>
+                                        <p:tgtEl>
+                                          <p:spTgt spid="2"/>
+                                        </p:tgtEl>
+                                      </p:cBhvr>
+                                    </p:animEffect>
+                                  </p:childTnLst>
+                                </p:cTn>
+                              </p:par>
+                            </p:childTnLst>
+                          </p:cTn>
+                        </p:par>
+                      </p:childTnLst>
+                    </p:cTn>
+                  </p:par>
+                </p:childTnLst>
+              </p:cTn>
+              <p:prevCondLst>
+                <p:cond evt="onPrev" delay="0">
+                  <p:tgtEl>
+                    <p:sldTgt/>
+                  </p:tgtEl>
+                </p:cond>
+              </p:prevCondLst>
+              <p:nextCondLst>
+                <p:cond evt="onNext" delay="0">
+                  <p:tgtEl>
+                    <p:sldTgt/>
+                  </p:tgtEl>
+                </p:cond>
+              </p:nextCondLst>
+            </p:seq>
+          </p:childTnLst>
+        </p:cTn>
+      </p:par>
+    </p:tnLst>
+    <p:bldLst>
+      <p:bldP spid="2" grpId="0" animBg="1"/>
+    </p:bldLst>
+  </p:timing>
 </p:sld>
 </file>
 
@@ -3733,24 +4062,34 @@
           </a:p>
         </p:txBody>
       </p:sp>
-      <p:sp>
-        <p:nvSpPr>
-          <p:cNvPr id="3" name="Picture Placeholder 2">
+      <p:pic>
+        <p:nvPicPr>
+          <p:cNvPr id="5" name="Picture Placeholder 4">
             <a:extLst>
               <a:ext uri="{FF2B5EF4-FFF2-40B4-BE49-F238E27FC236}">
-                <a16:creationId xmlns:a16="http://schemas.microsoft.com/office/drawing/2014/main" id="{C86864CC-3A52-2E08-708E-8988FB202A8B}"/>
+                <a16:creationId xmlns:a16="http://schemas.microsoft.com/office/drawing/2014/main" id="{DC3FEFC6-6A47-E955-A853-BFE9706B447F}"/>
               </a:ext>
             </a:extLst>
           </p:cNvPr>
-          <p:cNvSpPr>
-            <a:spLocks noGrp="1"/>
-          </p:cNvSpPr>
+          <p:cNvPicPr>
+            <a:picLocks noGrp="1" noChangeAspect="1"/>
+          </p:cNvPicPr>
           <p:nvPr>
             <p:ph type="pic" idx="1"/>
           </p:nvPr>
-        </p:nvSpPr>
-        <p:spPr/>
-      </p:sp>
+        </p:nvPicPr>
+        <p:blipFill rotWithShape="1">
+          <a:blip r:embed="rId2"/>
+          <a:srcRect t="16992" b="16992"/>
+          <a:stretch/>
+        </p:blipFill>
+        <p:spPr>
+          <a:xfrm>
+            <a:off x="6113463" y="0"/>
+            <a:ext cx="6102350" cy="6858000"/>
+          </a:xfrm>
+        </p:spPr>
+      </p:pic>
     </p:spTree>
     <p:extLst>
       <p:ext uri="{BB962C8B-B14F-4D97-AF65-F5344CB8AC3E}">
@@ -3786,7 +4125,7 @@
           <p:cNvPr id="2" name="Title 1">
             <a:extLst>
               <a:ext uri="{FF2B5EF4-FFF2-40B4-BE49-F238E27FC236}">
-                <a16:creationId xmlns:a16="http://schemas.microsoft.com/office/drawing/2014/main" id="{CBCBE736-1968-4039-E156-E620C05D9A4E}"/>
+                <a16:creationId xmlns:a16="http://schemas.microsoft.com/office/drawing/2014/main" id="{B6B0424C-CD6A-4772-B893-93C848CE257B}"/>
               </a:ext>
             </a:extLst>
           </p:cNvPr>
@@ -3799,8 +4138,8 @@
         </p:nvSpPr>
         <p:spPr>
           <a:xfrm>
-            <a:off x="765449" y="186428"/>
-            <a:ext cx="4494998" cy="1134640"/>
+            <a:off x="835357" y="451849"/>
+            <a:ext cx="4486656" cy="1141497"/>
           </a:xfrm>
         </p:spPr>
         <p:txBody>
@@ -3809,33 +4148,69 @@
           <a:p>
             <a:r>
               <a:rPr lang="en-US" dirty="0"/>
-              <a:t>Test case III</a:t>
-            </a:r>
-          </a:p>
-        </p:txBody>
-      </p:sp>
-      <p:sp>
-        <p:nvSpPr>
-          <p:cNvPr id="3" name="Picture Placeholder 2">
+              <a:t>Test Case II Continue</a:t>
+            </a:r>
+          </a:p>
+        </p:txBody>
+      </p:sp>
+      <p:pic>
+        <p:nvPicPr>
+          <p:cNvPr id="6" name="Content Placeholder 5">
             <a:extLst>
               <a:ext uri="{FF2B5EF4-FFF2-40B4-BE49-F238E27FC236}">
-                <a16:creationId xmlns:a16="http://schemas.microsoft.com/office/drawing/2014/main" id="{C86864CC-3A52-2E08-708E-8988FB202A8B}"/>
+                <a16:creationId xmlns:a16="http://schemas.microsoft.com/office/drawing/2014/main" id="{10BF72DB-0221-6ED0-F264-A9F370B498C3}"/>
               </a:ext>
             </a:extLst>
           </p:cNvPr>
-          <p:cNvSpPr>
-            <a:spLocks noGrp="1"/>
-          </p:cNvSpPr>
-          <p:nvPr>
-            <p:ph type="pic" idx="1"/>
-          </p:nvPr>
-        </p:nvSpPr>
-        <p:spPr/>
+          <p:cNvPicPr>
+            <a:picLocks noGrp="1" noChangeAspect="1"/>
+          </p:cNvPicPr>
+          <p:nvPr>
+            <p:ph idx="1"/>
+          </p:nvPr>
+        </p:nvPicPr>
+        <p:blipFill>
+          <a:blip r:embed="rId2"/>
+          <a:stretch>
+            <a:fillRect/>
+          </a:stretch>
+        </p:blipFill>
+        <p:spPr>
+          <a:xfrm>
+            <a:off x="7696945" y="804863"/>
+            <a:ext cx="2894110" cy="5248275"/>
+          </a:xfrm>
+        </p:spPr>
+      </p:pic>
+      <p:sp>
+        <p:nvSpPr>
+          <p:cNvPr id="4" name="Text Placeholder 3">
+            <a:extLst>
+              <a:ext uri="{FF2B5EF4-FFF2-40B4-BE49-F238E27FC236}">
+                <a16:creationId xmlns:a16="http://schemas.microsoft.com/office/drawing/2014/main" id="{C34595AA-C919-8586-D1FA-5DC5BE3A4ED3}"/>
+              </a:ext>
+            </a:extLst>
+          </p:cNvPr>
+          <p:cNvSpPr>
+            <a:spLocks noGrp="1"/>
+          </p:cNvSpPr>
+          <p:nvPr>
+            <p:ph type="body" sz="half" idx="2"/>
+          </p:nvPr>
+        </p:nvSpPr>
+        <p:spPr/>
+        <p:txBody>
+          <a:bodyPr/>
+          <a:lstStyle/>
+          <a:p>
+            <a:endParaRPr lang="en-US"/>
+          </a:p>
+        </p:txBody>
       </p:sp>
     </p:spTree>
     <p:extLst>
       <p:ext uri="{BB962C8B-B14F-4D97-AF65-F5344CB8AC3E}">
-        <p14:creationId xmlns:p14="http://schemas.microsoft.com/office/powerpoint/2010/main" val="3715308466"/>
+        <p14:creationId xmlns:p14="http://schemas.microsoft.com/office/powerpoint/2010/main" val="1611431561"/>
       </p:ext>
     </p:extLst>
   </p:cSld>
@@ -3867,7 +4242,7 @@
           <p:cNvPr id="2" name="Title 1">
             <a:extLst>
               <a:ext uri="{FF2B5EF4-FFF2-40B4-BE49-F238E27FC236}">
-                <a16:creationId xmlns:a16="http://schemas.microsoft.com/office/drawing/2014/main" id="{CBCBE736-1968-4039-E156-E620C05D9A4E}"/>
+                <a16:creationId xmlns:a16="http://schemas.microsoft.com/office/drawing/2014/main" id="{B7019480-5EBC-EF6A-B812-CA2015541BD8}"/>
               </a:ext>
             </a:extLst>
           </p:cNvPr>
@@ -3880,8 +4255,8 @@
         </p:nvSpPr>
         <p:spPr>
           <a:xfrm>
-            <a:off x="765449" y="186428"/>
-            <a:ext cx="4494998" cy="1134640"/>
+            <a:off x="884451" y="353659"/>
+            <a:ext cx="4486656" cy="1141497"/>
           </a:xfrm>
         </p:spPr>
         <p:txBody>
@@ -3890,33 +4265,69 @@
           <a:p>
             <a:r>
               <a:rPr lang="en-US" dirty="0"/>
-              <a:t>Test case IV</a:t>
-            </a:r>
-          </a:p>
-        </p:txBody>
-      </p:sp>
-      <p:sp>
-        <p:nvSpPr>
-          <p:cNvPr id="3" name="Picture Placeholder 2">
+              <a:t>Test Case ii continued</a:t>
+            </a:r>
+          </a:p>
+        </p:txBody>
+      </p:sp>
+      <p:pic>
+        <p:nvPicPr>
+          <p:cNvPr id="6" name="Content Placeholder 5">
             <a:extLst>
               <a:ext uri="{FF2B5EF4-FFF2-40B4-BE49-F238E27FC236}">
-                <a16:creationId xmlns:a16="http://schemas.microsoft.com/office/drawing/2014/main" id="{C86864CC-3A52-2E08-708E-8988FB202A8B}"/>
+                <a16:creationId xmlns:a16="http://schemas.microsoft.com/office/drawing/2014/main" id="{6EAE4FEC-FD23-1969-BB07-6798E9B70250}"/>
               </a:ext>
             </a:extLst>
           </p:cNvPr>
-          <p:cNvSpPr>
-            <a:spLocks noGrp="1"/>
-          </p:cNvSpPr>
-          <p:nvPr>
-            <p:ph type="pic" idx="1"/>
-          </p:nvPr>
-        </p:nvSpPr>
-        <p:spPr/>
+          <p:cNvPicPr>
+            <a:picLocks noGrp="1" noChangeAspect="1"/>
+          </p:cNvPicPr>
+          <p:nvPr>
+            <p:ph idx="1"/>
+          </p:nvPr>
+        </p:nvPicPr>
+        <p:blipFill>
+          <a:blip r:embed="rId2"/>
+          <a:stretch>
+            <a:fillRect/>
+          </a:stretch>
+        </p:blipFill>
+        <p:spPr>
+          <a:xfrm>
+            <a:off x="7451065" y="804863"/>
+            <a:ext cx="3385871" cy="5248275"/>
+          </a:xfrm>
+        </p:spPr>
+      </p:pic>
+      <p:sp>
+        <p:nvSpPr>
+          <p:cNvPr id="4" name="Text Placeholder 3">
+            <a:extLst>
+              <a:ext uri="{FF2B5EF4-FFF2-40B4-BE49-F238E27FC236}">
+                <a16:creationId xmlns:a16="http://schemas.microsoft.com/office/drawing/2014/main" id="{14A3828C-24E7-26DC-F208-7BDA2D4380E9}"/>
+              </a:ext>
+            </a:extLst>
+          </p:cNvPr>
+          <p:cNvSpPr>
+            <a:spLocks noGrp="1"/>
+          </p:cNvSpPr>
+          <p:nvPr>
+            <p:ph type="body" sz="half" idx="2"/>
+          </p:nvPr>
+        </p:nvSpPr>
+        <p:spPr/>
+        <p:txBody>
+          <a:bodyPr/>
+          <a:lstStyle/>
+          <a:p>
+            <a:endParaRPr lang="en-US"/>
+          </a:p>
+        </p:txBody>
       </p:sp>
     </p:spTree>
     <p:extLst>
       <p:ext uri="{BB962C8B-B14F-4D97-AF65-F5344CB8AC3E}">
-        <p14:creationId xmlns:p14="http://schemas.microsoft.com/office/powerpoint/2010/main" val="3515544287"/>
+        <p14:creationId xmlns:p14="http://schemas.microsoft.com/office/powerpoint/2010/main" val="2524216317"/>
       </p:ext>
     </p:extLst>
   </p:cSld>
@@ -3948,7 +4359,7 @@
           <p:cNvPr id="2" name="Title 1">
             <a:extLst>
               <a:ext uri="{FF2B5EF4-FFF2-40B4-BE49-F238E27FC236}">
-                <a16:creationId xmlns:a16="http://schemas.microsoft.com/office/drawing/2014/main" id="{7E2A30A0-8365-12A0-1347-A2C477777111}"/>
+                <a16:creationId xmlns:a16="http://schemas.microsoft.com/office/drawing/2014/main" id="{8E7E6A9B-FAC2-B81A-6689-F58AE96B7ECC}"/>
               </a:ext>
             </a:extLst>
           </p:cNvPr>
@@ -3959,79 +4370,81 @@
             <p:ph type="title"/>
           </p:nvPr>
         </p:nvSpPr>
-        <p:spPr/>
-        <p:txBody>
-          <a:bodyPr/>
-          <a:lstStyle/>
-          <a:p>
-            <a:r>
-              <a:rPr lang="en-US" dirty="0"/>
-              <a:t>Software architecture</a:t>
-            </a:r>
-          </a:p>
-        </p:txBody>
-      </p:sp>
-      <p:sp>
-        <p:nvSpPr>
-          <p:cNvPr id="3" name="Content Placeholder 2">
+        <p:spPr>
+          <a:xfrm>
+            <a:off x="769620" y="341385"/>
+            <a:ext cx="4486656" cy="1141497"/>
+          </a:xfrm>
+        </p:spPr>
+        <p:txBody>
+          <a:bodyPr/>
+          <a:lstStyle/>
+          <a:p>
+            <a:r>
+              <a:rPr lang="en-US" dirty="0"/>
+              <a:t>Test case ii continued</a:t>
+            </a:r>
+          </a:p>
+        </p:txBody>
+      </p:sp>
+      <p:pic>
+        <p:nvPicPr>
+          <p:cNvPr id="6" name="Content Placeholder 5">
             <a:extLst>
               <a:ext uri="{FF2B5EF4-FFF2-40B4-BE49-F238E27FC236}">
-                <a16:creationId xmlns:a16="http://schemas.microsoft.com/office/drawing/2014/main" id="{29C4D206-25C0-E9F5-48F7-FCD3B3239E01}"/>
+                <a16:creationId xmlns:a16="http://schemas.microsoft.com/office/drawing/2014/main" id="{D5687641-B1DC-E2D7-BFC0-C083EAF8E5E9}"/>
               </a:ext>
             </a:extLst>
           </p:cNvPr>
-          <p:cNvSpPr>
-            <a:spLocks noGrp="1"/>
-          </p:cNvSpPr>
+          <p:cNvPicPr>
+            <a:picLocks noGrp="1" noChangeAspect="1"/>
+          </p:cNvPicPr>
           <p:nvPr>
             <p:ph idx="1"/>
           </p:nvPr>
-        </p:nvSpPr>
-        <p:spPr/>
-        <p:txBody>
-          <a:bodyPr>
-            <a:normAutofit fontScale="92500"/>
-          </a:bodyPr>
-          <a:lstStyle/>
-          <a:p>
-            <a:r>
-              <a:rPr lang="en-US" dirty="0"/>
-              <a:t>Used Pass By Reference whenever possible/it made sense to in order to use the smallest amount of storage possible</a:t>
-            </a:r>
-          </a:p>
-          <a:p>
-            <a:r>
-              <a:rPr lang="en-US" dirty="0"/>
-              <a:t>Attempted to keep the variables in </a:t>
-            </a:r>
-            <a:r>
-              <a:rPr lang="en-US" dirty="0" err="1"/>
-              <a:t>main.cpp</a:t>
-            </a:r>
-            <a:r>
-              <a:rPr lang="en-US" dirty="0"/>
-              <a:t> at a minimum and defer their  responsibility to local variables in functions outside of main. This allowed for those variables to pop off the stack and free up memory after they were no longer actively being used.</a:t>
-            </a:r>
-          </a:p>
-          <a:p>
-            <a:r>
-              <a:rPr lang="en-US" dirty="0"/>
-              <a:t>Attempted to use switch statements more frequently than if and if-else statements</a:t>
-            </a:r>
-          </a:p>
-          <a:p>
-            <a:pPr lvl="1"/>
-            <a:r>
-              <a:rPr lang="en-US" dirty="0"/>
-              <a:t>However, this was not completely avoidable → in order to maintain system logic and clarity, sometimes it was best to use a series of if-else statements when operating within a switch statement</a:t>
-            </a:r>
+        </p:nvPicPr>
+        <p:blipFill>
+          <a:blip r:embed="rId2"/>
+          <a:stretch>
+            <a:fillRect/>
+          </a:stretch>
+        </p:blipFill>
+        <p:spPr>
+          <a:xfrm>
+            <a:off x="7318925" y="804863"/>
+            <a:ext cx="3650151" cy="5248275"/>
+          </a:xfrm>
+        </p:spPr>
+      </p:pic>
+      <p:sp>
+        <p:nvSpPr>
+          <p:cNvPr id="4" name="Text Placeholder 3">
+            <a:extLst>
+              <a:ext uri="{FF2B5EF4-FFF2-40B4-BE49-F238E27FC236}">
+                <a16:creationId xmlns:a16="http://schemas.microsoft.com/office/drawing/2014/main" id="{55714624-39F1-2CCD-609F-959BE95F6863}"/>
+              </a:ext>
+            </a:extLst>
+          </p:cNvPr>
+          <p:cNvSpPr>
+            <a:spLocks noGrp="1"/>
+          </p:cNvSpPr>
+          <p:nvPr>
+            <p:ph type="body" sz="half" idx="2"/>
+          </p:nvPr>
+        </p:nvSpPr>
+        <p:spPr/>
+        <p:txBody>
+          <a:bodyPr/>
+          <a:lstStyle/>
+          <a:p>
+            <a:endParaRPr lang="en-US"/>
           </a:p>
         </p:txBody>
       </p:sp>
     </p:spTree>
     <p:extLst>
       <p:ext uri="{BB962C8B-B14F-4D97-AF65-F5344CB8AC3E}">
-        <p14:creationId xmlns:p14="http://schemas.microsoft.com/office/powerpoint/2010/main" val="1291661186"/>
+        <p14:creationId xmlns:p14="http://schemas.microsoft.com/office/powerpoint/2010/main" val="2850736184"/>
       </p:ext>
     </p:extLst>
   </p:cSld>
@@ -4044,6 +4457,14 @@
 <file path=ppt/slides/slide9.xml><?xml version="1.0" encoding="utf-8"?>
 <p:sld xmlns:a="http://schemas.openxmlformats.org/drawingml/2006/main" xmlns:r="http://schemas.openxmlformats.org/officeDocument/2006/relationships" xmlns:p="http://schemas.openxmlformats.org/presentationml/2006/main">
   <p:cSld>
+    <p:bg>
+      <p:bgPr>
+        <a:solidFill>
+          <a:schemeClr val="accent2"/>
+        </a:solidFill>
+        <a:effectLst/>
+      </p:bgPr>
+    </p:bg>
     <p:spTree>
       <p:nvGrpSpPr>
         <p:cNvPr id="1" name=""/>
@@ -4063,7 +4484,7 @@
           <p:cNvPr id="2" name="Title 1">
             <a:extLst>
               <a:ext uri="{FF2B5EF4-FFF2-40B4-BE49-F238E27FC236}">
-                <a16:creationId xmlns:a16="http://schemas.microsoft.com/office/drawing/2014/main" id="{19D66875-484A-1060-C03D-77BE501652F6}"/>
+                <a16:creationId xmlns:a16="http://schemas.microsoft.com/office/drawing/2014/main" id="{CBCBE736-1968-4039-E156-E620C05D9A4E}"/>
               </a:ext>
             </a:extLst>
           </p:cNvPr>
@@ -4074,62 +4495,158 @@
             <p:ph type="title"/>
           </p:nvPr>
         </p:nvSpPr>
-        <p:spPr/>
-        <p:txBody>
-          <a:bodyPr/>
-          <a:lstStyle/>
-          <a:p>
-            <a:r>
-              <a:rPr lang="en-US" dirty="0"/>
-              <a:t>Performance</a:t>
-            </a:r>
-          </a:p>
-        </p:txBody>
-      </p:sp>
-      <p:sp>
-        <p:nvSpPr>
-          <p:cNvPr id="3" name="Content Placeholder 2">
+        <p:spPr>
+          <a:xfrm>
+            <a:off x="915136" y="343152"/>
+            <a:ext cx="4486656" cy="1645920"/>
+          </a:xfrm>
+        </p:spPr>
+        <p:txBody>
+          <a:bodyPr vert="horz" lIns="274320" tIns="182880" rIns="274320" bIns="182880" rtlCol="0" anchor="ctr" anchorCtr="1">
+            <a:normAutofit/>
+          </a:bodyPr>
+          <a:lstStyle/>
+          <a:p>
+            <a:r>
+              <a:rPr lang="en-US" sz="3200"/>
+              <a:t>Test case III</a:t>
+            </a:r>
+          </a:p>
+        </p:txBody>
+      </p:sp>
+      <p:pic>
+        <p:nvPicPr>
+          <p:cNvPr id="9" name="Picture Placeholder 8">
             <a:extLst>
               <a:ext uri="{FF2B5EF4-FFF2-40B4-BE49-F238E27FC236}">
-                <a16:creationId xmlns:a16="http://schemas.microsoft.com/office/drawing/2014/main" id="{5B622429-557F-187F-6250-5521D98D9A9B}"/>
+                <a16:creationId xmlns:a16="http://schemas.microsoft.com/office/drawing/2014/main" id="{EBAA5391-DDDF-B44B-C213-7932986956A1}"/>
               </a:ext>
             </a:extLst>
           </p:cNvPr>
-          <p:cNvSpPr>
-            <a:spLocks noGrp="1"/>
-          </p:cNvSpPr>
-          <p:nvPr>
-            <p:ph idx="1"/>
-          </p:nvPr>
-        </p:nvSpPr>
-        <p:spPr/>
-        <p:txBody>
-          <a:bodyPr/>
-          <a:lstStyle/>
-          <a:p>
-            <a:r>
-              <a:rPr lang="en-US" dirty="0"/>
-              <a:t>The performance of our program is satisfactory</a:t>
-            </a:r>
-          </a:p>
-          <a:p>
-            <a:r>
-              <a:rPr lang="en-US" dirty="0"/>
-              <a:t>Due to the size of our group, we did not perform any performance analysis beyond using our own judgement</a:t>
-            </a:r>
-          </a:p>
-        </p:txBody>
-      </p:sp>
+          <p:cNvPicPr>
+            <a:picLocks noGrp="1" noChangeAspect="1"/>
+          </p:cNvPicPr>
+          <p:nvPr>
+            <p:ph type="pic" idx="1"/>
+          </p:nvPr>
+        </p:nvPicPr>
+        <p:blipFill rotWithShape="1">
+          <a:blip r:embed="rId2"/>
+          <a:srcRect r="5938"/>
+          <a:stretch/>
+        </p:blipFill>
+        <p:spPr>
+          <a:xfrm>
+            <a:off x="6096000" y="10"/>
+            <a:ext cx="6095999" cy="6857990"/>
+          </a:xfrm>
+          <a:prstGeom prst="rect">
+            <a:avLst/>
+          </a:prstGeom>
+        </p:spPr>
+      </p:pic>
     </p:spTree>
     <p:extLst>
       <p:ext uri="{BB962C8B-B14F-4D97-AF65-F5344CB8AC3E}">
-        <p14:creationId xmlns:p14="http://schemas.microsoft.com/office/powerpoint/2010/main" val="1565167725"/>
+        <p14:creationId xmlns:p14="http://schemas.microsoft.com/office/powerpoint/2010/main" val="3715308466"/>
       </p:ext>
     </p:extLst>
   </p:cSld>
   <p:clrMapOvr>
     <a:masterClrMapping/>
   </p:clrMapOvr>
+  <p:timing>
+    <p:tnLst>
+      <p:par>
+        <p:cTn id="1" dur="indefinite" restart="never" nodeType="tmRoot">
+          <p:childTnLst>
+            <p:seq concurrent="1" nextAc="seek">
+              <p:cTn id="2" dur="indefinite" nodeType="mainSeq">
+                <p:childTnLst>
+                  <p:par>
+                    <p:cTn id="3" fill="hold">
+                      <p:stCondLst>
+                        <p:cond delay="indefinite"/>
+                        <p:cond evt="onBegin" delay="0">
+                          <p:tn val="2"/>
+                        </p:cond>
+                      </p:stCondLst>
+                      <p:childTnLst>
+                        <p:par>
+                          <p:cTn id="4" fill="hold">
+                            <p:stCondLst>
+                              <p:cond delay="0"/>
+                            </p:stCondLst>
+                            <p:childTnLst>
+                              <p:par>
+                                <p:cTn id="5" presetID="10" presetClass="entr" presetSubtype="0" fill="hold" grpId="0" nodeType="withEffect">
+                                  <p:stCondLst>
+                                    <p:cond delay="1000"/>
+                                  </p:stCondLst>
+                                  <p:iterate type="lt">
+                                    <p:tmPct val="10000"/>
+                                  </p:iterate>
+                                  <p:childTnLst>
+                                    <p:set>
+                                      <p:cBhvr>
+                                        <p:cTn id="6" dur="1" fill="hold">
+                                          <p:stCondLst>
+                                            <p:cond delay="0"/>
+                                          </p:stCondLst>
+                                        </p:cTn>
+                                        <p:tgtEl>
+                                          <p:spTgt spid="2"/>
+                                        </p:tgtEl>
+                                        <p:attrNameLst>
+                                          <p:attrName>style.visibility</p:attrName>
+                                        </p:attrNameLst>
+                                      </p:cBhvr>
+                                      <p:to>
+                                        <p:strVal val="visible"/>
+                                      </p:to>
+                                    </p:set>
+                                    <p:animEffect transition="in" filter="fade">
+                                      <p:cBhvr>
+                                        <p:cTn id="7" dur="400"/>
+                                        <p:tgtEl>
+                                          <p:spTgt spid="2"/>
+                                        </p:tgtEl>
+                                      </p:cBhvr>
+                                    </p:animEffect>
+                                  </p:childTnLst>
+                                </p:cTn>
+                              </p:par>
+                            </p:childTnLst>
+                          </p:cTn>
+                        </p:par>
+                      </p:childTnLst>
+                    </p:cTn>
+                  </p:par>
+                </p:childTnLst>
+              </p:cTn>
+              <p:prevCondLst>
+                <p:cond evt="onPrev" delay="0">
+                  <p:tgtEl>
+                    <p:sldTgt/>
+                  </p:tgtEl>
+                </p:cond>
+              </p:prevCondLst>
+              <p:nextCondLst>
+                <p:cond evt="onNext" delay="0">
+                  <p:tgtEl>
+                    <p:sldTgt/>
+                  </p:tgtEl>
+                </p:cond>
+              </p:nextCondLst>
+            </p:seq>
+          </p:childTnLst>
+        </p:cTn>
+      </p:par>
+    </p:tnLst>
+    <p:bldLst>
+      <p:bldP spid="2" grpId="0" animBg="1"/>
+    </p:bldLst>
+  </p:timing>
 </p:sld>
 </file>
 

--- a/doc/ProjectArchitecture.pptx
+++ b/doc/ProjectArchitecture.pptx
@@ -14,8 +14,9 @@
     <p:sldId id="266" r:id="rId8"/>
     <p:sldId id="267" r:id="rId9"/>
     <p:sldId id="262" r:id="rId10"/>
-    <p:sldId id="264" r:id="rId11"/>
-    <p:sldId id="257" r:id="rId12"/>
+    <p:sldId id="268" r:id="rId11"/>
+    <p:sldId id="264" r:id="rId12"/>
+    <p:sldId id="257" r:id="rId13"/>
   </p:sldIdLst>
   <p:sldSz cx="12192000" cy="6858000"/>
   <p:notesSz cx="6858000" cy="9144000"/>
@@ -3331,6 +3332,16 @@
 <file path=ppt/slides/slide10.xml><?xml version="1.0" encoding="utf-8"?>
 <p:sld xmlns:a="http://schemas.openxmlformats.org/drawingml/2006/main" xmlns:r="http://schemas.openxmlformats.org/officeDocument/2006/relationships" xmlns:p="http://schemas.openxmlformats.org/presentationml/2006/main">
   <p:cSld>
+    <p:bg>
+      <p:bgPr>
+        <a:solidFill>
+          <a:schemeClr val="bg1">
+            <a:lumMod val="95000"/>
+          </a:schemeClr>
+        </a:solidFill>
+        <a:effectLst/>
+      </p:bgPr>
+    </p:bg>
     <p:spTree>
       <p:nvGrpSpPr>
         <p:cNvPr id="1" name=""/>
@@ -3350,6 +3361,274 @@
           <p:cNvPr id="2" name="Title 1">
             <a:extLst>
               <a:ext uri="{FF2B5EF4-FFF2-40B4-BE49-F238E27FC236}">
+                <a16:creationId xmlns:a16="http://schemas.microsoft.com/office/drawing/2014/main" id="{75E45046-6D1A-9587-72F1-89085714223C}"/>
+              </a:ext>
+            </a:extLst>
+          </p:cNvPr>
+          <p:cNvSpPr>
+            <a:spLocks noGrp="1"/>
+          </p:cNvSpPr>
+          <p:nvPr>
+            <p:ph type="title"/>
+          </p:nvPr>
+        </p:nvSpPr>
+        <p:spPr>
+          <a:xfrm>
+            <a:off x="8312677" y="964692"/>
+            <a:ext cx="3066937" cy="1188720"/>
+          </a:xfrm>
+        </p:spPr>
+        <p:txBody>
+          <a:bodyPr vert="horz" lIns="182880" tIns="182880" rIns="182880" bIns="182880" rtlCol="0" anchor="ctr">
+            <a:normAutofit/>
+          </a:bodyPr>
+          <a:lstStyle/>
+          <a:p>
+            <a:r>
+              <a:rPr lang="en-US" sz="2800"/>
+              <a:t>UML Diagram</a:t>
+            </a:r>
+          </a:p>
+        </p:txBody>
+      </p:sp>
+      <p:sp>
+        <p:nvSpPr>
+          <p:cNvPr id="11" name="Rectangle 10">
+            <a:extLst>
+              <a:ext uri="{FF2B5EF4-FFF2-40B4-BE49-F238E27FC236}">
+                <a16:creationId xmlns:a16="http://schemas.microsoft.com/office/drawing/2014/main" id="{A99FE660-E3DF-47E7-962D-66C6F6CE0D81}"/>
+              </a:ext>
+              <a:ext uri="{C183D7F6-B498-43B3-948B-1728B52AA6E4}">
+                <adec:decorative xmlns:adec="http://schemas.microsoft.com/office/drawing/2017/decorative" val="1"/>
+              </a:ext>
+            </a:extLst>
+          </p:cNvPr>
+          <p:cNvSpPr>
+            <a:spLocks noGrp="1" noRot="1" noChangeAspect="1" noMove="1" noResize="1" noEditPoints="1" noAdjustHandles="1" noChangeArrowheads="1" noChangeShapeType="1" noTextEdit="1"/>
+          </p:cNvSpPr>
+          <p:nvPr>
+            <p:extLst>
+              <p:ext uri="{386F3935-93C4-4BCD-93E2-E3B085C9AB24}">
+                <p16:designElem xmlns:p16="http://schemas.microsoft.com/office/powerpoint/2015/main" val="1"/>
+              </p:ext>
+            </p:extLst>
+          </p:nvPr>
+        </p:nvSpPr>
+        <p:spPr>
+          <a:xfrm>
+            <a:off x="814795" y="964692"/>
+            <a:ext cx="6885432" cy="4936558"/>
+          </a:xfrm>
+          <a:prstGeom prst="rect">
+            <a:avLst/>
+          </a:prstGeom>
+          <a:noFill/>
+          <a:ln w="31750" cap="sq">
+            <a:solidFill>
+              <a:srgbClr val="FFFFFF"/>
+            </a:solidFill>
+            <a:miter lim="800000"/>
+          </a:ln>
+        </p:spPr>
+        <p:style>
+          <a:lnRef idx="2">
+            <a:schemeClr val="accent1">
+              <a:shade val="50000"/>
+            </a:schemeClr>
+          </a:lnRef>
+          <a:fillRef idx="1">
+            <a:schemeClr val="accent1"/>
+          </a:fillRef>
+          <a:effectRef idx="0">
+            <a:schemeClr val="accent1"/>
+          </a:effectRef>
+          <a:fontRef idx="minor">
+            <a:schemeClr val="lt1"/>
+          </a:fontRef>
+        </p:style>
+        <p:txBody>
+          <a:bodyPr rtlCol="0" anchor="ctr"/>
+          <a:lstStyle/>
+          <a:p>
+            <a:pPr algn="ctr"/>
+            <a:endParaRPr lang="en-US" dirty="0"/>
+          </a:p>
+        </p:txBody>
+      </p:sp>
+      <p:sp>
+        <p:nvSpPr>
+          <p:cNvPr id="13" name="Rectangle 12">
+            <a:extLst>
+              <a:ext uri="{FF2B5EF4-FFF2-40B4-BE49-F238E27FC236}">
+                <a16:creationId xmlns:a16="http://schemas.microsoft.com/office/drawing/2014/main" id="{38C29FEE-8E8F-43D5-AD23-EB4060B4D943}"/>
+              </a:ext>
+              <a:ext uri="{C183D7F6-B498-43B3-948B-1728B52AA6E4}">
+                <adec:decorative xmlns:adec="http://schemas.microsoft.com/office/drawing/2017/decorative" val="1"/>
+              </a:ext>
+            </a:extLst>
+          </p:cNvPr>
+          <p:cNvSpPr>
+            <a:spLocks noGrp="1" noRot="1" noChangeAspect="1" noMove="1" noResize="1" noEditPoints="1" noAdjustHandles="1" noChangeArrowheads="1" noChangeShapeType="1" noTextEdit="1"/>
+          </p:cNvSpPr>
+          <p:nvPr>
+            <p:extLst>
+              <p:ext uri="{386F3935-93C4-4BCD-93E2-E3B085C9AB24}">
+                <p16:designElem xmlns:p16="http://schemas.microsoft.com/office/powerpoint/2015/main" val="1"/>
+              </p:ext>
+            </p:extLst>
+          </p:nvPr>
+        </p:nvSpPr>
+        <p:spPr>
+          <a:xfrm>
+            <a:off x="978415" y="1128683"/>
+            <a:ext cx="6558192" cy="4608576"/>
+          </a:xfrm>
+          <a:prstGeom prst="rect">
+            <a:avLst/>
+          </a:prstGeom>
+          <a:solidFill>
+            <a:srgbClr val="FFFFFF"/>
+          </a:solidFill>
+          <a:ln>
+            <a:noFill/>
+          </a:ln>
+        </p:spPr>
+        <p:style>
+          <a:lnRef idx="2">
+            <a:schemeClr val="accent1">
+              <a:shade val="50000"/>
+            </a:schemeClr>
+          </a:lnRef>
+          <a:fillRef idx="1">
+            <a:schemeClr val="accent1"/>
+          </a:fillRef>
+          <a:effectRef idx="0">
+            <a:schemeClr val="accent1"/>
+          </a:effectRef>
+          <a:fontRef idx="minor">
+            <a:schemeClr val="lt1"/>
+          </a:fontRef>
+        </p:style>
+        <p:txBody>
+          <a:bodyPr rtlCol="0" anchor="ctr"/>
+          <a:lstStyle/>
+          <a:p>
+            <a:pPr algn="ctr"/>
+            <a:endParaRPr lang="en-US"/>
+          </a:p>
+        </p:txBody>
+      </p:sp>
+      <p:pic>
+        <p:nvPicPr>
+          <p:cNvPr id="6" name="Picture 5">
+            <a:extLst>
+              <a:ext uri="{FF2B5EF4-FFF2-40B4-BE49-F238E27FC236}">
+                <a16:creationId xmlns:a16="http://schemas.microsoft.com/office/drawing/2014/main" id="{D7B9C540-E296-ECE7-F386-A1E1F234AD3C}"/>
+              </a:ext>
+            </a:extLst>
+          </p:cNvPr>
+          <p:cNvPicPr>
+            <a:picLocks noChangeAspect="1"/>
+          </p:cNvPicPr>
+          <p:nvPr/>
+        </p:nvPicPr>
+        <p:blipFill>
+          <a:blip r:embed="rId2"/>
+          <a:stretch>
+            <a:fillRect/>
+          </a:stretch>
+        </p:blipFill>
+        <p:spPr>
+          <a:xfrm>
+            <a:off x="1143979" y="2031882"/>
+            <a:ext cx="6227064" cy="2802178"/>
+          </a:xfrm>
+          <a:prstGeom prst="rect">
+            <a:avLst/>
+          </a:prstGeom>
+        </p:spPr>
+      </p:pic>
+      <p:sp>
+        <p:nvSpPr>
+          <p:cNvPr id="4" name="Text Placeholder 3">
+            <a:extLst>
+              <a:ext uri="{FF2B5EF4-FFF2-40B4-BE49-F238E27FC236}">
+                <a16:creationId xmlns:a16="http://schemas.microsoft.com/office/drawing/2014/main" id="{627B2ECF-9455-2412-7633-9125DD098A3E}"/>
+              </a:ext>
+            </a:extLst>
+          </p:cNvPr>
+          <p:cNvSpPr>
+            <a:spLocks noGrp="1"/>
+          </p:cNvSpPr>
+          <p:nvPr>
+            <p:ph type="body" sz="half" idx="2"/>
+          </p:nvPr>
+        </p:nvSpPr>
+        <p:spPr>
+          <a:xfrm>
+            <a:off x="8311249" y="2638044"/>
+            <a:ext cx="3063765" cy="3263206"/>
+          </a:xfrm>
+        </p:spPr>
+        <p:txBody>
+          <a:bodyPr vert="horz" lIns="91440" tIns="45720" rIns="91440" bIns="45720" rtlCol="0">
+            <a:normAutofit/>
+          </a:bodyPr>
+          <a:lstStyle/>
+          <a:p>
+            <a:pPr indent="-228600" algn="l">
+              <a:buFont typeface="Arial" panose="020B0604020202020204" pitchFamily="34" charset="0"/>
+              <a:buChar char="•"/>
+            </a:pPr>
+            <a:r>
+              <a:rPr lang="en-US" sz="1800" dirty="0">
+                <a:solidFill>
+                  <a:schemeClr val="tx1">
+                    <a:lumMod val="85000"/>
+                    <a:lumOff val="15000"/>
+                  </a:schemeClr>
+                </a:solidFill>
+              </a:rPr>
+              <a:t>UML diagram for both the date and assignment class </a:t>
+            </a:r>
+          </a:p>
+        </p:txBody>
+      </p:sp>
+    </p:spTree>
+    <p:extLst>
+      <p:ext uri="{BB962C8B-B14F-4D97-AF65-F5344CB8AC3E}">
+        <p14:creationId xmlns:p14="http://schemas.microsoft.com/office/powerpoint/2010/main" val="294520534"/>
+      </p:ext>
+    </p:extLst>
+  </p:cSld>
+  <p:clrMapOvr>
+    <a:masterClrMapping/>
+  </p:clrMapOvr>
+</p:sld>
+</file>
+
+<file path=ppt/slides/slide11.xml><?xml version="1.0" encoding="utf-8"?>
+<p:sld xmlns:a="http://schemas.openxmlformats.org/drawingml/2006/main" xmlns:r="http://schemas.openxmlformats.org/officeDocument/2006/relationships" xmlns:p="http://schemas.openxmlformats.org/presentationml/2006/main">
+  <p:cSld>
+    <p:spTree>
+      <p:nvGrpSpPr>
+        <p:cNvPr id="1" name=""/>
+        <p:cNvGrpSpPr/>
+        <p:nvPr/>
+      </p:nvGrpSpPr>
+      <p:grpSpPr>
+        <a:xfrm>
+          <a:off x="0" y="0"/>
+          <a:ext cx="0" cy="0"/>
+          <a:chOff x="0" y="0"/>
+          <a:chExt cx="0" cy="0"/>
+        </a:xfrm>
+      </p:grpSpPr>
+      <p:sp>
+        <p:nvSpPr>
+          <p:cNvPr id="2" name="Title 1">
+            <a:extLst>
+              <a:ext uri="{FF2B5EF4-FFF2-40B4-BE49-F238E27FC236}">
                 <a16:creationId xmlns:a16="http://schemas.microsoft.com/office/drawing/2014/main" id="{7E2A30A0-8365-12A0-1347-A2C477777111}"/>
               </a:ext>
             </a:extLst>
@@ -3443,7 +3722,7 @@
 </p:sld>
 </file>
 
-<file path=ppt/slides/slide11.xml><?xml version="1.0" encoding="utf-8"?>
+<file path=ppt/slides/slide12.xml><?xml version="1.0" encoding="utf-8"?>
 <p:sld xmlns:a="http://schemas.openxmlformats.org/drawingml/2006/main" xmlns:r="http://schemas.openxmlformats.org/officeDocument/2006/relationships" xmlns:p="http://schemas.openxmlformats.org/presentationml/2006/main">
   <p:cSld>
     <p:spTree>
@@ -3907,6 +4186,59 @@
           </a:prstGeom>
         </p:spPr>
       </p:pic>
+      <p:sp>
+        <p:nvSpPr>
+          <p:cNvPr id="3" name="TextBox 2">
+            <a:extLst>
+              <a:ext uri="{FF2B5EF4-FFF2-40B4-BE49-F238E27FC236}">
+                <a16:creationId xmlns:a16="http://schemas.microsoft.com/office/drawing/2014/main" id="{11CBDFD0-0D98-FDEB-669D-CC5C91ED9A1A}"/>
+              </a:ext>
+            </a:extLst>
+          </p:cNvPr>
+          <p:cNvSpPr txBox="1"/>
+          <p:nvPr/>
+        </p:nvSpPr>
+        <p:spPr>
+          <a:xfrm>
+            <a:off x="1013791" y="2604052"/>
+            <a:ext cx="4184374" cy="2308324"/>
+          </a:xfrm>
+          <a:prstGeom prst="rect">
+            <a:avLst/>
+          </a:prstGeom>
+          <a:noFill/>
+        </p:spPr>
+        <p:txBody>
+          <a:bodyPr wrap="square" rtlCol="0">
+            <a:spAutoFit/>
+          </a:bodyPr>
+          <a:lstStyle/>
+          <a:p>
+            <a:r>
+              <a:rPr lang="en-US" dirty="0"/>
+              <a:t>This text case displays what would occur if the due date for an assignment were to be set before the present day</a:t>
+            </a:r>
+          </a:p>
+          <a:p>
+            <a:endParaRPr lang="en-US" dirty="0"/>
+          </a:p>
+          <a:p>
+            <a:endParaRPr lang="en-US" dirty="0"/>
+          </a:p>
+          <a:p>
+            <a:r>
+              <a:rPr lang="en-US" dirty="0"/>
+              <a:t>The error “Past date entered…</a:t>
+            </a:r>
+          </a:p>
+          <a:p>
+            <a:r>
+              <a:rPr lang="en-US" dirty="0"/>
+              <a:t>Error in constructing assignment object” would occur</a:t>
+            </a:r>
+          </a:p>
+        </p:txBody>
+      </p:sp>
     </p:spTree>
     <p:extLst>
       <p:ext uri="{BB962C8B-B14F-4D97-AF65-F5344CB8AC3E}">
@@ -4090,6 +4422,53 @@
           </a:xfrm>
         </p:spPr>
       </p:pic>
+      <p:sp>
+        <p:nvSpPr>
+          <p:cNvPr id="3" name="TextBox 2">
+            <a:extLst>
+              <a:ext uri="{FF2B5EF4-FFF2-40B4-BE49-F238E27FC236}">
+                <a16:creationId xmlns:a16="http://schemas.microsoft.com/office/drawing/2014/main" id="{B4DA18B9-F2FE-9E3C-A994-0A92A8A85914}"/>
+              </a:ext>
+            </a:extLst>
+          </p:cNvPr>
+          <p:cNvSpPr txBox="1"/>
+          <p:nvPr/>
+        </p:nvSpPr>
+        <p:spPr>
+          <a:xfrm>
+            <a:off x="914400" y="1918252"/>
+            <a:ext cx="4298674" cy="2585323"/>
+          </a:xfrm>
+          <a:prstGeom prst="rect">
+            <a:avLst/>
+          </a:prstGeom>
+          <a:noFill/>
+        </p:spPr>
+        <p:txBody>
+          <a:bodyPr wrap="square" rtlCol="0">
+            <a:spAutoFit/>
+          </a:bodyPr>
+          <a:lstStyle/>
+          <a:p>
+            <a:r>
+              <a:rPr lang="en-US" dirty="0"/>
+              <a:t>This test case shows what would occur in the event that the program ran without errors </a:t>
+            </a:r>
+          </a:p>
+          <a:p>
+            <a:endParaRPr lang="en-US" dirty="0"/>
+          </a:p>
+          <a:p>
+            <a:endParaRPr lang="en-US" dirty="0"/>
+          </a:p>
+          <a:p>
+            <a:r>
+              <a:rPr lang="en-US" dirty="0"/>
+              <a:t>The user would input the number of assignment and would be prompted to enter a series of information about each assignment</a:t>
+            </a:r>
+          </a:p>
+        </p:txBody>
+      </p:sp>
     </p:spTree>
     <p:extLst>
       <p:ext uri="{BB962C8B-B14F-4D97-AF65-F5344CB8AC3E}">
@@ -4138,8 +4517,8 @@
         </p:nvSpPr>
         <p:spPr>
           <a:xfrm>
-            <a:off x="835357" y="451849"/>
-            <a:ext cx="4486656" cy="1141497"/>
+            <a:off x="765449" y="396618"/>
+            <a:ext cx="4494998" cy="1134640"/>
           </a:xfrm>
         </p:spPr>
         <p:txBody>
@@ -4166,28 +4545,22 @@
             <a:picLocks noGrp="1" noChangeAspect="1"/>
           </p:cNvPicPr>
           <p:nvPr>
-            <p:ph idx="1"/>
+            <p:ph type="pic" idx="1"/>
           </p:nvPr>
         </p:nvPicPr>
-        <p:blipFill>
+        <p:blipFill rotWithShape="1">
           <a:blip r:embed="rId2"/>
-          <a:stretch>
-            <a:fillRect/>
-          </a:stretch>
+          <a:srcRect t="19014" b="19014"/>
+          <a:stretch/>
         </p:blipFill>
-        <p:spPr>
-          <a:xfrm>
-            <a:off x="7696945" y="804863"/>
-            <a:ext cx="2894110" cy="5248275"/>
-          </a:xfrm>
-        </p:spPr>
+        <p:spPr/>
       </p:pic>
       <p:sp>
         <p:nvSpPr>
-          <p:cNvPr id="4" name="Text Placeholder 3">
+          <p:cNvPr id="3" name="Text Placeholder 2">
             <a:extLst>
               <a:ext uri="{FF2B5EF4-FFF2-40B4-BE49-F238E27FC236}">
-                <a16:creationId xmlns:a16="http://schemas.microsoft.com/office/drawing/2014/main" id="{C34595AA-C919-8586-D1FA-5DC5BE3A4ED3}"/>
+                <a16:creationId xmlns:a16="http://schemas.microsoft.com/office/drawing/2014/main" id="{C26BA0E6-34F3-B233-CC22-0A5648996A6C}"/>
               </a:ext>
             </a:extLst>
           </p:cNvPr>
@@ -4198,12 +4571,26 @@
             <p:ph type="body" sz="half" idx="2"/>
           </p:nvPr>
         </p:nvSpPr>
-        <p:spPr/>
-        <p:txBody>
-          <a:bodyPr/>
-          <a:lstStyle/>
-          <a:p>
-            <a:endParaRPr lang="en-US"/>
+        <p:spPr>
+          <a:xfrm>
+            <a:off x="1035788" y="1880678"/>
+            <a:ext cx="3794760" cy="2194037"/>
+          </a:xfrm>
+        </p:spPr>
+        <p:txBody>
+          <a:bodyPr>
+            <a:normAutofit/>
+          </a:bodyPr>
+          <a:lstStyle/>
+          <a:p>
+            <a:r>
+              <a:rPr lang="en-US" sz="1800" dirty="0">
+                <a:solidFill>
+                  <a:schemeClr val="tx1"/>
+                </a:solidFill>
+              </a:rPr>
+              <a:t>As the program continues to run, the days until the assignment is due would be calculated and displayed. </a:t>
+            </a:r>
           </a:p>
         </p:txBody>
       </p:sp>
@@ -4255,8 +4642,8 @@
         </p:nvSpPr>
         <p:spPr>
           <a:xfrm>
-            <a:off x="884451" y="353659"/>
-            <a:ext cx="4486656" cy="1141497"/>
+            <a:off x="808523" y="273879"/>
+            <a:ext cx="4494998" cy="1134640"/>
           </a:xfrm>
         </p:spPr>
         <p:txBody>
@@ -4283,28 +4670,22 @@
             <a:picLocks noGrp="1" noChangeAspect="1"/>
           </p:cNvPicPr>
           <p:nvPr>
-            <p:ph idx="1"/>
+            <p:ph type="pic" idx="1"/>
           </p:nvPr>
         </p:nvPicPr>
-        <p:blipFill>
+        <p:blipFill rotWithShape="1">
           <a:blip r:embed="rId2"/>
-          <a:stretch>
-            <a:fillRect/>
-          </a:stretch>
+          <a:srcRect t="13749" b="13749"/>
+          <a:stretch/>
         </p:blipFill>
-        <p:spPr>
-          <a:xfrm>
-            <a:off x="7451065" y="804863"/>
-            <a:ext cx="3385871" cy="5248275"/>
-          </a:xfrm>
-        </p:spPr>
+        <p:spPr/>
       </p:pic>
       <p:sp>
         <p:nvSpPr>
-          <p:cNvPr id="4" name="Text Placeholder 3">
+          <p:cNvPr id="3" name="Text Placeholder 2">
             <a:extLst>
               <a:ext uri="{FF2B5EF4-FFF2-40B4-BE49-F238E27FC236}">
-                <a16:creationId xmlns:a16="http://schemas.microsoft.com/office/drawing/2014/main" id="{14A3828C-24E7-26DC-F208-7BDA2D4380E9}"/>
+                <a16:creationId xmlns:a16="http://schemas.microsoft.com/office/drawing/2014/main" id="{D57EE854-64AD-859A-AA64-2337BBEDD63B}"/>
               </a:ext>
             </a:extLst>
           </p:cNvPr>
@@ -4315,12 +4696,26 @@
             <p:ph type="body" sz="half" idx="2"/>
           </p:nvPr>
         </p:nvSpPr>
-        <p:spPr/>
-        <p:txBody>
-          <a:bodyPr/>
-          <a:lstStyle/>
-          <a:p>
-            <a:endParaRPr lang="en-US"/>
+        <p:spPr>
+          <a:xfrm>
+            <a:off x="1066473" y="1745665"/>
+            <a:ext cx="3794760" cy="2194037"/>
+          </a:xfrm>
+        </p:spPr>
+        <p:txBody>
+          <a:bodyPr>
+            <a:normAutofit/>
+          </a:bodyPr>
+          <a:lstStyle/>
+          <a:p>
+            <a:r>
+              <a:rPr lang="en-US" sz="1800" dirty="0">
+                <a:solidFill>
+                  <a:schemeClr val="tx1"/>
+                </a:solidFill>
+              </a:rPr>
+              <a:t>The program will continue running until the days until due has been calculated and displayed for all declared assignments</a:t>
+            </a:r>
           </a:p>
         </p:txBody>
       </p:sp>
@@ -4432,12 +4827,26 @@
             <p:ph type="body" sz="half" idx="2"/>
           </p:nvPr>
         </p:nvSpPr>
-        <p:spPr/>
-        <p:txBody>
-          <a:bodyPr/>
-          <a:lstStyle/>
-          <a:p>
-            <a:endParaRPr lang="en-US"/>
+        <p:spPr>
+          <a:xfrm>
+            <a:off x="1026115" y="1850327"/>
+            <a:ext cx="3794760" cy="2194036"/>
+          </a:xfrm>
+        </p:spPr>
+        <p:txBody>
+          <a:bodyPr>
+            <a:normAutofit/>
+          </a:bodyPr>
+          <a:lstStyle/>
+          <a:p>
+            <a:r>
+              <a:rPr lang="en-US" sz="1800" dirty="0">
+                <a:solidFill>
+                  <a:schemeClr val="tx1"/>
+                </a:solidFill>
+              </a:rPr>
+              <a:t>The user can prompt the program to mark assignments as completed and the status will be displayed below each assignment number</a:t>
+            </a:r>
           </a:p>
         </p:txBody>
       </p:sp>
@@ -4545,6 +4954,41 @@
           </a:prstGeom>
         </p:spPr>
       </p:pic>
+      <p:sp>
+        <p:nvSpPr>
+          <p:cNvPr id="3" name="TextBox 2">
+            <a:extLst>
+              <a:ext uri="{FF2B5EF4-FFF2-40B4-BE49-F238E27FC236}">
+                <a16:creationId xmlns:a16="http://schemas.microsoft.com/office/drawing/2014/main" id="{79FA2EB8-CD4D-FEB5-27F4-E6CC197685E9}"/>
+              </a:ext>
+            </a:extLst>
+          </p:cNvPr>
+          <p:cNvSpPr txBox="1"/>
+          <p:nvPr/>
+        </p:nvSpPr>
+        <p:spPr>
+          <a:xfrm>
+            <a:off x="1003852" y="2504661"/>
+            <a:ext cx="4397940" cy="646331"/>
+          </a:xfrm>
+          <a:prstGeom prst="rect">
+            <a:avLst/>
+          </a:prstGeom>
+          <a:noFill/>
+        </p:spPr>
+        <p:txBody>
+          <a:bodyPr wrap="square" rtlCol="0">
+            <a:spAutoFit/>
+          </a:bodyPr>
+          <a:lstStyle/>
+          <a:p>
+            <a:r>
+              <a:rPr lang="en-US" dirty="0"/>
+              <a:t>This test case displays the process of saving the assignment list to a file</a:t>
+            </a:r>
+          </a:p>
+        </p:txBody>
+      </p:sp>
     </p:spTree>
     <p:extLst>
       <p:ext uri="{BB962C8B-B14F-4D97-AF65-F5344CB8AC3E}">

--- a/doc/ProjectArchitecture.pptx
+++ b/doc/ProjectArchitecture.pptx
@@ -10,13 +10,10 @@
     <p:sldId id="259" r:id="rId4"/>
     <p:sldId id="260" r:id="rId5"/>
     <p:sldId id="261" r:id="rId6"/>
-    <p:sldId id="265" r:id="rId7"/>
-    <p:sldId id="266" r:id="rId8"/>
-    <p:sldId id="267" r:id="rId9"/>
-    <p:sldId id="262" r:id="rId10"/>
-    <p:sldId id="268" r:id="rId11"/>
-    <p:sldId id="264" r:id="rId12"/>
-    <p:sldId id="257" r:id="rId13"/>
+    <p:sldId id="262" r:id="rId7"/>
+    <p:sldId id="263" r:id="rId8"/>
+    <p:sldId id="264" r:id="rId9"/>
+    <p:sldId id="257" r:id="rId10"/>
   </p:sldIdLst>
   <p:sldSz cx="12192000" cy="6858000"/>
   <p:notesSz cx="6858000" cy="9144000"/>
@@ -286,7 +283,7 @@
           <a:p>
             <a:fld id="{1160EA64-D806-43AC-9DF2-F8C432F32B4C}" type="datetimeFigureOut">
               <a:rPr lang="en-US" dirty="0"/>
-              <a:t>12/12/2022</a:t>
+              <a:t>12/12/22</a:t>
             </a:fld>
             <a:endParaRPr lang="en-US" dirty="0"/>
           </a:p>
@@ -452,7 +449,7 @@
           <a:p>
             <a:fld id="{E9F9C37B-1D36-470B-8223-D6C91242EC14}" type="datetimeFigureOut">
               <a:rPr lang="en-US" dirty="0"/>
-              <a:t>12/12/2022</a:t>
+              <a:t>12/12/22</a:t>
             </a:fld>
             <a:endParaRPr lang="en-US" dirty="0"/>
           </a:p>
@@ -627,7 +624,7 @@
           <a:p>
             <a:fld id="{67C6F52A-A82B-47A2-A83A-8C4C91F2D59F}" type="datetimeFigureOut">
               <a:rPr lang="en-US" dirty="0"/>
-              <a:t>12/12/2022</a:t>
+              <a:t>12/12/22</a:t>
             </a:fld>
             <a:endParaRPr lang="en-US" dirty="0"/>
           </a:p>
@@ -792,7 +789,7 @@
           <a:p>
             <a:fld id="{F070A7B3-6521-4DCA-87E5-044747A908C1}" type="datetimeFigureOut">
               <a:rPr lang="en-US" dirty="0"/>
-              <a:t>12/12/2022</a:t>
+              <a:t>12/12/22</a:t>
             </a:fld>
             <a:endParaRPr lang="en-US" dirty="0"/>
           </a:p>
@@ -1056,7 +1053,7 @@
           <a:p>
             <a:fld id="{1160EA64-D806-43AC-9DF2-F8C432F32B4C}" type="datetimeFigureOut">
               <a:rPr lang="en-US" dirty="0"/>
-              <a:t>12/12/2022</a:t>
+              <a:t>12/12/22</a:t>
             </a:fld>
             <a:endParaRPr lang="en-US" dirty="0"/>
           </a:p>
@@ -1284,7 +1281,7 @@
           <a:p>
             <a:fld id="{AB134690-1557-4C89-A502-4959FE7FAD70}" type="datetimeFigureOut">
               <a:rPr lang="en-US" dirty="0"/>
-              <a:t>12/12/2022</a:t>
+              <a:t>12/12/22</a:t>
             </a:fld>
             <a:endParaRPr lang="en-US" dirty="0"/>
           </a:p>
@@ -1638,7 +1635,7 @@
           <a:p>
             <a:fld id="{4F7D4976-E339-4826-83B7-FBD03F55ECF8}" type="datetimeFigureOut">
               <a:rPr lang="en-US" dirty="0"/>
-              <a:t>12/12/2022</a:t>
+              <a:t>12/12/22</a:t>
             </a:fld>
             <a:endParaRPr lang="en-US" dirty="0"/>
           </a:p>
@@ -1774,7 +1771,7 @@
           <a:p>
             <a:fld id="{E1037C31-9E7A-4F99-8774-A0E530DE1A42}" type="datetimeFigureOut">
               <a:rPr lang="en-US" dirty="0"/>
-              <a:t>12/12/2022</a:t>
+              <a:t>12/12/22</a:t>
             </a:fld>
             <a:endParaRPr lang="en-US" dirty="0"/>
           </a:p>
@@ -1864,7 +1861,7 @@
           <a:p>
             <a:fld id="{C278504F-A551-4DE0-9316-4DCD1D8CC752}" type="datetimeFigureOut">
               <a:rPr lang="en-US" dirty="0"/>
-              <a:t>12/12/2022</a:t>
+              <a:t>12/12/22</a:t>
             </a:fld>
             <a:endParaRPr lang="en-US" dirty="0"/>
           </a:p>
@@ -2216,7 +2213,7 @@
           <a:p>
             <a:fld id="{D1BE4249-C0D0-4B06-8692-E8BB871AF643}" type="datetimeFigureOut">
               <a:rPr lang="en-US" dirty="0"/>
-              <a:t>12/12/2022</a:t>
+              <a:t>12/12/22</a:t>
             </a:fld>
             <a:endParaRPr lang="en-US" dirty="0"/>
           </a:p>
@@ -2568,7 +2565,7 @@
           <a:p>
             <a:fld id="{042B0DB6-F5C7-45FB-8CF3-31B45F9C2DAC}" type="datetimeFigureOut">
               <a:rPr lang="en-US" dirty="0"/>
-              <a:t>12/12/2022</a:t>
+              <a:t>12/12/22</a:t>
             </a:fld>
             <a:endParaRPr lang="en-US" dirty="0"/>
           </a:p>
@@ -2805,7 +2802,7 @@
           <a:p>
             <a:fld id="{1160EA64-D806-43AC-9DF2-F8C432F32B4C}" type="datetimeFigureOut">
               <a:rPr lang="en-US" dirty="0"/>
-              <a:t>12/12/2022</a:t>
+              <a:t>12/12/22</a:t>
             </a:fld>
             <a:endParaRPr lang="en-US" dirty="0"/>
           </a:p>
@@ -3329,491 +3326,6 @@
 </p:sld>
 </file>
 
-<file path=ppt/slides/slide10.xml><?xml version="1.0" encoding="utf-8"?>
-<p:sld xmlns:a="http://schemas.openxmlformats.org/drawingml/2006/main" xmlns:r="http://schemas.openxmlformats.org/officeDocument/2006/relationships" xmlns:p="http://schemas.openxmlformats.org/presentationml/2006/main">
-  <p:cSld>
-    <p:bg>
-      <p:bgPr>
-        <a:solidFill>
-          <a:schemeClr val="bg1">
-            <a:lumMod val="95000"/>
-          </a:schemeClr>
-        </a:solidFill>
-        <a:effectLst/>
-      </p:bgPr>
-    </p:bg>
-    <p:spTree>
-      <p:nvGrpSpPr>
-        <p:cNvPr id="1" name=""/>
-        <p:cNvGrpSpPr/>
-        <p:nvPr/>
-      </p:nvGrpSpPr>
-      <p:grpSpPr>
-        <a:xfrm>
-          <a:off x="0" y="0"/>
-          <a:ext cx="0" cy="0"/>
-          <a:chOff x="0" y="0"/>
-          <a:chExt cx="0" cy="0"/>
-        </a:xfrm>
-      </p:grpSpPr>
-      <p:sp>
-        <p:nvSpPr>
-          <p:cNvPr id="2" name="Title 1">
-            <a:extLst>
-              <a:ext uri="{FF2B5EF4-FFF2-40B4-BE49-F238E27FC236}">
-                <a16:creationId xmlns:a16="http://schemas.microsoft.com/office/drawing/2014/main" id="{75E45046-6D1A-9587-72F1-89085714223C}"/>
-              </a:ext>
-            </a:extLst>
-          </p:cNvPr>
-          <p:cNvSpPr>
-            <a:spLocks noGrp="1"/>
-          </p:cNvSpPr>
-          <p:nvPr>
-            <p:ph type="title"/>
-          </p:nvPr>
-        </p:nvSpPr>
-        <p:spPr>
-          <a:xfrm>
-            <a:off x="8312677" y="964692"/>
-            <a:ext cx="3066937" cy="1188720"/>
-          </a:xfrm>
-        </p:spPr>
-        <p:txBody>
-          <a:bodyPr vert="horz" lIns="182880" tIns="182880" rIns="182880" bIns="182880" rtlCol="0" anchor="ctr">
-            <a:normAutofit/>
-          </a:bodyPr>
-          <a:lstStyle/>
-          <a:p>
-            <a:r>
-              <a:rPr lang="en-US" sz="2800"/>
-              <a:t>UML Diagram</a:t>
-            </a:r>
-          </a:p>
-        </p:txBody>
-      </p:sp>
-      <p:sp>
-        <p:nvSpPr>
-          <p:cNvPr id="11" name="Rectangle 10">
-            <a:extLst>
-              <a:ext uri="{FF2B5EF4-FFF2-40B4-BE49-F238E27FC236}">
-                <a16:creationId xmlns:a16="http://schemas.microsoft.com/office/drawing/2014/main" id="{A99FE660-E3DF-47E7-962D-66C6F6CE0D81}"/>
-              </a:ext>
-              <a:ext uri="{C183D7F6-B498-43B3-948B-1728B52AA6E4}">
-                <adec:decorative xmlns:adec="http://schemas.microsoft.com/office/drawing/2017/decorative" val="1"/>
-              </a:ext>
-            </a:extLst>
-          </p:cNvPr>
-          <p:cNvSpPr>
-            <a:spLocks noGrp="1" noRot="1" noChangeAspect="1" noMove="1" noResize="1" noEditPoints="1" noAdjustHandles="1" noChangeArrowheads="1" noChangeShapeType="1" noTextEdit="1"/>
-          </p:cNvSpPr>
-          <p:nvPr>
-            <p:extLst>
-              <p:ext uri="{386F3935-93C4-4BCD-93E2-E3B085C9AB24}">
-                <p16:designElem xmlns:p16="http://schemas.microsoft.com/office/powerpoint/2015/main" val="1"/>
-              </p:ext>
-            </p:extLst>
-          </p:nvPr>
-        </p:nvSpPr>
-        <p:spPr>
-          <a:xfrm>
-            <a:off x="814795" y="964692"/>
-            <a:ext cx="6885432" cy="4936558"/>
-          </a:xfrm>
-          <a:prstGeom prst="rect">
-            <a:avLst/>
-          </a:prstGeom>
-          <a:noFill/>
-          <a:ln w="31750" cap="sq">
-            <a:solidFill>
-              <a:srgbClr val="FFFFFF"/>
-            </a:solidFill>
-            <a:miter lim="800000"/>
-          </a:ln>
-        </p:spPr>
-        <p:style>
-          <a:lnRef idx="2">
-            <a:schemeClr val="accent1">
-              <a:shade val="50000"/>
-            </a:schemeClr>
-          </a:lnRef>
-          <a:fillRef idx="1">
-            <a:schemeClr val="accent1"/>
-          </a:fillRef>
-          <a:effectRef idx="0">
-            <a:schemeClr val="accent1"/>
-          </a:effectRef>
-          <a:fontRef idx="minor">
-            <a:schemeClr val="lt1"/>
-          </a:fontRef>
-        </p:style>
-        <p:txBody>
-          <a:bodyPr rtlCol="0" anchor="ctr"/>
-          <a:lstStyle/>
-          <a:p>
-            <a:pPr algn="ctr"/>
-            <a:endParaRPr lang="en-US" dirty="0"/>
-          </a:p>
-        </p:txBody>
-      </p:sp>
-      <p:sp>
-        <p:nvSpPr>
-          <p:cNvPr id="13" name="Rectangle 12">
-            <a:extLst>
-              <a:ext uri="{FF2B5EF4-FFF2-40B4-BE49-F238E27FC236}">
-                <a16:creationId xmlns:a16="http://schemas.microsoft.com/office/drawing/2014/main" id="{38C29FEE-8E8F-43D5-AD23-EB4060B4D943}"/>
-              </a:ext>
-              <a:ext uri="{C183D7F6-B498-43B3-948B-1728B52AA6E4}">
-                <adec:decorative xmlns:adec="http://schemas.microsoft.com/office/drawing/2017/decorative" val="1"/>
-              </a:ext>
-            </a:extLst>
-          </p:cNvPr>
-          <p:cNvSpPr>
-            <a:spLocks noGrp="1" noRot="1" noChangeAspect="1" noMove="1" noResize="1" noEditPoints="1" noAdjustHandles="1" noChangeArrowheads="1" noChangeShapeType="1" noTextEdit="1"/>
-          </p:cNvSpPr>
-          <p:nvPr>
-            <p:extLst>
-              <p:ext uri="{386F3935-93C4-4BCD-93E2-E3B085C9AB24}">
-                <p16:designElem xmlns:p16="http://schemas.microsoft.com/office/powerpoint/2015/main" val="1"/>
-              </p:ext>
-            </p:extLst>
-          </p:nvPr>
-        </p:nvSpPr>
-        <p:spPr>
-          <a:xfrm>
-            <a:off x="978415" y="1128683"/>
-            <a:ext cx="6558192" cy="4608576"/>
-          </a:xfrm>
-          <a:prstGeom prst="rect">
-            <a:avLst/>
-          </a:prstGeom>
-          <a:solidFill>
-            <a:srgbClr val="FFFFFF"/>
-          </a:solidFill>
-          <a:ln>
-            <a:noFill/>
-          </a:ln>
-        </p:spPr>
-        <p:style>
-          <a:lnRef idx="2">
-            <a:schemeClr val="accent1">
-              <a:shade val="50000"/>
-            </a:schemeClr>
-          </a:lnRef>
-          <a:fillRef idx="1">
-            <a:schemeClr val="accent1"/>
-          </a:fillRef>
-          <a:effectRef idx="0">
-            <a:schemeClr val="accent1"/>
-          </a:effectRef>
-          <a:fontRef idx="minor">
-            <a:schemeClr val="lt1"/>
-          </a:fontRef>
-        </p:style>
-        <p:txBody>
-          <a:bodyPr rtlCol="0" anchor="ctr"/>
-          <a:lstStyle/>
-          <a:p>
-            <a:pPr algn="ctr"/>
-            <a:endParaRPr lang="en-US"/>
-          </a:p>
-        </p:txBody>
-      </p:sp>
-      <p:pic>
-        <p:nvPicPr>
-          <p:cNvPr id="6" name="Picture 5">
-            <a:extLst>
-              <a:ext uri="{FF2B5EF4-FFF2-40B4-BE49-F238E27FC236}">
-                <a16:creationId xmlns:a16="http://schemas.microsoft.com/office/drawing/2014/main" id="{D7B9C540-E296-ECE7-F386-A1E1F234AD3C}"/>
-              </a:ext>
-            </a:extLst>
-          </p:cNvPr>
-          <p:cNvPicPr>
-            <a:picLocks noChangeAspect="1"/>
-          </p:cNvPicPr>
-          <p:nvPr/>
-        </p:nvPicPr>
-        <p:blipFill>
-          <a:blip r:embed="rId2"/>
-          <a:stretch>
-            <a:fillRect/>
-          </a:stretch>
-        </p:blipFill>
-        <p:spPr>
-          <a:xfrm>
-            <a:off x="1143979" y="2031882"/>
-            <a:ext cx="6227064" cy="2802178"/>
-          </a:xfrm>
-          <a:prstGeom prst="rect">
-            <a:avLst/>
-          </a:prstGeom>
-        </p:spPr>
-      </p:pic>
-      <p:sp>
-        <p:nvSpPr>
-          <p:cNvPr id="4" name="Text Placeholder 3">
-            <a:extLst>
-              <a:ext uri="{FF2B5EF4-FFF2-40B4-BE49-F238E27FC236}">
-                <a16:creationId xmlns:a16="http://schemas.microsoft.com/office/drawing/2014/main" id="{627B2ECF-9455-2412-7633-9125DD098A3E}"/>
-              </a:ext>
-            </a:extLst>
-          </p:cNvPr>
-          <p:cNvSpPr>
-            <a:spLocks noGrp="1"/>
-          </p:cNvSpPr>
-          <p:nvPr>
-            <p:ph type="body" sz="half" idx="2"/>
-          </p:nvPr>
-        </p:nvSpPr>
-        <p:spPr>
-          <a:xfrm>
-            <a:off x="8311249" y="2638044"/>
-            <a:ext cx="3063765" cy="3263206"/>
-          </a:xfrm>
-        </p:spPr>
-        <p:txBody>
-          <a:bodyPr vert="horz" lIns="91440" tIns="45720" rIns="91440" bIns="45720" rtlCol="0">
-            <a:normAutofit/>
-          </a:bodyPr>
-          <a:lstStyle/>
-          <a:p>
-            <a:pPr indent="-228600" algn="l">
-              <a:buFont typeface="Arial" panose="020B0604020202020204" pitchFamily="34" charset="0"/>
-              <a:buChar char="•"/>
-            </a:pPr>
-            <a:r>
-              <a:rPr lang="en-US" sz="1800" dirty="0">
-                <a:solidFill>
-                  <a:schemeClr val="tx1">
-                    <a:lumMod val="85000"/>
-                    <a:lumOff val="15000"/>
-                  </a:schemeClr>
-                </a:solidFill>
-              </a:rPr>
-              <a:t>UML diagram for both the date and assignment class </a:t>
-            </a:r>
-          </a:p>
-        </p:txBody>
-      </p:sp>
-    </p:spTree>
-    <p:extLst>
-      <p:ext uri="{BB962C8B-B14F-4D97-AF65-F5344CB8AC3E}">
-        <p14:creationId xmlns:p14="http://schemas.microsoft.com/office/powerpoint/2010/main" val="294520534"/>
-      </p:ext>
-    </p:extLst>
-  </p:cSld>
-  <p:clrMapOvr>
-    <a:masterClrMapping/>
-  </p:clrMapOvr>
-</p:sld>
-</file>
-
-<file path=ppt/slides/slide11.xml><?xml version="1.0" encoding="utf-8"?>
-<p:sld xmlns:a="http://schemas.openxmlformats.org/drawingml/2006/main" xmlns:r="http://schemas.openxmlformats.org/officeDocument/2006/relationships" xmlns:p="http://schemas.openxmlformats.org/presentationml/2006/main">
-  <p:cSld>
-    <p:spTree>
-      <p:nvGrpSpPr>
-        <p:cNvPr id="1" name=""/>
-        <p:cNvGrpSpPr/>
-        <p:nvPr/>
-      </p:nvGrpSpPr>
-      <p:grpSpPr>
-        <a:xfrm>
-          <a:off x="0" y="0"/>
-          <a:ext cx="0" cy="0"/>
-          <a:chOff x="0" y="0"/>
-          <a:chExt cx="0" cy="0"/>
-        </a:xfrm>
-      </p:grpSpPr>
-      <p:sp>
-        <p:nvSpPr>
-          <p:cNvPr id="2" name="Title 1">
-            <a:extLst>
-              <a:ext uri="{FF2B5EF4-FFF2-40B4-BE49-F238E27FC236}">
-                <a16:creationId xmlns:a16="http://schemas.microsoft.com/office/drawing/2014/main" id="{7E2A30A0-8365-12A0-1347-A2C477777111}"/>
-              </a:ext>
-            </a:extLst>
-          </p:cNvPr>
-          <p:cNvSpPr>
-            <a:spLocks noGrp="1"/>
-          </p:cNvSpPr>
-          <p:nvPr>
-            <p:ph type="title"/>
-          </p:nvPr>
-        </p:nvSpPr>
-        <p:spPr/>
-        <p:txBody>
-          <a:bodyPr/>
-          <a:lstStyle/>
-          <a:p>
-            <a:r>
-              <a:rPr lang="en-US" dirty="0"/>
-              <a:t>Software architecture</a:t>
-            </a:r>
-          </a:p>
-        </p:txBody>
-      </p:sp>
-      <p:sp>
-        <p:nvSpPr>
-          <p:cNvPr id="3" name="Content Placeholder 2">
-            <a:extLst>
-              <a:ext uri="{FF2B5EF4-FFF2-40B4-BE49-F238E27FC236}">
-                <a16:creationId xmlns:a16="http://schemas.microsoft.com/office/drawing/2014/main" id="{29C4D206-25C0-E9F5-48F7-FCD3B3239E01}"/>
-              </a:ext>
-            </a:extLst>
-          </p:cNvPr>
-          <p:cNvSpPr>
-            <a:spLocks noGrp="1"/>
-          </p:cNvSpPr>
-          <p:nvPr>
-            <p:ph idx="1"/>
-          </p:nvPr>
-        </p:nvSpPr>
-        <p:spPr/>
-        <p:txBody>
-          <a:bodyPr>
-            <a:normAutofit fontScale="92500"/>
-          </a:bodyPr>
-          <a:lstStyle/>
-          <a:p>
-            <a:r>
-              <a:rPr lang="en-US" dirty="0"/>
-              <a:t>Used Pass By Reference whenever possible/it made sense to in order to use the smallest amount of storage possible</a:t>
-            </a:r>
-          </a:p>
-          <a:p>
-            <a:r>
-              <a:rPr lang="en-US" dirty="0"/>
-              <a:t>Attempted to keep the variables in </a:t>
-            </a:r>
-            <a:r>
-              <a:rPr lang="en-US" dirty="0" err="1"/>
-              <a:t>main.cpp</a:t>
-            </a:r>
-            <a:r>
-              <a:rPr lang="en-US" dirty="0"/>
-              <a:t> at a minimum and defer their  responsibility to local variables in functions outside of main. This allowed for those variables to pop off the stack and free up memory after they were no longer actively being used.</a:t>
-            </a:r>
-          </a:p>
-          <a:p>
-            <a:r>
-              <a:rPr lang="en-US" dirty="0"/>
-              <a:t>Attempted to use switch statements more frequently than if and if-else statements</a:t>
-            </a:r>
-          </a:p>
-          <a:p>
-            <a:pPr lvl="1"/>
-            <a:r>
-              <a:rPr lang="en-US" dirty="0"/>
-              <a:t>However, this was not completely avoidable → in order to maintain system logic and clarity, sometimes it was best to use a series of if-else statements when operating within a switch statement</a:t>
-            </a:r>
-          </a:p>
-        </p:txBody>
-      </p:sp>
-    </p:spTree>
-    <p:extLst>
-      <p:ext uri="{BB962C8B-B14F-4D97-AF65-F5344CB8AC3E}">
-        <p14:creationId xmlns:p14="http://schemas.microsoft.com/office/powerpoint/2010/main" val="1291661186"/>
-      </p:ext>
-    </p:extLst>
-  </p:cSld>
-  <p:clrMapOvr>
-    <a:masterClrMapping/>
-  </p:clrMapOvr>
-</p:sld>
-</file>
-
-<file path=ppt/slides/slide12.xml><?xml version="1.0" encoding="utf-8"?>
-<p:sld xmlns:a="http://schemas.openxmlformats.org/drawingml/2006/main" xmlns:r="http://schemas.openxmlformats.org/officeDocument/2006/relationships" xmlns:p="http://schemas.openxmlformats.org/presentationml/2006/main">
-  <p:cSld>
-    <p:spTree>
-      <p:nvGrpSpPr>
-        <p:cNvPr id="1" name=""/>
-        <p:cNvGrpSpPr/>
-        <p:nvPr/>
-      </p:nvGrpSpPr>
-      <p:grpSpPr>
-        <a:xfrm>
-          <a:off x="0" y="0"/>
-          <a:ext cx="0" cy="0"/>
-          <a:chOff x="0" y="0"/>
-          <a:chExt cx="0" cy="0"/>
-        </a:xfrm>
-      </p:grpSpPr>
-      <p:sp>
-        <p:nvSpPr>
-          <p:cNvPr id="2" name="Title 1">
-            <a:extLst>
-              <a:ext uri="{FF2B5EF4-FFF2-40B4-BE49-F238E27FC236}">
-                <a16:creationId xmlns:a16="http://schemas.microsoft.com/office/drawing/2014/main" id="{19D66875-484A-1060-C03D-77BE501652F6}"/>
-              </a:ext>
-            </a:extLst>
-          </p:cNvPr>
-          <p:cNvSpPr>
-            <a:spLocks noGrp="1"/>
-          </p:cNvSpPr>
-          <p:nvPr>
-            <p:ph type="title"/>
-          </p:nvPr>
-        </p:nvSpPr>
-        <p:spPr/>
-        <p:txBody>
-          <a:bodyPr/>
-          <a:lstStyle/>
-          <a:p>
-            <a:r>
-              <a:rPr lang="en-US" dirty="0"/>
-              <a:t>Performance</a:t>
-            </a:r>
-          </a:p>
-        </p:txBody>
-      </p:sp>
-      <p:sp>
-        <p:nvSpPr>
-          <p:cNvPr id="3" name="Content Placeholder 2">
-            <a:extLst>
-              <a:ext uri="{FF2B5EF4-FFF2-40B4-BE49-F238E27FC236}">
-                <a16:creationId xmlns:a16="http://schemas.microsoft.com/office/drawing/2014/main" id="{5B622429-557F-187F-6250-5521D98D9A9B}"/>
-              </a:ext>
-            </a:extLst>
-          </p:cNvPr>
-          <p:cNvSpPr>
-            <a:spLocks noGrp="1"/>
-          </p:cNvSpPr>
-          <p:nvPr>
-            <p:ph idx="1"/>
-          </p:nvPr>
-        </p:nvSpPr>
-        <p:spPr/>
-        <p:txBody>
-          <a:bodyPr/>
-          <a:lstStyle/>
-          <a:p>
-            <a:r>
-              <a:rPr lang="en-US" dirty="0"/>
-              <a:t>The performance of our program is satisfactory</a:t>
-            </a:r>
-          </a:p>
-          <a:p>
-            <a:r>
-              <a:rPr lang="en-US" dirty="0"/>
-              <a:t>Due to the size of our group, we did not perform any performance analysis beyond using our own judgement</a:t>
-            </a:r>
-          </a:p>
-        </p:txBody>
-      </p:sp>
-    </p:spTree>
-    <p:extLst>
-      <p:ext uri="{BB962C8B-B14F-4D97-AF65-F5344CB8AC3E}">
-        <p14:creationId xmlns:p14="http://schemas.microsoft.com/office/powerpoint/2010/main" val="1565167725"/>
-      </p:ext>
-    </p:extLst>
-  </p:cSld>
-  <p:clrMapOvr>
-    <a:masterClrMapping/>
-  </p:clrMapOvr>
-</p:sld>
-</file>
-
 <file path=ppt/slides/slide2.xml><?xml version="1.0" encoding="utf-8"?>
 <p:sld xmlns:a="http://schemas.openxmlformats.org/drawingml/2006/main" xmlns:r="http://schemas.openxmlformats.org/officeDocument/2006/relationships" xmlns:p="http://schemas.openxmlformats.org/presentationml/2006/main">
   <p:cSld>
@@ -4098,14 +3610,6 @@
 <file path=ppt/slides/slide4.xml><?xml version="1.0" encoding="utf-8"?>
 <p:sld xmlns:a="http://schemas.openxmlformats.org/drawingml/2006/main" xmlns:r="http://schemas.openxmlformats.org/officeDocument/2006/relationships" xmlns:p="http://schemas.openxmlformats.org/presentationml/2006/main">
   <p:cSld>
-    <p:bg>
-      <p:bgPr>
-        <a:solidFill>
-          <a:schemeClr val="accent2"/>
-        </a:solidFill>
-        <a:effectLst/>
-      </p:bgPr>
-    </p:bg>
     <p:spTree>
       <p:nvGrpSpPr>
         <p:cNvPr id="1" name=""/>
@@ -4138,60 +3642,45 @@
         </p:nvSpPr>
         <p:spPr>
           <a:xfrm>
-            <a:off x="853767" y="398384"/>
-            <a:ext cx="4486656" cy="1645920"/>
+            <a:off x="765449" y="186428"/>
+            <a:ext cx="4494998" cy="1134640"/>
           </a:xfrm>
         </p:spPr>
         <p:txBody>
-          <a:bodyPr vert="horz" lIns="274320" tIns="182880" rIns="274320" bIns="182880" rtlCol="0" anchor="ctr" anchorCtr="1">
-            <a:normAutofit/>
-          </a:bodyPr>
-          <a:lstStyle/>
-          <a:p>
-            <a:r>
-              <a:rPr lang="en-US" sz="3200"/>
+          <a:bodyPr/>
+          <a:lstStyle/>
+          <a:p>
+            <a:r>
+              <a:rPr lang="en-US" dirty="0"/>
               <a:t>Test case I</a:t>
             </a:r>
           </a:p>
         </p:txBody>
       </p:sp>
-      <p:pic>
-        <p:nvPicPr>
-          <p:cNvPr id="5" name="Picture Placeholder 4">
+      <p:sp>
+        <p:nvSpPr>
+          <p:cNvPr id="3" name="Picture Placeholder 2">
             <a:extLst>
               <a:ext uri="{FF2B5EF4-FFF2-40B4-BE49-F238E27FC236}">
-                <a16:creationId xmlns:a16="http://schemas.microsoft.com/office/drawing/2014/main" id="{190DAD05-F12B-73CC-2FEA-2C16D2020973}"/>
+                <a16:creationId xmlns:a16="http://schemas.microsoft.com/office/drawing/2014/main" id="{C86864CC-3A52-2E08-708E-8988FB202A8B}"/>
               </a:ext>
             </a:extLst>
           </p:cNvPr>
-          <p:cNvPicPr>
-            <a:picLocks noGrp="1" noChangeAspect="1"/>
-          </p:cNvPicPr>
+          <p:cNvSpPr>
+            <a:spLocks noGrp="1"/>
+          </p:cNvSpPr>
           <p:nvPr>
             <p:ph type="pic" idx="1"/>
           </p:nvPr>
-        </p:nvPicPr>
-        <p:blipFill rotWithShape="1">
-          <a:blip r:embed="rId2"/>
-          <a:srcRect r="5938"/>
-          <a:stretch/>
-        </p:blipFill>
-        <p:spPr>
-          <a:xfrm>
-            <a:off x="6096000" y="10"/>
-            <a:ext cx="6095999" cy="6857990"/>
-          </a:xfrm>
-          <a:prstGeom prst="rect">
-            <a:avLst/>
-          </a:prstGeom>
-        </p:spPr>
-      </p:pic>
-      <p:sp>
-        <p:nvSpPr>
-          <p:cNvPr id="3" name="TextBox 2">
+        </p:nvSpPr>
+        <p:spPr/>
+      </p:sp>
+      <p:sp>
+        <p:nvSpPr>
+          <p:cNvPr id="5" name="TextBox 4">
             <a:extLst>
               <a:ext uri="{FF2B5EF4-FFF2-40B4-BE49-F238E27FC236}">
-                <a16:creationId xmlns:a16="http://schemas.microsoft.com/office/drawing/2014/main" id="{11CBDFD0-0D98-FDEB-669D-CC5C91ED9A1A}"/>
+                <a16:creationId xmlns:a16="http://schemas.microsoft.com/office/drawing/2014/main" id="{49037859-76AD-7A97-89B4-4B57319E4975}"/>
               </a:ext>
             </a:extLst>
           </p:cNvPr>
@@ -4200,8 +3689,8 @@
         </p:nvSpPr>
         <p:spPr>
           <a:xfrm>
-            <a:off x="1013791" y="2604052"/>
-            <a:ext cx="4184374" cy="2308324"/>
+            <a:off x="1303088" y="1441174"/>
+            <a:ext cx="3918893" cy="2862322"/>
           </a:xfrm>
           <a:prstGeom prst="rect">
             <a:avLst/>
@@ -4209,32 +3698,97 @@
           <a:noFill/>
         </p:spPr>
         <p:txBody>
-          <a:bodyPr wrap="square" rtlCol="0">
+          <a:bodyPr wrap="none" rtlCol="0">
             <a:spAutoFit/>
           </a:bodyPr>
           <a:lstStyle/>
           <a:p>
             <a:r>
               <a:rPr lang="en-US" dirty="0"/>
-              <a:t>This text case displays what would occur if the due date for an assignment were to be set before the present day</a:t>
-            </a:r>
-          </a:p>
-          <a:p>
-            <a:endParaRPr lang="en-US" dirty="0"/>
-          </a:p>
-          <a:p>
-            <a:endParaRPr lang="en-US" dirty="0"/>
-          </a:p>
-          <a:p>
-            <a:r>
-              <a:rPr lang="en-US" dirty="0"/>
-              <a:t>The error “Past date entered…</a:t>
-            </a:r>
-          </a:p>
-          <a:p>
-            <a:r>
-              <a:rPr lang="en-US" dirty="0"/>
-              <a:t>Error in constructing assignment object” would occur</a:t>
+              <a:t>Goal: </a:t>
+            </a:r>
+          </a:p>
+          <a:p>
+            <a:pPr marL="285750" indent="-285750">
+              <a:buFont typeface="Arial" panose="020B0604020202020204" pitchFamily="34" charset="0"/>
+              <a:buChar char="•"/>
+            </a:pPr>
+            <a:r>
+              <a:rPr lang="en-US" dirty="0"/>
+              <a:t>Create an initial list of assignments</a:t>
+            </a:r>
+          </a:p>
+          <a:p>
+            <a:pPr marL="285750" indent="-285750">
+              <a:buFont typeface="Arial" panose="020B0604020202020204" pitchFamily="34" charset="0"/>
+              <a:buChar char="•"/>
+            </a:pPr>
+            <a:r>
+              <a:rPr lang="en-US" dirty="0"/>
+              <a:t>Delete two assignments from the list</a:t>
+            </a:r>
+          </a:p>
+          <a:p>
+            <a:pPr marL="285750" indent="-285750">
+              <a:buFont typeface="Arial" panose="020B0604020202020204" pitchFamily="34" charset="0"/>
+              <a:buChar char="•"/>
+            </a:pPr>
+            <a:r>
+              <a:rPr lang="en-US" dirty="0"/>
+              <a:t>Add one more assignment </a:t>
+            </a:r>
+          </a:p>
+          <a:p>
+            <a:pPr marL="285750" indent="-285750">
+              <a:buFont typeface="Arial" panose="020B0604020202020204" pitchFamily="34" charset="0"/>
+              <a:buChar char="•"/>
+            </a:pPr>
+            <a:endParaRPr lang="en-US" dirty="0"/>
+          </a:p>
+          <a:p>
+            <a:r>
+              <a:rPr lang="en-US" dirty="0"/>
+              <a:t>Features Tested:</a:t>
+            </a:r>
+          </a:p>
+          <a:p>
+            <a:pPr marL="285750" indent="-285750">
+              <a:buFont typeface="Arial" panose="020B0604020202020204" pitchFamily="34" charset="0"/>
+              <a:buChar char="•"/>
+            </a:pPr>
+            <a:r>
+              <a:rPr lang="en-US" dirty="0"/>
+              <a:t>Initial intake feature</a:t>
+            </a:r>
+          </a:p>
+          <a:p>
+            <a:pPr marL="285750" indent="-285750">
+              <a:buFont typeface="Arial" panose="020B0604020202020204" pitchFamily="34" charset="0"/>
+              <a:buChar char="•"/>
+            </a:pPr>
+            <a:r>
+              <a:rPr lang="en-US" dirty="0"/>
+              <a:t>Delete assignment feature</a:t>
+            </a:r>
+          </a:p>
+          <a:p>
+            <a:pPr marL="285750" indent="-285750">
+              <a:buFont typeface="Arial" panose="020B0604020202020204" pitchFamily="34" charset="0"/>
+              <a:buChar char="•"/>
+            </a:pPr>
+            <a:r>
+              <a:rPr lang="en-US" dirty="0"/>
+              <a:t>Add assignment feature</a:t>
+            </a:r>
+          </a:p>
+          <a:p>
+            <a:pPr marL="285750" indent="-285750">
+              <a:buFont typeface="Arial" panose="020B0604020202020204" pitchFamily="34" charset="0"/>
+              <a:buChar char="•"/>
+            </a:pPr>
+            <a:r>
+              <a:rPr lang="en-US" dirty="0"/>
+              <a:t>Quit feature</a:t>
             </a:r>
           </a:p>
         </p:txBody>
@@ -4249,98 +3803,6 @@
   <p:clrMapOvr>
     <a:masterClrMapping/>
   </p:clrMapOvr>
-  <p:timing>
-    <p:tnLst>
-      <p:par>
-        <p:cTn id="1" dur="indefinite" restart="never" nodeType="tmRoot">
-          <p:childTnLst>
-            <p:seq concurrent="1" nextAc="seek">
-              <p:cTn id="2" dur="indefinite" nodeType="mainSeq">
-                <p:childTnLst>
-                  <p:par>
-                    <p:cTn id="3" fill="hold">
-                      <p:stCondLst>
-                        <p:cond delay="indefinite"/>
-                        <p:cond evt="onBegin" delay="0">
-                          <p:tn val="2"/>
-                        </p:cond>
-                      </p:stCondLst>
-                      <p:childTnLst>
-                        <p:par>
-                          <p:cTn id="4" fill="hold">
-                            <p:stCondLst>
-                              <p:cond delay="0"/>
-                            </p:stCondLst>
-                            <p:childTnLst>
-                              <p:par>
-                                <p:cTn id="5" presetID="10" presetClass="entr" presetSubtype="0" fill="hold" grpId="0" nodeType="withEffect">
-                                  <p:stCondLst>
-                                    <p:cond delay="1000"/>
-                                  </p:stCondLst>
-                                  <p:iterate type="lt">
-                                    <p:tmPct val="10000"/>
-                                  </p:iterate>
-                                  <p:childTnLst>
-                                    <p:set>
-                                      <p:cBhvr>
-                                        <p:cTn id="6" dur="1" fill="hold">
-                                          <p:stCondLst>
-                                            <p:cond delay="0"/>
-                                          </p:stCondLst>
-                                        </p:cTn>
-                                        <p:tgtEl>
-                                          <p:spTgt spid="2"/>
-                                        </p:tgtEl>
-                                        <p:attrNameLst>
-                                          <p:attrName>style.visibility</p:attrName>
-                                        </p:attrNameLst>
-                                      </p:cBhvr>
-                                      <p:to>
-                                        <p:strVal val="visible"/>
-                                      </p:to>
-                                    </p:set>
-                                    <p:animEffect transition="in" filter="fade">
-                                      <p:cBhvr>
-                                        <p:cTn id="7" dur="400"/>
-                                        <p:tgtEl>
-                                          <p:spTgt spid="2"/>
-                                        </p:tgtEl>
-                                      </p:cBhvr>
-                                    </p:animEffect>
-                                  </p:childTnLst>
-                                </p:cTn>
-                              </p:par>
-                            </p:childTnLst>
-                          </p:cTn>
-                        </p:par>
-                      </p:childTnLst>
-                    </p:cTn>
-                  </p:par>
-                </p:childTnLst>
-              </p:cTn>
-              <p:prevCondLst>
-                <p:cond evt="onPrev" delay="0">
-                  <p:tgtEl>
-                    <p:sldTgt/>
-                  </p:tgtEl>
-                </p:cond>
-              </p:prevCondLst>
-              <p:nextCondLst>
-                <p:cond evt="onNext" delay="0">
-                  <p:tgtEl>
-                    <p:sldTgt/>
-                  </p:tgtEl>
-                </p:cond>
-              </p:nextCondLst>
-            </p:seq>
-          </p:childTnLst>
-        </p:cTn>
-      </p:par>
-    </p:tnLst>
-    <p:bldLst>
-      <p:bldP spid="2" grpId="0" animBg="1"/>
-    </p:bldLst>
-  </p:timing>
 </p:sld>
 </file>
 
@@ -4394,40 +3856,30 @@
           </a:p>
         </p:txBody>
       </p:sp>
-      <p:pic>
-        <p:nvPicPr>
-          <p:cNvPr id="5" name="Picture Placeholder 4">
+      <p:sp>
+        <p:nvSpPr>
+          <p:cNvPr id="3" name="Picture Placeholder 2">
             <a:extLst>
               <a:ext uri="{FF2B5EF4-FFF2-40B4-BE49-F238E27FC236}">
-                <a16:creationId xmlns:a16="http://schemas.microsoft.com/office/drawing/2014/main" id="{DC3FEFC6-6A47-E955-A853-BFE9706B447F}"/>
+                <a16:creationId xmlns:a16="http://schemas.microsoft.com/office/drawing/2014/main" id="{C86864CC-3A52-2E08-708E-8988FB202A8B}"/>
               </a:ext>
             </a:extLst>
           </p:cNvPr>
-          <p:cNvPicPr>
-            <a:picLocks noGrp="1" noChangeAspect="1"/>
-          </p:cNvPicPr>
+          <p:cNvSpPr>
+            <a:spLocks noGrp="1"/>
+          </p:cNvSpPr>
           <p:nvPr>
             <p:ph type="pic" idx="1"/>
           </p:nvPr>
-        </p:nvPicPr>
-        <p:blipFill rotWithShape="1">
-          <a:blip r:embed="rId2"/>
-          <a:srcRect t="16992" b="16992"/>
-          <a:stretch/>
-        </p:blipFill>
-        <p:spPr>
-          <a:xfrm>
-            <a:off x="6113463" y="0"/>
-            <a:ext cx="6102350" cy="6858000"/>
-          </a:xfrm>
-        </p:spPr>
-      </p:pic>
-      <p:sp>
-        <p:nvSpPr>
-          <p:cNvPr id="3" name="TextBox 2">
+        </p:nvSpPr>
+        <p:spPr/>
+      </p:sp>
+      <p:sp>
+        <p:nvSpPr>
+          <p:cNvPr id="4" name="TextBox 3">
             <a:extLst>
               <a:ext uri="{FF2B5EF4-FFF2-40B4-BE49-F238E27FC236}">
-                <a16:creationId xmlns:a16="http://schemas.microsoft.com/office/drawing/2014/main" id="{B4DA18B9-F2FE-9E3C-A994-0A92A8A85914}"/>
+                <a16:creationId xmlns:a16="http://schemas.microsoft.com/office/drawing/2014/main" id="{6BBA2E1D-7BC4-EE87-F46C-7AFC722D79B7}"/>
               </a:ext>
             </a:extLst>
           </p:cNvPr>
@@ -4436,8 +3888,8 @@
         </p:nvSpPr>
         <p:spPr>
           <a:xfrm>
-            <a:off x="914400" y="1918252"/>
-            <a:ext cx="4298674" cy="2585323"/>
+            <a:off x="1303088" y="1441174"/>
+            <a:ext cx="3708259" cy="2585323"/>
           </a:xfrm>
           <a:prstGeom prst="rect">
             <a:avLst/>
@@ -4445,26 +3897,91 @@
           <a:noFill/>
         </p:spPr>
         <p:txBody>
-          <a:bodyPr wrap="square" rtlCol="0">
+          <a:bodyPr wrap="none" rtlCol="0">
             <a:spAutoFit/>
           </a:bodyPr>
           <a:lstStyle/>
           <a:p>
             <a:r>
               <a:rPr lang="en-US" dirty="0"/>
-              <a:t>This test case shows what would occur in the event that the program ran without errors </a:t>
-            </a:r>
-          </a:p>
-          <a:p>
-            <a:endParaRPr lang="en-US" dirty="0"/>
-          </a:p>
-          <a:p>
-            <a:endParaRPr lang="en-US" dirty="0"/>
-          </a:p>
-          <a:p>
-            <a:r>
-              <a:rPr lang="en-US" dirty="0"/>
-              <a:t>The user would input the number of assignment and would be prompted to enter a series of information about each assignment</a:t>
+              <a:t>Goal: </a:t>
+            </a:r>
+          </a:p>
+          <a:p>
+            <a:pPr marL="285750" indent="-285750">
+              <a:buFont typeface="Arial" panose="020B0604020202020204" pitchFamily="34" charset="0"/>
+              <a:buChar char="•"/>
+            </a:pPr>
+            <a:r>
+              <a:rPr lang="en-US" dirty="0"/>
+              <a:t>Create an initial list of assignments</a:t>
+            </a:r>
+          </a:p>
+          <a:p>
+            <a:pPr marL="285750" indent="-285750">
+              <a:buFont typeface="Arial" panose="020B0604020202020204" pitchFamily="34" charset="0"/>
+              <a:buChar char="•"/>
+            </a:pPr>
+            <a:r>
+              <a:rPr lang="en-US" dirty="0"/>
+              <a:t>Mark some assignments complete</a:t>
+            </a:r>
+          </a:p>
+          <a:p>
+            <a:pPr marL="285750" indent="-285750">
+              <a:buFont typeface="Arial" panose="020B0604020202020204" pitchFamily="34" charset="0"/>
+              <a:buChar char="•"/>
+            </a:pPr>
+            <a:r>
+              <a:rPr lang="en-US"/>
+              <a:t>A</a:t>
+            </a:r>
+            <a:endParaRPr lang="en-US" dirty="0"/>
+          </a:p>
+          <a:p>
+            <a:r>
+              <a:rPr lang="en-US" dirty="0"/>
+              <a:t>Features Tested:</a:t>
+            </a:r>
+          </a:p>
+          <a:p>
+            <a:pPr marL="285750" indent="-285750">
+              <a:buFont typeface="Arial" panose="020B0604020202020204" pitchFamily="34" charset="0"/>
+              <a:buChar char="•"/>
+            </a:pPr>
+            <a:r>
+              <a:rPr lang="en-US" dirty="0"/>
+              <a:t>Initial intake feature</a:t>
+            </a:r>
+          </a:p>
+          <a:p>
+            <a:pPr marL="285750" indent="-285750">
+              <a:buFont typeface="Arial" panose="020B0604020202020204" pitchFamily="34" charset="0"/>
+              <a:buChar char="•"/>
+            </a:pPr>
+            <a:r>
+              <a:rPr lang="en-US" dirty="0"/>
+              <a:t>Delete assignment feature</a:t>
+            </a:r>
+          </a:p>
+          <a:p>
+            <a:pPr marL="285750" indent="-285750">
+              <a:buFont typeface="Arial" panose="020B0604020202020204" pitchFamily="34" charset="0"/>
+              <a:buChar char="•"/>
+            </a:pPr>
+            <a:r>
+              <a:rPr lang="en-US" dirty="0"/>
+              <a:t>Add assignment feature</a:t>
+            </a:r>
+          </a:p>
+          <a:p>
+            <a:pPr marL="285750" indent="-285750">
+              <a:buFont typeface="Arial" panose="020B0604020202020204" pitchFamily="34" charset="0"/>
+              <a:buChar char="•"/>
+            </a:pPr>
+            <a:r>
+              <a:rPr lang="en-US" dirty="0"/>
+              <a:t>Quit feature</a:t>
             </a:r>
           </a:p>
         </p:txBody>
@@ -4504,7 +4021,7 @@
           <p:cNvPr id="2" name="Title 1">
             <a:extLst>
               <a:ext uri="{FF2B5EF4-FFF2-40B4-BE49-F238E27FC236}">
-                <a16:creationId xmlns:a16="http://schemas.microsoft.com/office/drawing/2014/main" id="{B6B0424C-CD6A-4772-B893-93C848CE257B}"/>
+                <a16:creationId xmlns:a16="http://schemas.microsoft.com/office/drawing/2014/main" id="{CBCBE736-1968-4039-E156-E620C05D9A4E}"/>
               </a:ext>
             </a:extLst>
           </p:cNvPr>
@@ -4517,7 +4034,7 @@
         </p:nvSpPr>
         <p:spPr>
           <a:xfrm>
-            <a:off x="765449" y="396618"/>
+            <a:off x="765449" y="186428"/>
             <a:ext cx="4494998" cy="1134640"/>
           </a:xfrm>
         </p:spPr>
@@ -4527,69 +4044,143 @@
           <a:p>
             <a:r>
               <a:rPr lang="en-US" dirty="0"/>
-              <a:t>Test Case II Continue</a:t>
-            </a:r>
-          </a:p>
-        </p:txBody>
-      </p:sp>
-      <p:pic>
-        <p:nvPicPr>
-          <p:cNvPr id="6" name="Content Placeholder 5">
+              <a:t>Test case III</a:t>
+            </a:r>
+          </a:p>
+        </p:txBody>
+      </p:sp>
+      <p:sp>
+        <p:nvSpPr>
+          <p:cNvPr id="3" name="Picture Placeholder 2">
             <a:extLst>
               <a:ext uri="{FF2B5EF4-FFF2-40B4-BE49-F238E27FC236}">
-                <a16:creationId xmlns:a16="http://schemas.microsoft.com/office/drawing/2014/main" id="{10BF72DB-0221-6ED0-F264-A9F370B498C3}"/>
+                <a16:creationId xmlns:a16="http://schemas.microsoft.com/office/drawing/2014/main" id="{C86864CC-3A52-2E08-708E-8988FB202A8B}"/>
               </a:ext>
             </a:extLst>
           </p:cNvPr>
-          <p:cNvPicPr>
-            <a:picLocks noGrp="1" noChangeAspect="1"/>
-          </p:cNvPicPr>
+          <p:cNvSpPr>
+            <a:spLocks noGrp="1"/>
+          </p:cNvSpPr>
           <p:nvPr>
             <p:ph type="pic" idx="1"/>
           </p:nvPr>
-        </p:nvPicPr>
-        <p:blipFill rotWithShape="1">
-          <a:blip r:embed="rId2"/>
-          <a:srcRect t="19014" b="19014"/>
-          <a:stretch/>
-        </p:blipFill>
-        <p:spPr/>
-      </p:pic>
-      <p:sp>
-        <p:nvSpPr>
-          <p:cNvPr id="3" name="Text Placeholder 2">
+        </p:nvSpPr>
+        <p:spPr/>
+      </p:sp>
+      <p:sp>
+        <p:nvSpPr>
+          <p:cNvPr id="4" name="TextBox 3">
             <a:extLst>
               <a:ext uri="{FF2B5EF4-FFF2-40B4-BE49-F238E27FC236}">
-                <a16:creationId xmlns:a16="http://schemas.microsoft.com/office/drawing/2014/main" id="{C26BA0E6-34F3-B233-CC22-0A5648996A6C}"/>
+                <a16:creationId xmlns:a16="http://schemas.microsoft.com/office/drawing/2014/main" id="{525B122C-2C12-44E5-6B6D-867975DCCC50}"/>
               </a:ext>
             </a:extLst>
           </p:cNvPr>
-          <p:cNvSpPr>
-            <a:spLocks noGrp="1"/>
-          </p:cNvSpPr>
-          <p:nvPr>
-            <p:ph type="body" sz="half" idx="2"/>
-          </p:nvPr>
+          <p:cNvSpPr txBox="1"/>
+          <p:nvPr/>
         </p:nvSpPr>
         <p:spPr>
           <a:xfrm>
-            <a:off x="1035788" y="1880678"/>
-            <a:ext cx="3794760" cy="2194037"/>
+            <a:off x="1303088" y="1441174"/>
+            <a:ext cx="3918893" cy="2862322"/>
           </a:xfrm>
+          <a:prstGeom prst="rect">
+            <a:avLst/>
+          </a:prstGeom>
+          <a:noFill/>
         </p:spPr>
         <p:txBody>
-          <a:bodyPr>
-            <a:normAutofit/>
+          <a:bodyPr wrap="none" rtlCol="0">
+            <a:spAutoFit/>
           </a:bodyPr>
           <a:lstStyle/>
           <a:p>
             <a:r>
-              <a:rPr lang="en-US" sz="1800" dirty="0">
-                <a:solidFill>
-                  <a:schemeClr val="tx1"/>
-                </a:solidFill>
-              </a:rPr>
-              <a:t>As the program continues to run, the days until the assignment is due would be calculated and displayed. </a:t>
+              <a:rPr lang="en-US" dirty="0"/>
+              <a:t>Goal: </a:t>
+            </a:r>
+          </a:p>
+          <a:p>
+            <a:pPr marL="285750" indent="-285750">
+              <a:buFont typeface="Arial" panose="020B0604020202020204" pitchFamily="34" charset="0"/>
+              <a:buChar char="•"/>
+            </a:pPr>
+            <a:r>
+              <a:rPr lang="en-US" dirty="0"/>
+              <a:t>Create an initial list of assignments</a:t>
+            </a:r>
+          </a:p>
+          <a:p>
+            <a:pPr marL="285750" indent="-285750">
+              <a:buFont typeface="Arial" panose="020B0604020202020204" pitchFamily="34" charset="0"/>
+              <a:buChar char="•"/>
+            </a:pPr>
+            <a:r>
+              <a:rPr lang="en-US" dirty="0"/>
+              <a:t>Delete two assignments from the list</a:t>
+            </a:r>
+          </a:p>
+          <a:p>
+            <a:pPr marL="285750" indent="-285750">
+              <a:buFont typeface="Arial" panose="020B0604020202020204" pitchFamily="34" charset="0"/>
+              <a:buChar char="•"/>
+            </a:pPr>
+            <a:r>
+              <a:rPr lang="en-US" dirty="0"/>
+              <a:t>Add one more assignment </a:t>
+            </a:r>
+          </a:p>
+          <a:p>
+            <a:pPr marL="285750" indent="-285750">
+              <a:buFont typeface="Arial" panose="020B0604020202020204" pitchFamily="34" charset="0"/>
+              <a:buChar char="•"/>
+            </a:pPr>
+            <a:endParaRPr lang="en-US" dirty="0"/>
+          </a:p>
+          <a:p>
+            <a:r>
+              <a:rPr lang="en-US" dirty="0"/>
+              <a:t>Features Tested:</a:t>
+            </a:r>
+          </a:p>
+          <a:p>
+            <a:pPr marL="285750" indent="-285750">
+              <a:buFont typeface="Arial" panose="020B0604020202020204" pitchFamily="34" charset="0"/>
+              <a:buChar char="•"/>
+            </a:pPr>
+            <a:r>
+              <a:rPr lang="en-US" dirty="0"/>
+              <a:t>Initial intake feature</a:t>
+            </a:r>
+          </a:p>
+          <a:p>
+            <a:pPr marL="285750" indent="-285750">
+              <a:buFont typeface="Arial" panose="020B0604020202020204" pitchFamily="34" charset="0"/>
+              <a:buChar char="•"/>
+            </a:pPr>
+            <a:r>
+              <a:rPr lang="en-US" dirty="0"/>
+              <a:t>Delete assignment feature</a:t>
+            </a:r>
+          </a:p>
+          <a:p>
+            <a:pPr marL="285750" indent="-285750">
+              <a:buFont typeface="Arial" panose="020B0604020202020204" pitchFamily="34" charset="0"/>
+              <a:buChar char="•"/>
+            </a:pPr>
+            <a:r>
+              <a:rPr lang="en-US" dirty="0"/>
+              <a:t>Add assignment feature</a:t>
+            </a:r>
+          </a:p>
+          <a:p>
+            <a:pPr marL="285750" indent="-285750">
+              <a:buFont typeface="Arial" panose="020B0604020202020204" pitchFamily="34" charset="0"/>
+              <a:buChar char="•"/>
+            </a:pPr>
+            <a:r>
+              <a:rPr lang="en-US" dirty="0"/>
+              <a:t>Quit feature</a:t>
             </a:r>
           </a:p>
         </p:txBody>
@@ -4597,7 +4188,7 @@
     </p:spTree>
     <p:extLst>
       <p:ext uri="{BB962C8B-B14F-4D97-AF65-F5344CB8AC3E}">
-        <p14:creationId xmlns:p14="http://schemas.microsoft.com/office/powerpoint/2010/main" val="1611431561"/>
+        <p14:creationId xmlns:p14="http://schemas.microsoft.com/office/powerpoint/2010/main" val="3715308466"/>
       </p:ext>
     </p:extLst>
   </p:cSld>
@@ -4629,7 +4220,7 @@
           <p:cNvPr id="2" name="Title 1">
             <a:extLst>
               <a:ext uri="{FF2B5EF4-FFF2-40B4-BE49-F238E27FC236}">
-                <a16:creationId xmlns:a16="http://schemas.microsoft.com/office/drawing/2014/main" id="{B7019480-5EBC-EF6A-B812-CA2015541BD8}"/>
+                <a16:creationId xmlns:a16="http://schemas.microsoft.com/office/drawing/2014/main" id="{CBCBE736-1968-4039-E156-E620C05D9A4E}"/>
               </a:ext>
             </a:extLst>
           </p:cNvPr>
@@ -4642,7 +4233,7 @@
         </p:nvSpPr>
         <p:spPr>
           <a:xfrm>
-            <a:off x="808523" y="273879"/>
+            <a:off x="765449" y="186428"/>
             <a:ext cx="4494998" cy="1134640"/>
           </a:xfrm>
         </p:spPr>
@@ -4652,69 +4243,143 @@
           <a:p>
             <a:r>
               <a:rPr lang="en-US" dirty="0"/>
-              <a:t>Test Case ii continued</a:t>
-            </a:r>
-          </a:p>
-        </p:txBody>
-      </p:sp>
-      <p:pic>
-        <p:nvPicPr>
-          <p:cNvPr id="6" name="Content Placeholder 5">
+              <a:t>Test case IV</a:t>
+            </a:r>
+          </a:p>
+        </p:txBody>
+      </p:sp>
+      <p:sp>
+        <p:nvSpPr>
+          <p:cNvPr id="3" name="Picture Placeholder 2">
             <a:extLst>
               <a:ext uri="{FF2B5EF4-FFF2-40B4-BE49-F238E27FC236}">
-                <a16:creationId xmlns:a16="http://schemas.microsoft.com/office/drawing/2014/main" id="{6EAE4FEC-FD23-1969-BB07-6798E9B70250}"/>
+                <a16:creationId xmlns:a16="http://schemas.microsoft.com/office/drawing/2014/main" id="{C86864CC-3A52-2E08-708E-8988FB202A8B}"/>
               </a:ext>
             </a:extLst>
           </p:cNvPr>
-          <p:cNvPicPr>
-            <a:picLocks noGrp="1" noChangeAspect="1"/>
-          </p:cNvPicPr>
+          <p:cNvSpPr>
+            <a:spLocks noGrp="1"/>
+          </p:cNvSpPr>
           <p:nvPr>
             <p:ph type="pic" idx="1"/>
           </p:nvPr>
-        </p:nvPicPr>
-        <p:blipFill rotWithShape="1">
-          <a:blip r:embed="rId2"/>
-          <a:srcRect t="13749" b="13749"/>
-          <a:stretch/>
-        </p:blipFill>
-        <p:spPr/>
-      </p:pic>
-      <p:sp>
-        <p:nvSpPr>
-          <p:cNvPr id="3" name="Text Placeholder 2">
+        </p:nvSpPr>
+        <p:spPr/>
+      </p:sp>
+      <p:sp>
+        <p:nvSpPr>
+          <p:cNvPr id="4" name="TextBox 3">
             <a:extLst>
               <a:ext uri="{FF2B5EF4-FFF2-40B4-BE49-F238E27FC236}">
-                <a16:creationId xmlns:a16="http://schemas.microsoft.com/office/drawing/2014/main" id="{D57EE854-64AD-859A-AA64-2337BBEDD63B}"/>
+                <a16:creationId xmlns:a16="http://schemas.microsoft.com/office/drawing/2014/main" id="{8537D974-C7BF-00CA-9F57-8D159334EE07}"/>
               </a:ext>
             </a:extLst>
           </p:cNvPr>
-          <p:cNvSpPr>
-            <a:spLocks noGrp="1"/>
-          </p:cNvSpPr>
-          <p:nvPr>
-            <p:ph type="body" sz="half" idx="2"/>
-          </p:nvPr>
+          <p:cNvSpPr txBox="1"/>
+          <p:nvPr/>
         </p:nvSpPr>
         <p:spPr>
           <a:xfrm>
-            <a:off x="1066473" y="1745665"/>
-            <a:ext cx="3794760" cy="2194037"/>
+            <a:off x="1303088" y="1441174"/>
+            <a:ext cx="3918893" cy="2862322"/>
           </a:xfrm>
+          <a:prstGeom prst="rect">
+            <a:avLst/>
+          </a:prstGeom>
+          <a:noFill/>
         </p:spPr>
         <p:txBody>
-          <a:bodyPr>
-            <a:normAutofit/>
+          <a:bodyPr wrap="none" rtlCol="0">
+            <a:spAutoFit/>
           </a:bodyPr>
           <a:lstStyle/>
           <a:p>
             <a:r>
-              <a:rPr lang="en-US" sz="1800" dirty="0">
-                <a:solidFill>
-                  <a:schemeClr val="tx1"/>
-                </a:solidFill>
-              </a:rPr>
-              <a:t>The program will continue running until the days until due has been calculated and displayed for all declared assignments</a:t>
+              <a:rPr lang="en-US" dirty="0"/>
+              <a:t>Goal: </a:t>
+            </a:r>
+          </a:p>
+          <a:p>
+            <a:pPr marL="285750" indent="-285750">
+              <a:buFont typeface="Arial" panose="020B0604020202020204" pitchFamily="34" charset="0"/>
+              <a:buChar char="•"/>
+            </a:pPr>
+            <a:r>
+              <a:rPr lang="en-US" dirty="0"/>
+              <a:t>Create an initial list of assignments</a:t>
+            </a:r>
+          </a:p>
+          <a:p>
+            <a:pPr marL="285750" indent="-285750">
+              <a:buFont typeface="Arial" panose="020B0604020202020204" pitchFamily="34" charset="0"/>
+              <a:buChar char="•"/>
+            </a:pPr>
+            <a:r>
+              <a:rPr lang="en-US" dirty="0"/>
+              <a:t>Delete two assignments from the list</a:t>
+            </a:r>
+          </a:p>
+          <a:p>
+            <a:pPr marL="285750" indent="-285750">
+              <a:buFont typeface="Arial" panose="020B0604020202020204" pitchFamily="34" charset="0"/>
+              <a:buChar char="•"/>
+            </a:pPr>
+            <a:r>
+              <a:rPr lang="en-US" dirty="0"/>
+              <a:t>Add one more assignment </a:t>
+            </a:r>
+          </a:p>
+          <a:p>
+            <a:pPr marL="285750" indent="-285750">
+              <a:buFont typeface="Arial" panose="020B0604020202020204" pitchFamily="34" charset="0"/>
+              <a:buChar char="•"/>
+            </a:pPr>
+            <a:endParaRPr lang="en-US" dirty="0"/>
+          </a:p>
+          <a:p>
+            <a:r>
+              <a:rPr lang="en-US" dirty="0"/>
+              <a:t>Features Tested:</a:t>
+            </a:r>
+          </a:p>
+          <a:p>
+            <a:pPr marL="285750" indent="-285750">
+              <a:buFont typeface="Arial" panose="020B0604020202020204" pitchFamily="34" charset="0"/>
+              <a:buChar char="•"/>
+            </a:pPr>
+            <a:r>
+              <a:rPr lang="en-US" dirty="0"/>
+              <a:t>Initial intake feature</a:t>
+            </a:r>
+          </a:p>
+          <a:p>
+            <a:pPr marL="285750" indent="-285750">
+              <a:buFont typeface="Arial" panose="020B0604020202020204" pitchFamily="34" charset="0"/>
+              <a:buChar char="•"/>
+            </a:pPr>
+            <a:r>
+              <a:rPr lang="en-US" dirty="0"/>
+              <a:t>Delete assignment feature</a:t>
+            </a:r>
+          </a:p>
+          <a:p>
+            <a:pPr marL="285750" indent="-285750">
+              <a:buFont typeface="Arial" panose="020B0604020202020204" pitchFamily="34" charset="0"/>
+              <a:buChar char="•"/>
+            </a:pPr>
+            <a:r>
+              <a:rPr lang="en-US" dirty="0"/>
+              <a:t>Add assignment feature</a:t>
+            </a:r>
+          </a:p>
+          <a:p>
+            <a:pPr marL="285750" indent="-285750">
+              <a:buFont typeface="Arial" panose="020B0604020202020204" pitchFamily="34" charset="0"/>
+              <a:buChar char="•"/>
+            </a:pPr>
+            <a:r>
+              <a:rPr lang="en-US" dirty="0"/>
+              <a:t>Quit feature</a:t>
             </a:r>
           </a:p>
         </p:txBody>
@@ -4722,7 +4387,7 @@
     </p:spTree>
     <p:extLst>
       <p:ext uri="{BB962C8B-B14F-4D97-AF65-F5344CB8AC3E}">
-        <p14:creationId xmlns:p14="http://schemas.microsoft.com/office/powerpoint/2010/main" val="2524216317"/>
+        <p14:creationId xmlns:p14="http://schemas.microsoft.com/office/powerpoint/2010/main" val="3515544287"/>
       </p:ext>
     </p:extLst>
   </p:cSld>
@@ -4754,7 +4419,7 @@
           <p:cNvPr id="2" name="Title 1">
             <a:extLst>
               <a:ext uri="{FF2B5EF4-FFF2-40B4-BE49-F238E27FC236}">
-                <a16:creationId xmlns:a16="http://schemas.microsoft.com/office/drawing/2014/main" id="{8E7E6A9B-FAC2-B81A-6689-F58AE96B7ECC}"/>
+                <a16:creationId xmlns:a16="http://schemas.microsoft.com/office/drawing/2014/main" id="{7E2A30A0-8365-12A0-1347-A2C477777111}"/>
               </a:ext>
             </a:extLst>
           </p:cNvPr>
@@ -4765,87 +4430,71 @@
             <p:ph type="title"/>
           </p:nvPr>
         </p:nvSpPr>
-        <p:spPr>
-          <a:xfrm>
-            <a:off x="769620" y="341385"/>
-            <a:ext cx="4486656" cy="1141497"/>
-          </a:xfrm>
-        </p:spPr>
-        <p:txBody>
-          <a:bodyPr/>
-          <a:lstStyle/>
-          <a:p>
-            <a:r>
-              <a:rPr lang="en-US" dirty="0"/>
-              <a:t>Test case ii continued</a:t>
-            </a:r>
-          </a:p>
-        </p:txBody>
-      </p:sp>
-      <p:pic>
-        <p:nvPicPr>
-          <p:cNvPr id="6" name="Content Placeholder 5">
+        <p:spPr/>
+        <p:txBody>
+          <a:bodyPr/>
+          <a:lstStyle/>
+          <a:p>
+            <a:r>
+              <a:rPr lang="en-US" dirty="0"/>
+              <a:t>Software architecture</a:t>
+            </a:r>
+          </a:p>
+        </p:txBody>
+      </p:sp>
+      <p:sp>
+        <p:nvSpPr>
+          <p:cNvPr id="3" name="Content Placeholder 2">
             <a:extLst>
               <a:ext uri="{FF2B5EF4-FFF2-40B4-BE49-F238E27FC236}">
-                <a16:creationId xmlns:a16="http://schemas.microsoft.com/office/drawing/2014/main" id="{D5687641-B1DC-E2D7-BFC0-C083EAF8E5E9}"/>
+                <a16:creationId xmlns:a16="http://schemas.microsoft.com/office/drawing/2014/main" id="{29C4D206-25C0-E9F5-48F7-FCD3B3239E01}"/>
               </a:ext>
             </a:extLst>
           </p:cNvPr>
-          <p:cNvPicPr>
-            <a:picLocks noGrp="1" noChangeAspect="1"/>
-          </p:cNvPicPr>
+          <p:cNvSpPr>
+            <a:spLocks noGrp="1"/>
+          </p:cNvSpPr>
           <p:nvPr>
             <p:ph idx="1"/>
           </p:nvPr>
-        </p:nvPicPr>
-        <p:blipFill>
-          <a:blip r:embed="rId2"/>
-          <a:stretch>
-            <a:fillRect/>
-          </a:stretch>
-        </p:blipFill>
-        <p:spPr>
-          <a:xfrm>
-            <a:off x="7318925" y="804863"/>
-            <a:ext cx="3650151" cy="5248275"/>
-          </a:xfrm>
-        </p:spPr>
-      </p:pic>
-      <p:sp>
-        <p:nvSpPr>
-          <p:cNvPr id="4" name="Text Placeholder 3">
-            <a:extLst>
-              <a:ext uri="{FF2B5EF4-FFF2-40B4-BE49-F238E27FC236}">
-                <a16:creationId xmlns:a16="http://schemas.microsoft.com/office/drawing/2014/main" id="{55714624-39F1-2CCD-609F-959BE95F6863}"/>
-              </a:ext>
-            </a:extLst>
-          </p:cNvPr>
-          <p:cNvSpPr>
-            <a:spLocks noGrp="1"/>
-          </p:cNvSpPr>
-          <p:nvPr>
-            <p:ph type="body" sz="half" idx="2"/>
-          </p:nvPr>
-        </p:nvSpPr>
-        <p:spPr>
-          <a:xfrm>
-            <a:off x="1026115" y="1850327"/>
-            <a:ext cx="3794760" cy="2194036"/>
-          </a:xfrm>
-        </p:spPr>
+        </p:nvSpPr>
+        <p:spPr/>
         <p:txBody>
           <a:bodyPr>
-            <a:normAutofit/>
+            <a:normAutofit fontScale="92500"/>
           </a:bodyPr>
           <a:lstStyle/>
           <a:p>
             <a:r>
-              <a:rPr lang="en-US" sz="1800" dirty="0">
-                <a:solidFill>
-                  <a:schemeClr val="tx1"/>
-                </a:solidFill>
-              </a:rPr>
-              <a:t>The user can prompt the program to mark assignments as completed and the status will be displayed below each assignment number</a:t>
+              <a:rPr lang="en-US" dirty="0"/>
+              <a:t>Used Pass By Reference whenever possible/it made sense to in order to use the smallest amount of storage possible</a:t>
+            </a:r>
+          </a:p>
+          <a:p>
+            <a:r>
+              <a:rPr lang="en-US" dirty="0"/>
+              <a:t>Attempted to keep the variables in </a:t>
+            </a:r>
+            <a:r>
+              <a:rPr lang="en-US" dirty="0" err="1"/>
+              <a:t>main.cpp</a:t>
+            </a:r>
+            <a:r>
+              <a:rPr lang="en-US" dirty="0"/>
+              <a:t> at a minimum and defer their  responsibility to local variables in functions outside of main. This allowed for those variables to pop off the stack and free up memory after they were no longer actively being used.</a:t>
+            </a:r>
+          </a:p>
+          <a:p>
+            <a:r>
+              <a:rPr lang="en-US" dirty="0"/>
+              <a:t>Attempted to use switch statements more frequently than if and if-else statements</a:t>
+            </a:r>
+          </a:p>
+          <a:p>
+            <a:pPr lvl="1"/>
+            <a:r>
+              <a:rPr lang="en-US" dirty="0"/>
+              <a:t>However, this was not completely avoidable → in order to maintain system logic and clarity, sometimes it was best to use a series of if-else statements when operating within a switch statement</a:t>
             </a:r>
           </a:p>
         </p:txBody>
@@ -4853,7 +4502,7 @@
     </p:spTree>
     <p:extLst>
       <p:ext uri="{BB962C8B-B14F-4D97-AF65-F5344CB8AC3E}">
-        <p14:creationId xmlns:p14="http://schemas.microsoft.com/office/powerpoint/2010/main" val="2850736184"/>
+        <p14:creationId xmlns:p14="http://schemas.microsoft.com/office/powerpoint/2010/main" val="1291661186"/>
       </p:ext>
     </p:extLst>
   </p:cSld>
@@ -4866,14 +4515,6 @@
 <file path=ppt/slides/slide9.xml><?xml version="1.0" encoding="utf-8"?>
 <p:sld xmlns:a="http://schemas.openxmlformats.org/drawingml/2006/main" xmlns:r="http://schemas.openxmlformats.org/officeDocument/2006/relationships" xmlns:p="http://schemas.openxmlformats.org/presentationml/2006/main">
   <p:cSld>
-    <p:bg>
-      <p:bgPr>
-        <a:solidFill>
-          <a:schemeClr val="accent2"/>
-        </a:solidFill>
-        <a:effectLst/>
-      </p:bgPr>
-    </p:bg>
     <p:spTree>
       <p:nvGrpSpPr>
         <p:cNvPr id="1" name=""/>
@@ -4893,7 +4534,7 @@
           <p:cNvPr id="2" name="Title 1">
             <a:extLst>
               <a:ext uri="{FF2B5EF4-FFF2-40B4-BE49-F238E27FC236}">
-                <a16:creationId xmlns:a16="http://schemas.microsoft.com/office/drawing/2014/main" id="{CBCBE736-1968-4039-E156-E620C05D9A4E}"/>
+                <a16:creationId xmlns:a16="http://schemas.microsoft.com/office/drawing/2014/main" id="{19D66875-484A-1060-C03D-77BE501652F6}"/>
               </a:ext>
             </a:extLst>
           </p:cNvPr>
@@ -4904,87 +4545,48 @@
             <p:ph type="title"/>
           </p:nvPr>
         </p:nvSpPr>
-        <p:spPr>
-          <a:xfrm>
-            <a:off x="915136" y="343152"/>
-            <a:ext cx="4486656" cy="1645920"/>
-          </a:xfrm>
-        </p:spPr>
-        <p:txBody>
-          <a:bodyPr vert="horz" lIns="274320" tIns="182880" rIns="274320" bIns="182880" rtlCol="0" anchor="ctr" anchorCtr="1">
-            <a:normAutofit/>
-          </a:bodyPr>
-          <a:lstStyle/>
-          <a:p>
-            <a:r>
-              <a:rPr lang="en-US" sz="3200"/>
-              <a:t>Test case III</a:t>
-            </a:r>
-          </a:p>
-        </p:txBody>
-      </p:sp>
-      <p:pic>
-        <p:nvPicPr>
-          <p:cNvPr id="9" name="Picture Placeholder 8">
+        <p:spPr/>
+        <p:txBody>
+          <a:bodyPr/>
+          <a:lstStyle/>
+          <a:p>
+            <a:r>
+              <a:rPr lang="en-US" dirty="0"/>
+              <a:t>Performance</a:t>
+            </a:r>
+          </a:p>
+        </p:txBody>
+      </p:sp>
+      <p:sp>
+        <p:nvSpPr>
+          <p:cNvPr id="3" name="Content Placeholder 2">
             <a:extLst>
               <a:ext uri="{FF2B5EF4-FFF2-40B4-BE49-F238E27FC236}">
-                <a16:creationId xmlns:a16="http://schemas.microsoft.com/office/drawing/2014/main" id="{EBAA5391-DDDF-B44B-C213-7932986956A1}"/>
+                <a16:creationId xmlns:a16="http://schemas.microsoft.com/office/drawing/2014/main" id="{5B622429-557F-187F-6250-5521D98D9A9B}"/>
               </a:ext>
             </a:extLst>
           </p:cNvPr>
-          <p:cNvPicPr>
-            <a:picLocks noGrp="1" noChangeAspect="1"/>
-          </p:cNvPicPr>
-          <p:nvPr>
-            <p:ph type="pic" idx="1"/>
-          </p:nvPr>
-        </p:nvPicPr>
-        <p:blipFill rotWithShape="1">
-          <a:blip r:embed="rId2"/>
-          <a:srcRect r="5938"/>
-          <a:stretch/>
-        </p:blipFill>
-        <p:spPr>
-          <a:xfrm>
-            <a:off x="6096000" y="10"/>
-            <a:ext cx="6095999" cy="6857990"/>
-          </a:xfrm>
-          <a:prstGeom prst="rect">
-            <a:avLst/>
-          </a:prstGeom>
-        </p:spPr>
-      </p:pic>
-      <p:sp>
-        <p:nvSpPr>
-          <p:cNvPr id="3" name="TextBox 2">
-            <a:extLst>
-              <a:ext uri="{FF2B5EF4-FFF2-40B4-BE49-F238E27FC236}">
-                <a16:creationId xmlns:a16="http://schemas.microsoft.com/office/drawing/2014/main" id="{79FA2EB8-CD4D-FEB5-27F4-E6CC197685E9}"/>
-              </a:ext>
-            </a:extLst>
-          </p:cNvPr>
-          <p:cNvSpPr txBox="1"/>
-          <p:nvPr/>
-        </p:nvSpPr>
-        <p:spPr>
-          <a:xfrm>
-            <a:off x="1003852" y="2504661"/>
-            <a:ext cx="4397940" cy="646331"/>
-          </a:xfrm>
-          <a:prstGeom prst="rect">
-            <a:avLst/>
-          </a:prstGeom>
-          <a:noFill/>
-        </p:spPr>
-        <p:txBody>
-          <a:bodyPr wrap="square" rtlCol="0">
-            <a:spAutoFit/>
-          </a:bodyPr>
-          <a:lstStyle/>
-          <a:p>
-            <a:r>
-              <a:rPr lang="en-US" dirty="0"/>
-              <a:t>This test case displays the process of saving the assignment list to a file</a:t>
+          <p:cNvSpPr>
+            <a:spLocks noGrp="1"/>
+          </p:cNvSpPr>
+          <p:nvPr>
+            <p:ph idx="1"/>
+          </p:nvPr>
+        </p:nvSpPr>
+        <p:spPr/>
+        <p:txBody>
+          <a:bodyPr/>
+          <a:lstStyle/>
+          <a:p>
+            <a:r>
+              <a:rPr lang="en-US" dirty="0"/>
+              <a:t>The performance of our program is satisfactory</a:t>
+            </a:r>
+          </a:p>
+          <a:p>
+            <a:r>
+              <a:rPr lang="en-US" dirty="0"/>
+              <a:t>Due to the size of our group, we did not perform any performance analysis beyond using our own judgement</a:t>
             </a:r>
           </a:p>
         </p:txBody>
@@ -4992,105 +4594,13 @@
     </p:spTree>
     <p:extLst>
       <p:ext uri="{BB962C8B-B14F-4D97-AF65-F5344CB8AC3E}">
-        <p14:creationId xmlns:p14="http://schemas.microsoft.com/office/powerpoint/2010/main" val="3715308466"/>
+        <p14:creationId xmlns:p14="http://schemas.microsoft.com/office/powerpoint/2010/main" val="1565167725"/>
       </p:ext>
     </p:extLst>
   </p:cSld>
   <p:clrMapOvr>
     <a:masterClrMapping/>
   </p:clrMapOvr>
-  <p:timing>
-    <p:tnLst>
-      <p:par>
-        <p:cTn id="1" dur="indefinite" restart="never" nodeType="tmRoot">
-          <p:childTnLst>
-            <p:seq concurrent="1" nextAc="seek">
-              <p:cTn id="2" dur="indefinite" nodeType="mainSeq">
-                <p:childTnLst>
-                  <p:par>
-                    <p:cTn id="3" fill="hold">
-                      <p:stCondLst>
-                        <p:cond delay="indefinite"/>
-                        <p:cond evt="onBegin" delay="0">
-                          <p:tn val="2"/>
-                        </p:cond>
-                      </p:stCondLst>
-                      <p:childTnLst>
-                        <p:par>
-                          <p:cTn id="4" fill="hold">
-                            <p:stCondLst>
-                              <p:cond delay="0"/>
-                            </p:stCondLst>
-                            <p:childTnLst>
-                              <p:par>
-                                <p:cTn id="5" presetID="10" presetClass="entr" presetSubtype="0" fill="hold" grpId="0" nodeType="withEffect">
-                                  <p:stCondLst>
-                                    <p:cond delay="1000"/>
-                                  </p:stCondLst>
-                                  <p:iterate type="lt">
-                                    <p:tmPct val="10000"/>
-                                  </p:iterate>
-                                  <p:childTnLst>
-                                    <p:set>
-                                      <p:cBhvr>
-                                        <p:cTn id="6" dur="1" fill="hold">
-                                          <p:stCondLst>
-                                            <p:cond delay="0"/>
-                                          </p:stCondLst>
-                                        </p:cTn>
-                                        <p:tgtEl>
-                                          <p:spTgt spid="2"/>
-                                        </p:tgtEl>
-                                        <p:attrNameLst>
-                                          <p:attrName>style.visibility</p:attrName>
-                                        </p:attrNameLst>
-                                      </p:cBhvr>
-                                      <p:to>
-                                        <p:strVal val="visible"/>
-                                      </p:to>
-                                    </p:set>
-                                    <p:animEffect transition="in" filter="fade">
-                                      <p:cBhvr>
-                                        <p:cTn id="7" dur="400"/>
-                                        <p:tgtEl>
-                                          <p:spTgt spid="2"/>
-                                        </p:tgtEl>
-                                      </p:cBhvr>
-                                    </p:animEffect>
-                                  </p:childTnLst>
-                                </p:cTn>
-                              </p:par>
-                            </p:childTnLst>
-                          </p:cTn>
-                        </p:par>
-                      </p:childTnLst>
-                    </p:cTn>
-                  </p:par>
-                </p:childTnLst>
-              </p:cTn>
-              <p:prevCondLst>
-                <p:cond evt="onPrev" delay="0">
-                  <p:tgtEl>
-                    <p:sldTgt/>
-                  </p:tgtEl>
-                </p:cond>
-              </p:prevCondLst>
-              <p:nextCondLst>
-                <p:cond evt="onNext" delay="0">
-                  <p:tgtEl>
-                    <p:sldTgt/>
-                  </p:tgtEl>
-                </p:cond>
-              </p:nextCondLst>
-            </p:seq>
-          </p:childTnLst>
-        </p:cTn>
-      </p:par>
-    </p:tnLst>
-    <p:bldLst>
-      <p:bldP spid="2" grpId="0" animBg="1"/>
-    </p:bldLst>
-  </p:timing>
 </p:sld>
 </file>
 

--- a/doc/ProjectArchitecture.pptx
+++ b/doc/ProjectArchitecture.pptx
@@ -10,10 +10,14 @@
     <p:sldId id="259" r:id="rId4"/>
     <p:sldId id="260" r:id="rId5"/>
     <p:sldId id="261" r:id="rId6"/>
-    <p:sldId id="262" r:id="rId7"/>
-    <p:sldId id="263" r:id="rId8"/>
-    <p:sldId id="264" r:id="rId9"/>
-    <p:sldId id="257" r:id="rId10"/>
+    <p:sldId id="265" r:id="rId7"/>
+    <p:sldId id="266" r:id="rId8"/>
+    <p:sldId id="267" r:id="rId9"/>
+    <p:sldId id="262" r:id="rId10"/>
+    <p:sldId id="268" r:id="rId11"/>
+    <p:sldId id="269" r:id="rId12"/>
+    <p:sldId id="264" r:id="rId13"/>
+    <p:sldId id="257" r:id="rId14"/>
   </p:sldIdLst>
   <p:sldSz cx="12192000" cy="6858000"/>
   <p:notesSz cx="6858000" cy="9144000"/>
@@ -283,7 +287,7 @@
           <a:p>
             <a:fld id="{1160EA64-D806-43AC-9DF2-F8C432F32B4C}" type="datetimeFigureOut">
               <a:rPr lang="en-US" dirty="0"/>
-              <a:t>12/12/22</a:t>
+              <a:t>12/12/2022</a:t>
             </a:fld>
             <a:endParaRPr lang="en-US" dirty="0"/>
           </a:p>
@@ -449,7 +453,7 @@
           <a:p>
             <a:fld id="{E9F9C37B-1D36-470B-8223-D6C91242EC14}" type="datetimeFigureOut">
               <a:rPr lang="en-US" dirty="0"/>
-              <a:t>12/12/22</a:t>
+              <a:t>12/12/2022</a:t>
             </a:fld>
             <a:endParaRPr lang="en-US" dirty="0"/>
           </a:p>
@@ -624,7 +628,7 @@
           <a:p>
             <a:fld id="{67C6F52A-A82B-47A2-A83A-8C4C91F2D59F}" type="datetimeFigureOut">
               <a:rPr lang="en-US" dirty="0"/>
-              <a:t>12/12/22</a:t>
+              <a:t>12/12/2022</a:t>
             </a:fld>
             <a:endParaRPr lang="en-US" dirty="0"/>
           </a:p>
@@ -789,7 +793,7 @@
           <a:p>
             <a:fld id="{F070A7B3-6521-4DCA-87E5-044747A908C1}" type="datetimeFigureOut">
               <a:rPr lang="en-US" dirty="0"/>
-              <a:t>12/12/22</a:t>
+              <a:t>12/12/2022</a:t>
             </a:fld>
             <a:endParaRPr lang="en-US" dirty="0"/>
           </a:p>
@@ -1053,7 +1057,7 @@
           <a:p>
             <a:fld id="{1160EA64-D806-43AC-9DF2-F8C432F32B4C}" type="datetimeFigureOut">
               <a:rPr lang="en-US" dirty="0"/>
-              <a:t>12/12/22</a:t>
+              <a:t>12/12/2022</a:t>
             </a:fld>
             <a:endParaRPr lang="en-US" dirty="0"/>
           </a:p>
@@ -1281,7 +1285,7 @@
           <a:p>
             <a:fld id="{AB134690-1557-4C89-A502-4959FE7FAD70}" type="datetimeFigureOut">
               <a:rPr lang="en-US" dirty="0"/>
-              <a:t>12/12/22</a:t>
+              <a:t>12/12/2022</a:t>
             </a:fld>
             <a:endParaRPr lang="en-US" dirty="0"/>
           </a:p>
@@ -1635,7 +1639,7 @@
           <a:p>
             <a:fld id="{4F7D4976-E339-4826-83B7-FBD03F55ECF8}" type="datetimeFigureOut">
               <a:rPr lang="en-US" dirty="0"/>
-              <a:t>12/12/22</a:t>
+              <a:t>12/12/2022</a:t>
             </a:fld>
             <a:endParaRPr lang="en-US" dirty="0"/>
           </a:p>
@@ -1771,7 +1775,7 @@
           <a:p>
             <a:fld id="{E1037C31-9E7A-4F99-8774-A0E530DE1A42}" type="datetimeFigureOut">
               <a:rPr lang="en-US" dirty="0"/>
-              <a:t>12/12/22</a:t>
+              <a:t>12/12/2022</a:t>
             </a:fld>
             <a:endParaRPr lang="en-US" dirty="0"/>
           </a:p>
@@ -1861,7 +1865,7 @@
           <a:p>
             <a:fld id="{C278504F-A551-4DE0-9316-4DCD1D8CC752}" type="datetimeFigureOut">
               <a:rPr lang="en-US" dirty="0"/>
-              <a:t>12/12/22</a:t>
+              <a:t>12/12/2022</a:t>
             </a:fld>
             <a:endParaRPr lang="en-US" dirty="0"/>
           </a:p>
@@ -2213,7 +2217,7 @@
           <a:p>
             <a:fld id="{D1BE4249-C0D0-4B06-8692-E8BB871AF643}" type="datetimeFigureOut">
               <a:rPr lang="en-US" dirty="0"/>
-              <a:t>12/12/22</a:t>
+              <a:t>12/12/2022</a:t>
             </a:fld>
             <a:endParaRPr lang="en-US" dirty="0"/>
           </a:p>
@@ -2565,7 +2569,7 @@
           <a:p>
             <a:fld id="{042B0DB6-F5C7-45FB-8CF3-31B45F9C2DAC}" type="datetimeFigureOut">
               <a:rPr lang="en-US" dirty="0"/>
-              <a:t>12/12/22</a:t>
+              <a:t>12/12/2022</a:t>
             </a:fld>
             <a:endParaRPr lang="en-US" dirty="0"/>
           </a:p>
@@ -2802,7 +2806,7 @@
           <a:p>
             <a:fld id="{1160EA64-D806-43AC-9DF2-F8C432F32B4C}" type="datetimeFigureOut">
               <a:rPr lang="en-US" dirty="0"/>
-              <a:t>12/12/22</a:t>
+              <a:t>12/12/2022</a:t>
             </a:fld>
             <a:endParaRPr lang="en-US" dirty="0"/>
           </a:p>
@@ -3326,6 +3330,841 @@
 </p:sld>
 </file>
 
+<file path=ppt/slides/slide10.xml><?xml version="1.0" encoding="utf-8"?>
+<p:sld xmlns:a="http://schemas.openxmlformats.org/drawingml/2006/main" xmlns:r="http://schemas.openxmlformats.org/officeDocument/2006/relationships" xmlns:p="http://schemas.openxmlformats.org/presentationml/2006/main">
+  <p:cSld>
+    <p:bg>
+      <p:bgPr>
+        <a:solidFill>
+          <a:schemeClr val="bg1"/>
+        </a:solidFill>
+        <a:effectLst/>
+      </p:bgPr>
+    </p:bg>
+    <p:spTree>
+      <p:nvGrpSpPr>
+        <p:cNvPr id="1" name=""/>
+        <p:cNvGrpSpPr/>
+        <p:nvPr/>
+      </p:nvGrpSpPr>
+      <p:grpSpPr>
+        <a:xfrm>
+          <a:off x="0" y="0"/>
+          <a:ext cx="0" cy="0"/>
+          <a:chOff x="0" y="0"/>
+          <a:chExt cx="0" cy="0"/>
+        </a:xfrm>
+      </p:grpSpPr>
+      <p:sp>
+        <p:nvSpPr>
+          <p:cNvPr id="18" name="Rectangle 17">
+            <a:extLst>
+              <a:ext uri="{FF2B5EF4-FFF2-40B4-BE49-F238E27FC236}">
+                <a16:creationId xmlns:a16="http://schemas.microsoft.com/office/drawing/2014/main" id="{23D9B6CF-87DD-47C7-B38D-7C5353D4DC9D}"/>
+              </a:ext>
+              <a:ext uri="{C183D7F6-B498-43B3-948B-1728B52AA6E4}">
+                <adec:decorative xmlns:adec="http://schemas.microsoft.com/office/drawing/2017/decorative" val="1"/>
+              </a:ext>
+            </a:extLst>
+          </p:cNvPr>
+          <p:cNvSpPr>
+            <a:spLocks noGrp="1" noRot="1" noChangeAspect="1" noMove="1" noResize="1" noEditPoints="1" noAdjustHandles="1" noChangeArrowheads="1" noChangeShapeType="1" noTextEdit="1"/>
+          </p:cNvSpPr>
+          <p:nvPr>
+            <p:extLst>
+              <p:ext uri="{386F3935-93C4-4BCD-93E2-E3B085C9AB24}">
+                <p16:designElem xmlns:p16="http://schemas.microsoft.com/office/powerpoint/2015/main" val="1"/>
+              </p:ext>
+            </p:extLst>
+          </p:nvPr>
+        </p:nvSpPr>
+        <p:spPr>
+          <a:xfrm>
+            <a:off x="0" y="-2"/>
+            <a:ext cx="12192000" cy="6858002"/>
+          </a:xfrm>
+          <a:prstGeom prst="rect">
+            <a:avLst/>
+          </a:prstGeom>
+          <a:solidFill>
+            <a:schemeClr val="accent2"/>
+          </a:solidFill>
+          <a:ln>
+            <a:noFill/>
+          </a:ln>
+        </p:spPr>
+        <p:style>
+          <a:lnRef idx="2">
+            <a:schemeClr val="accent1">
+              <a:shade val="50000"/>
+            </a:schemeClr>
+          </a:lnRef>
+          <a:fillRef idx="1">
+            <a:schemeClr val="accent1"/>
+          </a:fillRef>
+          <a:effectRef idx="0">
+            <a:schemeClr val="accent1"/>
+          </a:effectRef>
+          <a:fontRef idx="minor">
+            <a:schemeClr val="lt1"/>
+          </a:fontRef>
+        </p:style>
+        <p:txBody>
+          <a:bodyPr rtlCol="0" anchor="ctr"/>
+          <a:lstStyle/>
+          <a:p>
+            <a:pPr algn="ctr"/>
+            <a:endParaRPr lang="en-US"/>
+          </a:p>
+        </p:txBody>
+      </p:sp>
+      <p:sp>
+        <p:nvSpPr>
+          <p:cNvPr id="2" name="Title 1">
+            <a:extLst>
+              <a:ext uri="{FF2B5EF4-FFF2-40B4-BE49-F238E27FC236}">
+                <a16:creationId xmlns:a16="http://schemas.microsoft.com/office/drawing/2014/main" id="{75E45046-6D1A-9587-72F1-89085714223C}"/>
+              </a:ext>
+            </a:extLst>
+          </p:cNvPr>
+          <p:cNvSpPr>
+            <a:spLocks noGrp="1"/>
+          </p:cNvSpPr>
+          <p:nvPr>
+            <p:ph type="title"/>
+          </p:nvPr>
+        </p:nvSpPr>
+        <p:spPr>
+          <a:xfrm>
+            <a:off x="804673" y="2133600"/>
+            <a:ext cx="3044952" cy="1898904"/>
+          </a:xfrm>
+        </p:spPr>
+        <p:txBody>
+          <a:bodyPr vert="horz" lIns="274320" tIns="182880" rIns="274320" bIns="182880" rtlCol="0" anchor="ctr" anchorCtr="1">
+            <a:normAutofit/>
+          </a:bodyPr>
+          <a:lstStyle/>
+          <a:p>
+            <a:r>
+              <a:rPr lang="en-US" sz="2800"/>
+              <a:t>UML Diagram</a:t>
+            </a:r>
+          </a:p>
+        </p:txBody>
+      </p:sp>
+      <p:sp>
+        <p:nvSpPr>
+          <p:cNvPr id="4" name="Text Placeholder 3">
+            <a:extLst>
+              <a:ext uri="{FF2B5EF4-FFF2-40B4-BE49-F238E27FC236}">
+                <a16:creationId xmlns:a16="http://schemas.microsoft.com/office/drawing/2014/main" id="{627B2ECF-9455-2412-7633-9125DD098A3E}"/>
+              </a:ext>
+            </a:extLst>
+          </p:cNvPr>
+          <p:cNvSpPr>
+            <a:spLocks noGrp="1"/>
+          </p:cNvSpPr>
+          <p:nvPr>
+            <p:ph type="body" sz="half" idx="2"/>
+          </p:nvPr>
+        </p:nvSpPr>
+        <p:spPr>
+          <a:xfrm>
+            <a:off x="993088" y="4352543"/>
+            <a:ext cx="2668122" cy="1387983"/>
+          </a:xfrm>
+        </p:spPr>
+        <p:txBody>
+          <a:bodyPr vert="horz" lIns="91440" tIns="45720" rIns="91440" bIns="45720" rtlCol="0">
+            <a:normAutofit/>
+          </a:bodyPr>
+          <a:lstStyle/>
+          <a:p>
+            <a:r>
+              <a:rPr lang="en-US" sz="1800" kern="1200" dirty="0">
+                <a:solidFill>
+                  <a:schemeClr val="tx1"/>
+                </a:solidFill>
+                <a:latin typeface="+mn-lt"/>
+                <a:ea typeface="+mn-ea"/>
+                <a:cs typeface="+mn-cs"/>
+              </a:rPr>
+              <a:t>UML diagram for both the date and assignment class </a:t>
+            </a:r>
+          </a:p>
+        </p:txBody>
+      </p:sp>
+      <p:sp>
+        <p:nvSpPr>
+          <p:cNvPr id="20" name="Rectangle 19">
+            <a:extLst>
+              <a:ext uri="{FF2B5EF4-FFF2-40B4-BE49-F238E27FC236}">
+                <a16:creationId xmlns:a16="http://schemas.microsoft.com/office/drawing/2014/main" id="{EFE2328B-DA12-4B90-BD82-3CCF13AF6C83}"/>
+              </a:ext>
+              <a:ext uri="{C183D7F6-B498-43B3-948B-1728B52AA6E4}">
+                <adec:decorative xmlns:adec="http://schemas.microsoft.com/office/drawing/2017/decorative" val="1"/>
+              </a:ext>
+            </a:extLst>
+          </p:cNvPr>
+          <p:cNvSpPr>
+            <a:spLocks noGrp="1" noRot="1" noChangeAspect="1" noMove="1" noResize="1" noEditPoints="1" noAdjustHandles="1" noChangeArrowheads="1" noChangeShapeType="1" noTextEdit="1"/>
+          </p:cNvSpPr>
+          <p:nvPr>
+            <p:extLst>
+              <p:ext uri="{386F3935-93C4-4BCD-93E2-E3B085C9AB24}">
+                <p16:designElem xmlns:p16="http://schemas.microsoft.com/office/powerpoint/2015/main" val="1"/>
+              </p:ext>
+            </p:extLst>
+          </p:nvPr>
+        </p:nvSpPr>
+        <p:spPr>
+          <a:xfrm>
+            <a:off x="4654296" y="640080"/>
+            <a:ext cx="6897625" cy="5263134"/>
+          </a:xfrm>
+          <a:prstGeom prst="rect">
+            <a:avLst/>
+          </a:prstGeom>
+          <a:noFill/>
+          <a:ln w="31750" cap="sq">
+            <a:solidFill>
+              <a:srgbClr val="FFFFFF"/>
+            </a:solidFill>
+            <a:miter lim="800000"/>
+          </a:ln>
+        </p:spPr>
+        <p:style>
+          <a:lnRef idx="2">
+            <a:schemeClr val="accent1">
+              <a:shade val="50000"/>
+            </a:schemeClr>
+          </a:lnRef>
+          <a:fillRef idx="1">
+            <a:schemeClr val="accent1"/>
+          </a:fillRef>
+          <a:effectRef idx="0">
+            <a:schemeClr val="accent1"/>
+          </a:effectRef>
+          <a:fontRef idx="minor">
+            <a:schemeClr val="lt1"/>
+          </a:fontRef>
+        </p:style>
+        <p:txBody>
+          <a:bodyPr rtlCol="0" anchor="ctr"/>
+          <a:lstStyle/>
+          <a:p>
+            <a:pPr algn="ctr"/>
+            <a:endParaRPr lang="en-US" dirty="0"/>
+          </a:p>
+        </p:txBody>
+      </p:sp>
+      <p:sp>
+        <p:nvSpPr>
+          <p:cNvPr id="22" name="Rectangle 21">
+            <a:extLst>
+              <a:ext uri="{FF2B5EF4-FFF2-40B4-BE49-F238E27FC236}">
+                <a16:creationId xmlns:a16="http://schemas.microsoft.com/office/drawing/2014/main" id="{F77FF0B6-332F-4842-A5F8-EA360BD5FF84}"/>
+              </a:ext>
+              <a:ext uri="{C183D7F6-B498-43B3-948B-1728B52AA6E4}">
+                <adec:decorative xmlns:adec="http://schemas.microsoft.com/office/drawing/2017/decorative" val="1"/>
+              </a:ext>
+            </a:extLst>
+          </p:cNvPr>
+          <p:cNvSpPr>
+            <a:spLocks noGrp="1" noRot="1" noChangeAspect="1" noMove="1" noResize="1" noEditPoints="1" noAdjustHandles="1" noChangeArrowheads="1" noChangeShapeType="1" noTextEdit="1"/>
+          </p:cNvSpPr>
+          <p:nvPr>
+            <p:extLst>
+              <p:ext uri="{386F3935-93C4-4BCD-93E2-E3B085C9AB24}">
+                <p16:designElem xmlns:p16="http://schemas.microsoft.com/office/powerpoint/2015/main" val="1"/>
+              </p:ext>
+            </p:extLst>
+          </p:nvPr>
+        </p:nvSpPr>
+        <p:spPr>
+          <a:xfrm>
+            <a:off x="4820412" y="802767"/>
+            <a:ext cx="6565392" cy="4937760"/>
+          </a:xfrm>
+          <a:prstGeom prst="rect">
+            <a:avLst/>
+          </a:prstGeom>
+          <a:solidFill>
+            <a:schemeClr val="bg1"/>
+          </a:solidFill>
+          <a:ln>
+            <a:noFill/>
+          </a:ln>
+        </p:spPr>
+        <p:style>
+          <a:lnRef idx="2">
+            <a:schemeClr val="accent1">
+              <a:shade val="50000"/>
+            </a:schemeClr>
+          </a:lnRef>
+          <a:fillRef idx="1">
+            <a:schemeClr val="accent1"/>
+          </a:fillRef>
+          <a:effectRef idx="0">
+            <a:schemeClr val="accent1"/>
+          </a:effectRef>
+          <a:fontRef idx="minor">
+            <a:schemeClr val="lt1"/>
+          </a:fontRef>
+        </p:style>
+        <p:txBody>
+          <a:bodyPr rtlCol="0" anchor="ctr"/>
+          <a:lstStyle/>
+          <a:p>
+            <a:pPr algn="ctr"/>
+            <a:endParaRPr lang="en-US"/>
+          </a:p>
+        </p:txBody>
+      </p:sp>
+      <p:pic>
+        <p:nvPicPr>
+          <p:cNvPr id="6" name="Picture 5" descr="Text&#10;&#10;Description automatically generated with medium confidence">
+            <a:extLst>
+              <a:ext uri="{FF2B5EF4-FFF2-40B4-BE49-F238E27FC236}">
+                <a16:creationId xmlns:a16="http://schemas.microsoft.com/office/drawing/2014/main" id="{D7B9C540-E296-ECE7-F386-A1E1F234AD3C}"/>
+              </a:ext>
+            </a:extLst>
+          </p:cNvPr>
+          <p:cNvPicPr>
+            <a:picLocks noChangeAspect="1"/>
+          </p:cNvPicPr>
+          <p:nvPr/>
+        </p:nvPicPr>
+        <p:blipFill>
+          <a:blip r:embed="rId2"/>
+          <a:stretch>
+            <a:fillRect/>
+          </a:stretch>
+        </p:blipFill>
+        <p:spPr>
+          <a:xfrm>
+            <a:off x="5140452" y="1938452"/>
+            <a:ext cx="5925312" cy="2666389"/>
+          </a:xfrm>
+          <a:prstGeom prst="rect">
+            <a:avLst/>
+          </a:prstGeom>
+        </p:spPr>
+      </p:pic>
+    </p:spTree>
+    <p:extLst>
+      <p:ext uri="{BB962C8B-B14F-4D97-AF65-F5344CB8AC3E}">
+        <p14:creationId xmlns:p14="http://schemas.microsoft.com/office/powerpoint/2010/main" val="294520534"/>
+      </p:ext>
+    </p:extLst>
+  </p:cSld>
+  <p:clrMapOvr>
+    <a:masterClrMapping/>
+  </p:clrMapOvr>
+</p:sld>
+</file>
+
+<file path=ppt/slides/slide11.xml><?xml version="1.0" encoding="utf-8"?>
+<p:sld xmlns:a="http://schemas.openxmlformats.org/drawingml/2006/main" xmlns:r="http://schemas.openxmlformats.org/officeDocument/2006/relationships" xmlns:p="http://schemas.openxmlformats.org/presentationml/2006/main">
+  <p:cSld>
+    <p:bg>
+      <p:bgPr>
+        <a:solidFill>
+          <a:schemeClr val="bg1"/>
+        </a:solidFill>
+        <a:effectLst/>
+      </p:bgPr>
+    </p:bg>
+    <p:spTree>
+      <p:nvGrpSpPr>
+        <p:cNvPr id="1" name=""/>
+        <p:cNvGrpSpPr/>
+        <p:nvPr/>
+      </p:nvGrpSpPr>
+      <p:grpSpPr>
+        <a:xfrm>
+          <a:off x="0" y="0"/>
+          <a:ext cx="0" cy="0"/>
+          <a:chOff x="0" y="0"/>
+          <a:chExt cx="0" cy="0"/>
+        </a:xfrm>
+      </p:grpSpPr>
+      <p:sp>
+        <p:nvSpPr>
+          <p:cNvPr id="14" name="Rectangle 8">
+            <a:extLst>
+              <a:ext uri="{FF2B5EF4-FFF2-40B4-BE49-F238E27FC236}">
+                <a16:creationId xmlns:a16="http://schemas.microsoft.com/office/drawing/2014/main" id="{23D9B6CF-87DD-47C7-B38D-7C5353D4DC9D}"/>
+              </a:ext>
+              <a:ext uri="{C183D7F6-B498-43B3-948B-1728B52AA6E4}">
+                <adec:decorative xmlns:adec="http://schemas.microsoft.com/office/drawing/2017/decorative" val="1"/>
+              </a:ext>
+            </a:extLst>
+          </p:cNvPr>
+          <p:cNvSpPr>
+            <a:spLocks noGrp="1" noRot="1" noChangeAspect="1" noMove="1" noResize="1" noEditPoints="1" noAdjustHandles="1" noChangeArrowheads="1" noChangeShapeType="1" noTextEdit="1"/>
+          </p:cNvSpPr>
+          <p:nvPr>
+            <p:extLst>
+              <p:ext uri="{386F3935-93C4-4BCD-93E2-E3B085C9AB24}">
+                <p16:designElem xmlns:p16="http://schemas.microsoft.com/office/powerpoint/2015/main" val="1"/>
+              </p:ext>
+            </p:extLst>
+          </p:nvPr>
+        </p:nvSpPr>
+        <p:spPr>
+          <a:xfrm>
+            <a:off x="0" y="-2"/>
+            <a:ext cx="12192000" cy="6858002"/>
+          </a:xfrm>
+          <a:prstGeom prst="rect">
+            <a:avLst/>
+          </a:prstGeom>
+          <a:solidFill>
+            <a:schemeClr val="accent2"/>
+          </a:solidFill>
+          <a:ln>
+            <a:noFill/>
+          </a:ln>
+        </p:spPr>
+        <p:style>
+          <a:lnRef idx="2">
+            <a:schemeClr val="accent1">
+              <a:shade val="50000"/>
+            </a:schemeClr>
+          </a:lnRef>
+          <a:fillRef idx="1">
+            <a:schemeClr val="accent1"/>
+          </a:fillRef>
+          <a:effectRef idx="0">
+            <a:schemeClr val="accent1"/>
+          </a:effectRef>
+          <a:fontRef idx="minor">
+            <a:schemeClr val="lt1"/>
+          </a:fontRef>
+        </p:style>
+        <p:txBody>
+          <a:bodyPr rtlCol="0" anchor="ctr"/>
+          <a:lstStyle/>
+          <a:p>
+            <a:pPr algn="ctr"/>
+            <a:endParaRPr lang="en-US"/>
+          </a:p>
+        </p:txBody>
+      </p:sp>
+      <p:sp>
+        <p:nvSpPr>
+          <p:cNvPr id="2" name="Title 1">
+            <a:extLst>
+              <a:ext uri="{FF2B5EF4-FFF2-40B4-BE49-F238E27FC236}">
+                <a16:creationId xmlns:a16="http://schemas.microsoft.com/office/drawing/2014/main" id="{1F1DAF34-609A-77EA-8538-CA2D73C4ADA8}"/>
+              </a:ext>
+            </a:extLst>
+          </p:cNvPr>
+          <p:cNvSpPr>
+            <a:spLocks noGrp="1"/>
+          </p:cNvSpPr>
+          <p:nvPr>
+            <p:ph type="title"/>
+          </p:nvPr>
+        </p:nvSpPr>
+        <p:spPr>
+          <a:xfrm>
+            <a:off x="804673" y="2133600"/>
+            <a:ext cx="3044952" cy="1898904"/>
+          </a:xfrm>
+        </p:spPr>
+        <p:txBody>
+          <a:bodyPr vert="horz" lIns="274320" tIns="182880" rIns="274320" bIns="182880" rtlCol="0" anchor="ctr" anchorCtr="1">
+            <a:normAutofit/>
+          </a:bodyPr>
+          <a:lstStyle/>
+          <a:p>
+            <a:r>
+              <a:rPr lang="en-US" dirty="0"/>
+              <a:t>State Diagram</a:t>
+            </a:r>
+          </a:p>
+        </p:txBody>
+      </p:sp>
+      <p:sp>
+        <p:nvSpPr>
+          <p:cNvPr id="15" name="Rectangle 10">
+            <a:extLst>
+              <a:ext uri="{FF2B5EF4-FFF2-40B4-BE49-F238E27FC236}">
+                <a16:creationId xmlns:a16="http://schemas.microsoft.com/office/drawing/2014/main" id="{EFE2328B-DA12-4B90-BD82-3CCF13AF6C83}"/>
+              </a:ext>
+              <a:ext uri="{C183D7F6-B498-43B3-948B-1728B52AA6E4}">
+                <adec:decorative xmlns:adec="http://schemas.microsoft.com/office/drawing/2017/decorative" val="1"/>
+              </a:ext>
+            </a:extLst>
+          </p:cNvPr>
+          <p:cNvSpPr>
+            <a:spLocks noGrp="1" noRot="1" noChangeAspect="1" noMove="1" noResize="1" noEditPoints="1" noAdjustHandles="1" noChangeArrowheads="1" noChangeShapeType="1" noTextEdit="1"/>
+          </p:cNvSpPr>
+          <p:nvPr>
+            <p:extLst>
+              <p:ext uri="{386F3935-93C4-4BCD-93E2-E3B085C9AB24}">
+                <p16:designElem xmlns:p16="http://schemas.microsoft.com/office/powerpoint/2015/main" val="1"/>
+              </p:ext>
+            </p:extLst>
+          </p:nvPr>
+        </p:nvSpPr>
+        <p:spPr>
+          <a:xfrm>
+            <a:off x="4654296" y="640080"/>
+            <a:ext cx="6897625" cy="5263134"/>
+          </a:xfrm>
+          <a:prstGeom prst="rect">
+            <a:avLst/>
+          </a:prstGeom>
+          <a:noFill/>
+          <a:ln w="31750" cap="sq">
+            <a:solidFill>
+              <a:srgbClr val="FFFFFF"/>
+            </a:solidFill>
+            <a:miter lim="800000"/>
+          </a:ln>
+        </p:spPr>
+        <p:style>
+          <a:lnRef idx="2">
+            <a:schemeClr val="accent1">
+              <a:shade val="50000"/>
+            </a:schemeClr>
+          </a:lnRef>
+          <a:fillRef idx="1">
+            <a:schemeClr val="accent1"/>
+          </a:fillRef>
+          <a:effectRef idx="0">
+            <a:schemeClr val="accent1"/>
+          </a:effectRef>
+          <a:fontRef idx="minor">
+            <a:schemeClr val="lt1"/>
+          </a:fontRef>
+        </p:style>
+        <p:txBody>
+          <a:bodyPr rtlCol="0" anchor="ctr"/>
+          <a:lstStyle/>
+          <a:p>
+            <a:pPr algn="ctr"/>
+            <a:endParaRPr lang="en-US" dirty="0"/>
+          </a:p>
+        </p:txBody>
+      </p:sp>
+      <p:sp>
+        <p:nvSpPr>
+          <p:cNvPr id="13" name="Rectangle 12">
+            <a:extLst>
+              <a:ext uri="{FF2B5EF4-FFF2-40B4-BE49-F238E27FC236}">
+                <a16:creationId xmlns:a16="http://schemas.microsoft.com/office/drawing/2014/main" id="{F77FF0B6-332F-4842-A5F8-EA360BD5FF84}"/>
+              </a:ext>
+              <a:ext uri="{C183D7F6-B498-43B3-948B-1728B52AA6E4}">
+                <adec:decorative xmlns:adec="http://schemas.microsoft.com/office/drawing/2017/decorative" val="1"/>
+              </a:ext>
+            </a:extLst>
+          </p:cNvPr>
+          <p:cNvSpPr>
+            <a:spLocks noGrp="1" noRot="1" noChangeAspect="1" noMove="1" noResize="1" noEditPoints="1" noAdjustHandles="1" noChangeArrowheads="1" noChangeShapeType="1" noTextEdit="1"/>
+          </p:cNvSpPr>
+          <p:nvPr>
+            <p:extLst>
+              <p:ext uri="{386F3935-93C4-4BCD-93E2-E3B085C9AB24}">
+                <p16:designElem xmlns:p16="http://schemas.microsoft.com/office/powerpoint/2015/main" val="1"/>
+              </p:ext>
+            </p:extLst>
+          </p:nvPr>
+        </p:nvSpPr>
+        <p:spPr>
+          <a:xfrm>
+            <a:off x="4820412" y="802767"/>
+            <a:ext cx="6565392" cy="4937760"/>
+          </a:xfrm>
+          <a:prstGeom prst="rect">
+            <a:avLst/>
+          </a:prstGeom>
+          <a:solidFill>
+            <a:schemeClr val="bg1"/>
+          </a:solidFill>
+          <a:ln>
+            <a:noFill/>
+          </a:ln>
+        </p:spPr>
+        <p:style>
+          <a:lnRef idx="2">
+            <a:schemeClr val="accent1">
+              <a:shade val="50000"/>
+            </a:schemeClr>
+          </a:lnRef>
+          <a:fillRef idx="1">
+            <a:schemeClr val="accent1"/>
+          </a:fillRef>
+          <a:effectRef idx="0">
+            <a:schemeClr val="accent1"/>
+          </a:effectRef>
+          <a:fontRef idx="minor">
+            <a:schemeClr val="lt1"/>
+          </a:fontRef>
+        </p:style>
+        <p:txBody>
+          <a:bodyPr rtlCol="0" anchor="ctr"/>
+          <a:lstStyle/>
+          <a:p>
+            <a:pPr algn="ctr"/>
+            <a:endParaRPr lang="en-US"/>
+          </a:p>
+        </p:txBody>
+      </p:sp>
+      <p:pic>
+        <p:nvPicPr>
+          <p:cNvPr id="4" name="Picture 3">
+            <a:extLst>
+              <a:ext uri="{FF2B5EF4-FFF2-40B4-BE49-F238E27FC236}">
+                <a16:creationId xmlns:a16="http://schemas.microsoft.com/office/drawing/2014/main" id="{02550C8B-A0C1-4FEE-2701-2843D99659FD}"/>
+              </a:ext>
+            </a:extLst>
+          </p:cNvPr>
+          <p:cNvPicPr>
+            <a:picLocks noChangeAspect="1"/>
+          </p:cNvPicPr>
+          <p:nvPr/>
+        </p:nvPicPr>
+        <p:blipFill>
+          <a:blip r:embed="rId2"/>
+          <a:stretch>
+            <a:fillRect/>
+          </a:stretch>
+        </p:blipFill>
+        <p:spPr>
+          <a:xfrm>
+            <a:off x="5140452" y="1353328"/>
+            <a:ext cx="5925312" cy="3836638"/>
+          </a:xfrm>
+          <a:prstGeom prst="rect">
+            <a:avLst/>
+          </a:prstGeom>
+        </p:spPr>
+      </p:pic>
+    </p:spTree>
+    <p:extLst>
+      <p:ext uri="{BB962C8B-B14F-4D97-AF65-F5344CB8AC3E}">
+        <p14:creationId xmlns:p14="http://schemas.microsoft.com/office/powerpoint/2010/main" val="4259236337"/>
+      </p:ext>
+    </p:extLst>
+  </p:cSld>
+  <p:clrMapOvr>
+    <a:masterClrMapping/>
+  </p:clrMapOvr>
+</p:sld>
+</file>
+
+<file path=ppt/slides/slide12.xml><?xml version="1.0" encoding="utf-8"?>
+<p:sld xmlns:a="http://schemas.openxmlformats.org/drawingml/2006/main" xmlns:r="http://schemas.openxmlformats.org/officeDocument/2006/relationships" xmlns:p="http://schemas.openxmlformats.org/presentationml/2006/main">
+  <p:cSld>
+    <p:spTree>
+      <p:nvGrpSpPr>
+        <p:cNvPr id="1" name=""/>
+        <p:cNvGrpSpPr/>
+        <p:nvPr/>
+      </p:nvGrpSpPr>
+      <p:grpSpPr>
+        <a:xfrm>
+          <a:off x="0" y="0"/>
+          <a:ext cx="0" cy="0"/>
+          <a:chOff x="0" y="0"/>
+          <a:chExt cx="0" cy="0"/>
+        </a:xfrm>
+      </p:grpSpPr>
+      <p:sp>
+        <p:nvSpPr>
+          <p:cNvPr id="2" name="Title 1">
+            <a:extLst>
+              <a:ext uri="{FF2B5EF4-FFF2-40B4-BE49-F238E27FC236}">
+                <a16:creationId xmlns:a16="http://schemas.microsoft.com/office/drawing/2014/main" id="{7E2A30A0-8365-12A0-1347-A2C477777111}"/>
+              </a:ext>
+            </a:extLst>
+          </p:cNvPr>
+          <p:cNvSpPr>
+            <a:spLocks noGrp="1"/>
+          </p:cNvSpPr>
+          <p:nvPr>
+            <p:ph type="title"/>
+          </p:nvPr>
+        </p:nvSpPr>
+        <p:spPr/>
+        <p:txBody>
+          <a:bodyPr/>
+          <a:lstStyle/>
+          <a:p>
+            <a:r>
+              <a:rPr lang="en-US" dirty="0"/>
+              <a:t>Software architecture</a:t>
+            </a:r>
+          </a:p>
+        </p:txBody>
+      </p:sp>
+      <p:sp>
+        <p:nvSpPr>
+          <p:cNvPr id="3" name="Content Placeholder 2">
+            <a:extLst>
+              <a:ext uri="{FF2B5EF4-FFF2-40B4-BE49-F238E27FC236}">
+                <a16:creationId xmlns:a16="http://schemas.microsoft.com/office/drawing/2014/main" id="{29C4D206-25C0-E9F5-48F7-FCD3B3239E01}"/>
+              </a:ext>
+            </a:extLst>
+          </p:cNvPr>
+          <p:cNvSpPr>
+            <a:spLocks noGrp="1"/>
+          </p:cNvSpPr>
+          <p:nvPr>
+            <p:ph idx="1"/>
+          </p:nvPr>
+        </p:nvSpPr>
+        <p:spPr/>
+        <p:txBody>
+          <a:bodyPr>
+            <a:normAutofit fontScale="92500"/>
+          </a:bodyPr>
+          <a:lstStyle/>
+          <a:p>
+            <a:r>
+              <a:rPr lang="en-US" dirty="0"/>
+              <a:t>Used Pass By Reference whenever possible/it made sense to in order to use the smallest amount of storage possible</a:t>
+            </a:r>
+          </a:p>
+          <a:p>
+            <a:r>
+              <a:rPr lang="en-US" dirty="0"/>
+              <a:t>Attempted to keep the variables in </a:t>
+            </a:r>
+            <a:r>
+              <a:rPr lang="en-US" dirty="0" err="1"/>
+              <a:t>main.cpp</a:t>
+            </a:r>
+            <a:r>
+              <a:rPr lang="en-US" dirty="0"/>
+              <a:t> at a minimum and defer their  responsibility to local variables in functions outside of main. This allowed for those variables to pop off the stack and free up memory after they were no longer actively being used.</a:t>
+            </a:r>
+          </a:p>
+          <a:p>
+            <a:r>
+              <a:rPr lang="en-US" dirty="0"/>
+              <a:t>Attempted to use switch statements more frequently than if and if-else statements</a:t>
+            </a:r>
+          </a:p>
+          <a:p>
+            <a:pPr lvl="1"/>
+            <a:r>
+              <a:rPr lang="en-US" dirty="0"/>
+              <a:t>However, this was not completely avoidable → in order to maintain system logic and clarity, sometimes it was best to use a series of if-else statements when operating within a switch statement</a:t>
+            </a:r>
+          </a:p>
+        </p:txBody>
+      </p:sp>
+    </p:spTree>
+    <p:extLst>
+      <p:ext uri="{BB962C8B-B14F-4D97-AF65-F5344CB8AC3E}">
+        <p14:creationId xmlns:p14="http://schemas.microsoft.com/office/powerpoint/2010/main" val="1291661186"/>
+      </p:ext>
+    </p:extLst>
+  </p:cSld>
+  <p:clrMapOvr>
+    <a:masterClrMapping/>
+  </p:clrMapOvr>
+</p:sld>
+</file>
+
+<file path=ppt/slides/slide13.xml><?xml version="1.0" encoding="utf-8"?>
+<p:sld xmlns:a="http://schemas.openxmlformats.org/drawingml/2006/main" xmlns:r="http://schemas.openxmlformats.org/officeDocument/2006/relationships" xmlns:p="http://schemas.openxmlformats.org/presentationml/2006/main">
+  <p:cSld>
+    <p:spTree>
+      <p:nvGrpSpPr>
+        <p:cNvPr id="1" name=""/>
+        <p:cNvGrpSpPr/>
+        <p:nvPr/>
+      </p:nvGrpSpPr>
+      <p:grpSpPr>
+        <a:xfrm>
+          <a:off x="0" y="0"/>
+          <a:ext cx="0" cy="0"/>
+          <a:chOff x="0" y="0"/>
+          <a:chExt cx="0" cy="0"/>
+        </a:xfrm>
+      </p:grpSpPr>
+      <p:sp>
+        <p:nvSpPr>
+          <p:cNvPr id="2" name="Title 1">
+            <a:extLst>
+              <a:ext uri="{FF2B5EF4-FFF2-40B4-BE49-F238E27FC236}">
+                <a16:creationId xmlns:a16="http://schemas.microsoft.com/office/drawing/2014/main" id="{19D66875-484A-1060-C03D-77BE501652F6}"/>
+              </a:ext>
+            </a:extLst>
+          </p:cNvPr>
+          <p:cNvSpPr>
+            <a:spLocks noGrp="1"/>
+          </p:cNvSpPr>
+          <p:nvPr>
+            <p:ph type="title"/>
+          </p:nvPr>
+        </p:nvSpPr>
+        <p:spPr/>
+        <p:txBody>
+          <a:bodyPr/>
+          <a:lstStyle/>
+          <a:p>
+            <a:r>
+              <a:rPr lang="en-US" dirty="0"/>
+              <a:t>Performance</a:t>
+            </a:r>
+          </a:p>
+        </p:txBody>
+      </p:sp>
+      <p:sp>
+        <p:nvSpPr>
+          <p:cNvPr id="3" name="Content Placeholder 2">
+            <a:extLst>
+              <a:ext uri="{FF2B5EF4-FFF2-40B4-BE49-F238E27FC236}">
+                <a16:creationId xmlns:a16="http://schemas.microsoft.com/office/drawing/2014/main" id="{5B622429-557F-187F-6250-5521D98D9A9B}"/>
+              </a:ext>
+            </a:extLst>
+          </p:cNvPr>
+          <p:cNvSpPr>
+            <a:spLocks noGrp="1"/>
+          </p:cNvSpPr>
+          <p:nvPr>
+            <p:ph idx="1"/>
+          </p:nvPr>
+        </p:nvSpPr>
+        <p:spPr/>
+        <p:txBody>
+          <a:bodyPr/>
+          <a:lstStyle/>
+          <a:p>
+            <a:r>
+              <a:rPr lang="en-US" dirty="0"/>
+              <a:t>The performance of our program is satisfactory</a:t>
+            </a:r>
+          </a:p>
+          <a:p>
+            <a:r>
+              <a:rPr lang="en-US" dirty="0"/>
+              <a:t>Due to the size of our group, we did not perform any performance analysis beyond using our own judgement</a:t>
+            </a:r>
+          </a:p>
+        </p:txBody>
+      </p:sp>
+    </p:spTree>
+    <p:extLst>
+      <p:ext uri="{BB962C8B-B14F-4D97-AF65-F5344CB8AC3E}">
+        <p14:creationId xmlns:p14="http://schemas.microsoft.com/office/powerpoint/2010/main" val="1565167725"/>
+      </p:ext>
+    </p:extLst>
+  </p:cSld>
+  <p:clrMapOvr>
+    <a:masterClrMapping/>
+  </p:clrMapOvr>
+</p:sld>
+</file>
+
 <file path=ppt/slides/slide2.xml><?xml version="1.0" encoding="utf-8"?>
 <p:sld xmlns:a="http://schemas.openxmlformats.org/drawingml/2006/main" xmlns:r="http://schemas.openxmlformats.org/officeDocument/2006/relationships" xmlns:p="http://schemas.openxmlformats.org/presentationml/2006/main">
   <p:cSld>
@@ -3610,6 +4449,14 @@
 <file path=ppt/slides/slide4.xml><?xml version="1.0" encoding="utf-8"?>
 <p:sld xmlns:a="http://schemas.openxmlformats.org/drawingml/2006/main" xmlns:r="http://schemas.openxmlformats.org/officeDocument/2006/relationships" xmlns:p="http://schemas.openxmlformats.org/presentationml/2006/main">
   <p:cSld>
+    <p:bg>
+      <p:bgPr>
+        <a:solidFill>
+          <a:schemeClr val="accent2"/>
+        </a:solidFill>
+        <a:effectLst/>
+      </p:bgPr>
+    </p:bg>
     <p:spTree>
       <p:nvGrpSpPr>
         <p:cNvPr id="1" name=""/>
@@ -3642,45 +4489,60 @@
         </p:nvSpPr>
         <p:spPr>
           <a:xfrm>
-            <a:off x="765449" y="186428"/>
-            <a:ext cx="4494998" cy="1134640"/>
+            <a:off x="853767" y="398384"/>
+            <a:ext cx="4486656" cy="1645920"/>
           </a:xfrm>
         </p:spPr>
         <p:txBody>
-          <a:bodyPr/>
-          <a:lstStyle/>
-          <a:p>
-            <a:r>
-              <a:rPr lang="en-US" dirty="0"/>
+          <a:bodyPr vert="horz" lIns="274320" tIns="182880" rIns="274320" bIns="182880" rtlCol="0" anchor="ctr" anchorCtr="1">
+            <a:normAutofit/>
+          </a:bodyPr>
+          <a:lstStyle/>
+          <a:p>
+            <a:r>
+              <a:rPr lang="en-US" sz="3200"/>
               <a:t>Test case I</a:t>
             </a:r>
           </a:p>
         </p:txBody>
       </p:sp>
-      <p:sp>
-        <p:nvSpPr>
-          <p:cNvPr id="3" name="Picture Placeholder 2">
+      <p:pic>
+        <p:nvPicPr>
+          <p:cNvPr id="5" name="Picture Placeholder 4">
             <a:extLst>
               <a:ext uri="{FF2B5EF4-FFF2-40B4-BE49-F238E27FC236}">
-                <a16:creationId xmlns:a16="http://schemas.microsoft.com/office/drawing/2014/main" id="{C86864CC-3A52-2E08-708E-8988FB202A8B}"/>
+                <a16:creationId xmlns:a16="http://schemas.microsoft.com/office/drawing/2014/main" id="{190DAD05-F12B-73CC-2FEA-2C16D2020973}"/>
               </a:ext>
             </a:extLst>
           </p:cNvPr>
-          <p:cNvSpPr>
-            <a:spLocks noGrp="1"/>
-          </p:cNvSpPr>
+          <p:cNvPicPr>
+            <a:picLocks noGrp="1" noChangeAspect="1"/>
+          </p:cNvPicPr>
           <p:nvPr>
             <p:ph type="pic" idx="1"/>
           </p:nvPr>
-        </p:nvSpPr>
-        <p:spPr/>
-      </p:sp>
-      <p:sp>
-        <p:nvSpPr>
-          <p:cNvPr id="5" name="TextBox 4">
+        </p:nvPicPr>
+        <p:blipFill rotWithShape="1">
+          <a:blip r:embed="rId2"/>
+          <a:srcRect r="5938"/>
+          <a:stretch/>
+        </p:blipFill>
+        <p:spPr>
+          <a:xfrm>
+            <a:off x="6096000" y="10"/>
+            <a:ext cx="6095999" cy="6857990"/>
+          </a:xfrm>
+          <a:prstGeom prst="rect">
+            <a:avLst/>
+          </a:prstGeom>
+        </p:spPr>
+      </p:pic>
+      <p:sp>
+        <p:nvSpPr>
+          <p:cNvPr id="3" name="TextBox 2">
             <a:extLst>
               <a:ext uri="{FF2B5EF4-FFF2-40B4-BE49-F238E27FC236}">
-                <a16:creationId xmlns:a16="http://schemas.microsoft.com/office/drawing/2014/main" id="{49037859-76AD-7A97-89B4-4B57319E4975}"/>
+                <a16:creationId xmlns:a16="http://schemas.microsoft.com/office/drawing/2014/main" id="{11CBDFD0-0D98-FDEB-669D-CC5C91ED9A1A}"/>
               </a:ext>
             </a:extLst>
           </p:cNvPr>
@@ -3689,8 +4551,8 @@
         </p:nvSpPr>
         <p:spPr>
           <a:xfrm>
-            <a:off x="1303088" y="1441174"/>
-            <a:ext cx="3918893" cy="2862322"/>
+            <a:off x="1013791" y="2604052"/>
+            <a:ext cx="4184374" cy="2308324"/>
           </a:xfrm>
           <a:prstGeom prst="rect">
             <a:avLst/>
@@ -3698,97 +4560,32 @@
           <a:noFill/>
         </p:spPr>
         <p:txBody>
-          <a:bodyPr wrap="none" rtlCol="0">
+          <a:bodyPr wrap="square" rtlCol="0">
             <a:spAutoFit/>
           </a:bodyPr>
           <a:lstStyle/>
           <a:p>
             <a:r>
               <a:rPr lang="en-US" dirty="0"/>
-              <a:t>Goal: </a:t>
-            </a:r>
-          </a:p>
-          <a:p>
-            <a:pPr marL="285750" indent="-285750">
-              <a:buFont typeface="Arial" panose="020B0604020202020204" pitchFamily="34" charset="0"/>
-              <a:buChar char="•"/>
-            </a:pPr>
-            <a:r>
-              <a:rPr lang="en-US" dirty="0"/>
-              <a:t>Create an initial list of assignments</a:t>
-            </a:r>
-          </a:p>
-          <a:p>
-            <a:pPr marL="285750" indent="-285750">
-              <a:buFont typeface="Arial" panose="020B0604020202020204" pitchFamily="34" charset="0"/>
-              <a:buChar char="•"/>
-            </a:pPr>
-            <a:r>
-              <a:rPr lang="en-US" dirty="0"/>
-              <a:t>Delete two assignments from the list</a:t>
-            </a:r>
-          </a:p>
-          <a:p>
-            <a:pPr marL="285750" indent="-285750">
-              <a:buFont typeface="Arial" panose="020B0604020202020204" pitchFamily="34" charset="0"/>
-              <a:buChar char="•"/>
-            </a:pPr>
-            <a:r>
-              <a:rPr lang="en-US" dirty="0"/>
-              <a:t>Add one more assignment </a:t>
-            </a:r>
-          </a:p>
-          <a:p>
-            <a:pPr marL="285750" indent="-285750">
-              <a:buFont typeface="Arial" panose="020B0604020202020204" pitchFamily="34" charset="0"/>
-              <a:buChar char="•"/>
-            </a:pPr>
-            <a:endParaRPr lang="en-US" dirty="0"/>
-          </a:p>
-          <a:p>
-            <a:r>
-              <a:rPr lang="en-US" dirty="0"/>
-              <a:t>Features Tested:</a:t>
-            </a:r>
-          </a:p>
-          <a:p>
-            <a:pPr marL="285750" indent="-285750">
-              <a:buFont typeface="Arial" panose="020B0604020202020204" pitchFamily="34" charset="0"/>
-              <a:buChar char="•"/>
-            </a:pPr>
-            <a:r>
-              <a:rPr lang="en-US" dirty="0"/>
-              <a:t>Initial intake feature</a:t>
-            </a:r>
-          </a:p>
-          <a:p>
-            <a:pPr marL="285750" indent="-285750">
-              <a:buFont typeface="Arial" panose="020B0604020202020204" pitchFamily="34" charset="0"/>
-              <a:buChar char="•"/>
-            </a:pPr>
-            <a:r>
-              <a:rPr lang="en-US" dirty="0"/>
-              <a:t>Delete assignment feature</a:t>
-            </a:r>
-          </a:p>
-          <a:p>
-            <a:pPr marL="285750" indent="-285750">
-              <a:buFont typeface="Arial" panose="020B0604020202020204" pitchFamily="34" charset="0"/>
-              <a:buChar char="•"/>
-            </a:pPr>
-            <a:r>
-              <a:rPr lang="en-US" dirty="0"/>
-              <a:t>Add assignment feature</a:t>
-            </a:r>
-          </a:p>
-          <a:p>
-            <a:pPr marL="285750" indent="-285750">
-              <a:buFont typeface="Arial" panose="020B0604020202020204" pitchFamily="34" charset="0"/>
-              <a:buChar char="•"/>
-            </a:pPr>
-            <a:r>
-              <a:rPr lang="en-US" dirty="0"/>
-              <a:t>Quit feature</a:t>
+              <a:t>This text case displays what would occur if the due date for an assignment were to be set before the present day</a:t>
+            </a:r>
+          </a:p>
+          <a:p>
+            <a:endParaRPr lang="en-US" dirty="0"/>
+          </a:p>
+          <a:p>
+            <a:endParaRPr lang="en-US" dirty="0"/>
+          </a:p>
+          <a:p>
+            <a:r>
+              <a:rPr lang="en-US" dirty="0"/>
+              <a:t>The error “Past date entered…</a:t>
+            </a:r>
+          </a:p>
+          <a:p>
+            <a:r>
+              <a:rPr lang="en-US" dirty="0"/>
+              <a:t>Error in constructing assignment object” would occur</a:t>
             </a:r>
           </a:p>
         </p:txBody>
@@ -3803,6 +4600,98 @@
   <p:clrMapOvr>
     <a:masterClrMapping/>
   </p:clrMapOvr>
+  <p:timing>
+    <p:tnLst>
+      <p:par>
+        <p:cTn id="1" dur="indefinite" restart="never" nodeType="tmRoot">
+          <p:childTnLst>
+            <p:seq concurrent="1" nextAc="seek">
+              <p:cTn id="2" dur="indefinite" nodeType="mainSeq">
+                <p:childTnLst>
+                  <p:par>
+                    <p:cTn id="3" fill="hold">
+                      <p:stCondLst>
+                        <p:cond delay="indefinite"/>
+                        <p:cond evt="onBegin" delay="0">
+                          <p:tn val="2"/>
+                        </p:cond>
+                      </p:stCondLst>
+                      <p:childTnLst>
+                        <p:par>
+                          <p:cTn id="4" fill="hold">
+                            <p:stCondLst>
+                              <p:cond delay="0"/>
+                            </p:stCondLst>
+                            <p:childTnLst>
+                              <p:par>
+                                <p:cTn id="5" presetID="10" presetClass="entr" presetSubtype="0" fill="hold" grpId="0" nodeType="withEffect">
+                                  <p:stCondLst>
+                                    <p:cond delay="1000"/>
+                                  </p:stCondLst>
+                                  <p:iterate type="lt">
+                                    <p:tmPct val="10000"/>
+                                  </p:iterate>
+                                  <p:childTnLst>
+                                    <p:set>
+                                      <p:cBhvr>
+                                        <p:cTn id="6" dur="1" fill="hold">
+                                          <p:stCondLst>
+                                            <p:cond delay="0"/>
+                                          </p:stCondLst>
+                                        </p:cTn>
+                                        <p:tgtEl>
+                                          <p:spTgt spid="2"/>
+                                        </p:tgtEl>
+                                        <p:attrNameLst>
+                                          <p:attrName>style.visibility</p:attrName>
+                                        </p:attrNameLst>
+                                      </p:cBhvr>
+                                      <p:to>
+                                        <p:strVal val="visible"/>
+                                      </p:to>
+                                    </p:set>
+                                    <p:animEffect transition="in" filter="fade">
+                                      <p:cBhvr>
+                                        <p:cTn id="7" dur="400"/>
+                                        <p:tgtEl>
+                                          <p:spTgt spid="2"/>
+                                        </p:tgtEl>
+                                      </p:cBhvr>
+                                    </p:animEffect>
+                                  </p:childTnLst>
+                                </p:cTn>
+                              </p:par>
+                            </p:childTnLst>
+                          </p:cTn>
+                        </p:par>
+                      </p:childTnLst>
+                    </p:cTn>
+                  </p:par>
+                </p:childTnLst>
+              </p:cTn>
+              <p:prevCondLst>
+                <p:cond evt="onPrev" delay="0">
+                  <p:tgtEl>
+                    <p:sldTgt/>
+                  </p:tgtEl>
+                </p:cond>
+              </p:prevCondLst>
+              <p:nextCondLst>
+                <p:cond evt="onNext" delay="0">
+                  <p:tgtEl>
+                    <p:sldTgt/>
+                  </p:tgtEl>
+                </p:cond>
+              </p:nextCondLst>
+            </p:seq>
+          </p:childTnLst>
+        </p:cTn>
+      </p:par>
+    </p:tnLst>
+    <p:bldLst>
+      <p:bldP spid="2" grpId="0" animBg="1"/>
+    </p:bldLst>
+  </p:timing>
 </p:sld>
 </file>
 
@@ -3856,30 +4745,40 @@
           </a:p>
         </p:txBody>
       </p:sp>
-      <p:sp>
-        <p:nvSpPr>
-          <p:cNvPr id="3" name="Picture Placeholder 2">
+      <p:pic>
+        <p:nvPicPr>
+          <p:cNvPr id="5" name="Picture Placeholder 4">
             <a:extLst>
               <a:ext uri="{FF2B5EF4-FFF2-40B4-BE49-F238E27FC236}">
-                <a16:creationId xmlns:a16="http://schemas.microsoft.com/office/drawing/2014/main" id="{C86864CC-3A52-2E08-708E-8988FB202A8B}"/>
+                <a16:creationId xmlns:a16="http://schemas.microsoft.com/office/drawing/2014/main" id="{DC3FEFC6-6A47-E955-A853-BFE9706B447F}"/>
               </a:ext>
             </a:extLst>
           </p:cNvPr>
-          <p:cNvSpPr>
-            <a:spLocks noGrp="1"/>
-          </p:cNvSpPr>
+          <p:cNvPicPr>
+            <a:picLocks noGrp="1" noChangeAspect="1"/>
+          </p:cNvPicPr>
           <p:nvPr>
             <p:ph type="pic" idx="1"/>
           </p:nvPr>
-        </p:nvSpPr>
-        <p:spPr/>
-      </p:sp>
-      <p:sp>
-        <p:nvSpPr>
-          <p:cNvPr id="4" name="TextBox 3">
+        </p:nvPicPr>
+        <p:blipFill rotWithShape="1">
+          <a:blip r:embed="rId2"/>
+          <a:srcRect t="16992" b="16992"/>
+          <a:stretch/>
+        </p:blipFill>
+        <p:spPr>
+          <a:xfrm>
+            <a:off x="6113463" y="0"/>
+            <a:ext cx="6102350" cy="6858000"/>
+          </a:xfrm>
+        </p:spPr>
+      </p:pic>
+      <p:sp>
+        <p:nvSpPr>
+          <p:cNvPr id="3" name="TextBox 2">
             <a:extLst>
               <a:ext uri="{FF2B5EF4-FFF2-40B4-BE49-F238E27FC236}">
-                <a16:creationId xmlns:a16="http://schemas.microsoft.com/office/drawing/2014/main" id="{6BBA2E1D-7BC4-EE87-F46C-7AFC722D79B7}"/>
+                <a16:creationId xmlns:a16="http://schemas.microsoft.com/office/drawing/2014/main" id="{B4DA18B9-F2FE-9E3C-A994-0A92A8A85914}"/>
               </a:ext>
             </a:extLst>
           </p:cNvPr>
@@ -3888,8 +4787,8 @@
         </p:nvSpPr>
         <p:spPr>
           <a:xfrm>
-            <a:off x="1303088" y="1441174"/>
-            <a:ext cx="3708259" cy="2585323"/>
+            <a:off x="914400" y="1918252"/>
+            <a:ext cx="4298674" cy="2585323"/>
           </a:xfrm>
           <a:prstGeom prst="rect">
             <a:avLst/>
@@ -3897,91 +4796,26 @@
           <a:noFill/>
         </p:spPr>
         <p:txBody>
-          <a:bodyPr wrap="none" rtlCol="0">
+          <a:bodyPr wrap="square" rtlCol="0">
             <a:spAutoFit/>
           </a:bodyPr>
           <a:lstStyle/>
           <a:p>
             <a:r>
               <a:rPr lang="en-US" dirty="0"/>
-              <a:t>Goal: </a:t>
-            </a:r>
-          </a:p>
-          <a:p>
-            <a:pPr marL="285750" indent="-285750">
-              <a:buFont typeface="Arial" panose="020B0604020202020204" pitchFamily="34" charset="0"/>
-              <a:buChar char="•"/>
-            </a:pPr>
-            <a:r>
-              <a:rPr lang="en-US" dirty="0"/>
-              <a:t>Create an initial list of assignments</a:t>
-            </a:r>
-          </a:p>
-          <a:p>
-            <a:pPr marL="285750" indent="-285750">
-              <a:buFont typeface="Arial" panose="020B0604020202020204" pitchFamily="34" charset="0"/>
-              <a:buChar char="•"/>
-            </a:pPr>
-            <a:r>
-              <a:rPr lang="en-US" dirty="0"/>
-              <a:t>Mark some assignments complete</a:t>
-            </a:r>
-          </a:p>
-          <a:p>
-            <a:pPr marL="285750" indent="-285750">
-              <a:buFont typeface="Arial" panose="020B0604020202020204" pitchFamily="34" charset="0"/>
-              <a:buChar char="•"/>
-            </a:pPr>
-            <a:r>
-              <a:rPr lang="en-US"/>
-              <a:t>A</a:t>
-            </a:r>
-            <a:endParaRPr lang="en-US" dirty="0"/>
-          </a:p>
-          <a:p>
-            <a:r>
-              <a:rPr lang="en-US" dirty="0"/>
-              <a:t>Features Tested:</a:t>
-            </a:r>
-          </a:p>
-          <a:p>
-            <a:pPr marL="285750" indent="-285750">
-              <a:buFont typeface="Arial" panose="020B0604020202020204" pitchFamily="34" charset="0"/>
-              <a:buChar char="•"/>
-            </a:pPr>
-            <a:r>
-              <a:rPr lang="en-US" dirty="0"/>
-              <a:t>Initial intake feature</a:t>
-            </a:r>
-          </a:p>
-          <a:p>
-            <a:pPr marL="285750" indent="-285750">
-              <a:buFont typeface="Arial" panose="020B0604020202020204" pitchFamily="34" charset="0"/>
-              <a:buChar char="•"/>
-            </a:pPr>
-            <a:r>
-              <a:rPr lang="en-US" dirty="0"/>
-              <a:t>Delete assignment feature</a:t>
-            </a:r>
-          </a:p>
-          <a:p>
-            <a:pPr marL="285750" indent="-285750">
-              <a:buFont typeface="Arial" panose="020B0604020202020204" pitchFamily="34" charset="0"/>
-              <a:buChar char="•"/>
-            </a:pPr>
-            <a:r>
-              <a:rPr lang="en-US" dirty="0"/>
-              <a:t>Add assignment feature</a:t>
-            </a:r>
-          </a:p>
-          <a:p>
-            <a:pPr marL="285750" indent="-285750">
-              <a:buFont typeface="Arial" panose="020B0604020202020204" pitchFamily="34" charset="0"/>
-              <a:buChar char="•"/>
-            </a:pPr>
-            <a:r>
-              <a:rPr lang="en-US" dirty="0"/>
-              <a:t>Quit feature</a:t>
+              <a:t>This test case shows what would occur in the event that the program ran without errors </a:t>
+            </a:r>
+          </a:p>
+          <a:p>
+            <a:endParaRPr lang="en-US" dirty="0"/>
+          </a:p>
+          <a:p>
+            <a:endParaRPr lang="en-US" dirty="0"/>
+          </a:p>
+          <a:p>
+            <a:r>
+              <a:rPr lang="en-US" dirty="0"/>
+              <a:t>The user would input the number of assignment and would be prompted to enter a series of information about each assignment</a:t>
             </a:r>
           </a:p>
         </p:txBody>
@@ -4021,7 +4855,7 @@
           <p:cNvPr id="2" name="Title 1">
             <a:extLst>
               <a:ext uri="{FF2B5EF4-FFF2-40B4-BE49-F238E27FC236}">
-                <a16:creationId xmlns:a16="http://schemas.microsoft.com/office/drawing/2014/main" id="{CBCBE736-1968-4039-E156-E620C05D9A4E}"/>
+                <a16:creationId xmlns:a16="http://schemas.microsoft.com/office/drawing/2014/main" id="{B6B0424C-CD6A-4772-B893-93C848CE257B}"/>
               </a:ext>
             </a:extLst>
           </p:cNvPr>
@@ -4034,7 +4868,7 @@
         </p:nvSpPr>
         <p:spPr>
           <a:xfrm>
-            <a:off x="765449" y="186428"/>
+            <a:off x="765449" y="396618"/>
             <a:ext cx="4494998" cy="1134640"/>
           </a:xfrm>
         </p:spPr>
@@ -4044,143 +4878,69 @@
           <a:p>
             <a:r>
               <a:rPr lang="en-US" dirty="0"/>
-              <a:t>Test case III</a:t>
-            </a:r>
-          </a:p>
-        </p:txBody>
-      </p:sp>
-      <p:sp>
-        <p:nvSpPr>
-          <p:cNvPr id="3" name="Picture Placeholder 2">
+              <a:t>Test Case II Continue</a:t>
+            </a:r>
+          </a:p>
+        </p:txBody>
+      </p:sp>
+      <p:pic>
+        <p:nvPicPr>
+          <p:cNvPr id="6" name="Content Placeholder 5">
             <a:extLst>
               <a:ext uri="{FF2B5EF4-FFF2-40B4-BE49-F238E27FC236}">
-                <a16:creationId xmlns:a16="http://schemas.microsoft.com/office/drawing/2014/main" id="{C86864CC-3A52-2E08-708E-8988FB202A8B}"/>
+                <a16:creationId xmlns:a16="http://schemas.microsoft.com/office/drawing/2014/main" id="{10BF72DB-0221-6ED0-F264-A9F370B498C3}"/>
               </a:ext>
             </a:extLst>
           </p:cNvPr>
-          <p:cNvSpPr>
-            <a:spLocks noGrp="1"/>
-          </p:cNvSpPr>
+          <p:cNvPicPr>
+            <a:picLocks noGrp="1" noChangeAspect="1"/>
+          </p:cNvPicPr>
           <p:nvPr>
             <p:ph type="pic" idx="1"/>
           </p:nvPr>
-        </p:nvSpPr>
+        </p:nvPicPr>
+        <p:blipFill rotWithShape="1">
+          <a:blip r:embed="rId2"/>
+          <a:srcRect t="19014" b="19014"/>
+          <a:stretch/>
+        </p:blipFill>
         <p:spPr/>
-      </p:sp>
-      <p:sp>
-        <p:nvSpPr>
-          <p:cNvPr id="4" name="TextBox 3">
+      </p:pic>
+      <p:sp>
+        <p:nvSpPr>
+          <p:cNvPr id="3" name="Text Placeholder 2">
             <a:extLst>
               <a:ext uri="{FF2B5EF4-FFF2-40B4-BE49-F238E27FC236}">
-                <a16:creationId xmlns:a16="http://schemas.microsoft.com/office/drawing/2014/main" id="{525B122C-2C12-44E5-6B6D-867975DCCC50}"/>
+                <a16:creationId xmlns:a16="http://schemas.microsoft.com/office/drawing/2014/main" id="{C26BA0E6-34F3-B233-CC22-0A5648996A6C}"/>
               </a:ext>
             </a:extLst>
           </p:cNvPr>
-          <p:cNvSpPr txBox="1"/>
-          <p:nvPr/>
+          <p:cNvSpPr>
+            <a:spLocks noGrp="1"/>
+          </p:cNvSpPr>
+          <p:nvPr>
+            <p:ph type="body" sz="half" idx="2"/>
+          </p:nvPr>
         </p:nvSpPr>
         <p:spPr>
           <a:xfrm>
-            <a:off x="1303088" y="1441174"/>
-            <a:ext cx="3918893" cy="2862322"/>
+            <a:off x="1035788" y="1880678"/>
+            <a:ext cx="3794760" cy="2194037"/>
           </a:xfrm>
-          <a:prstGeom prst="rect">
-            <a:avLst/>
-          </a:prstGeom>
-          <a:noFill/>
         </p:spPr>
         <p:txBody>
-          <a:bodyPr wrap="none" rtlCol="0">
-            <a:spAutoFit/>
+          <a:bodyPr>
+            <a:normAutofit/>
           </a:bodyPr>
           <a:lstStyle/>
           <a:p>
             <a:r>
-              <a:rPr lang="en-US" dirty="0"/>
-              <a:t>Goal: </a:t>
-            </a:r>
-          </a:p>
-          <a:p>
-            <a:pPr marL="285750" indent="-285750">
-              <a:buFont typeface="Arial" panose="020B0604020202020204" pitchFamily="34" charset="0"/>
-              <a:buChar char="•"/>
-            </a:pPr>
-            <a:r>
-              <a:rPr lang="en-US" dirty="0"/>
-              <a:t>Create an initial list of assignments</a:t>
-            </a:r>
-          </a:p>
-          <a:p>
-            <a:pPr marL="285750" indent="-285750">
-              <a:buFont typeface="Arial" panose="020B0604020202020204" pitchFamily="34" charset="0"/>
-              <a:buChar char="•"/>
-            </a:pPr>
-            <a:r>
-              <a:rPr lang="en-US" dirty="0"/>
-              <a:t>Delete two assignments from the list</a:t>
-            </a:r>
-          </a:p>
-          <a:p>
-            <a:pPr marL="285750" indent="-285750">
-              <a:buFont typeface="Arial" panose="020B0604020202020204" pitchFamily="34" charset="0"/>
-              <a:buChar char="•"/>
-            </a:pPr>
-            <a:r>
-              <a:rPr lang="en-US" dirty="0"/>
-              <a:t>Add one more assignment </a:t>
-            </a:r>
-          </a:p>
-          <a:p>
-            <a:pPr marL="285750" indent="-285750">
-              <a:buFont typeface="Arial" panose="020B0604020202020204" pitchFamily="34" charset="0"/>
-              <a:buChar char="•"/>
-            </a:pPr>
-            <a:endParaRPr lang="en-US" dirty="0"/>
-          </a:p>
-          <a:p>
-            <a:r>
-              <a:rPr lang="en-US" dirty="0"/>
-              <a:t>Features Tested:</a:t>
-            </a:r>
-          </a:p>
-          <a:p>
-            <a:pPr marL="285750" indent="-285750">
-              <a:buFont typeface="Arial" panose="020B0604020202020204" pitchFamily="34" charset="0"/>
-              <a:buChar char="•"/>
-            </a:pPr>
-            <a:r>
-              <a:rPr lang="en-US" dirty="0"/>
-              <a:t>Initial intake feature</a:t>
-            </a:r>
-          </a:p>
-          <a:p>
-            <a:pPr marL="285750" indent="-285750">
-              <a:buFont typeface="Arial" panose="020B0604020202020204" pitchFamily="34" charset="0"/>
-              <a:buChar char="•"/>
-            </a:pPr>
-            <a:r>
-              <a:rPr lang="en-US" dirty="0"/>
-              <a:t>Delete assignment feature</a:t>
-            </a:r>
-          </a:p>
-          <a:p>
-            <a:pPr marL="285750" indent="-285750">
-              <a:buFont typeface="Arial" panose="020B0604020202020204" pitchFamily="34" charset="0"/>
-              <a:buChar char="•"/>
-            </a:pPr>
-            <a:r>
-              <a:rPr lang="en-US" dirty="0"/>
-              <a:t>Add assignment feature</a:t>
-            </a:r>
-          </a:p>
-          <a:p>
-            <a:pPr marL="285750" indent="-285750">
-              <a:buFont typeface="Arial" panose="020B0604020202020204" pitchFamily="34" charset="0"/>
-              <a:buChar char="•"/>
-            </a:pPr>
-            <a:r>
-              <a:rPr lang="en-US" dirty="0"/>
-              <a:t>Quit feature</a:t>
+              <a:rPr lang="en-US" sz="1800" dirty="0">
+                <a:solidFill>
+                  <a:schemeClr val="tx1"/>
+                </a:solidFill>
+              </a:rPr>
+              <a:t>As the program continues to run, the days until the assignment is due would be calculated and displayed. </a:t>
             </a:r>
           </a:p>
         </p:txBody>
@@ -4188,7 +4948,7 @@
     </p:spTree>
     <p:extLst>
       <p:ext uri="{BB962C8B-B14F-4D97-AF65-F5344CB8AC3E}">
-        <p14:creationId xmlns:p14="http://schemas.microsoft.com/office/powerpoint/2010/main" val="3715308466"/>
+        <p14:creationId xmlns:p14="http://schemas.microsoft.com/office/powerpoint/2010/main" val="1611431561"/>
       </p:ext>
     </p:extLst>
   </p:cSld>
@@ -4220,7 +4980,7 @@
           <p:cNvPr id="2" name="Title 1">
             <a:extLst>
               <a:ext uri="{FF2B5EF4-FFF2-40B4-BE49-F238E27FC236}">
-                <a16:creationId xmlns:a16="http://schemas.microsoft.com/office/drawing/2014/main" id="{CBCBE736-1968-4039-E156-E620C05D9A4E}"/>
+                <a16:creationId xmlns:a16="http://schemas.microsoft.com/office/drawing/2014/main" id="{B7019480-5EBC-EF6A-B812-CA2015541BD8}"/>
               </a:ext>
             </a:extLst>
           </p:cNvPr>
@@ -4233,7 +4993,7 @@
         </p:nvSpPr>
         <p:spPr>
           <a:xfrm>
-            <a:off x="765449" y="186428"/>
+            <a:off x="808523" y="273879"/>
             <a:ext cx="4494998" cy="1134640"/>
           </a:xfrm>
         </p:spPr>
@@ -4243,143 +5003,69 @@
           <a:p>
             <a:r>
               <a:rPr lang="en-US" dirty="0"/>
-              <a:t>Test case IV</a:t>
-            </a:r>
-          </a:p>
-        </p:txBody>
-      </p:sp>
-      <p:sp>
-        <p:nvSpPr>
-          <p:cNvPr id="3" name="Picture Placeholder 2">
+              <a:t>Test Case ii continued</a:t>
+            </a:r>
+          </a:p>
+        </p:txBody>
+      </p:sp>
+      <p:pic>
+        <p:nvPicPr>
+          <p:cNvPr id="6" name="Content Placeholder 5">
             <a:extLst>
               <a:ext uri="{FF2B5EF4-FFF2-40B4-BE49-F238E27FC236}">
-                <a16:creationId xmlns:a16="http://schemas.microsoft.com/office/drawing/2014/main" id="{C86864CC-3A52-2E08-708E-8988FB202A8B}"/>
+                <a16:creationId xmlns:a16="http://schemas.microsoft.com/office/drawing/2014/main" id="{6EAE4FEC-FD23-1969-BB07-6798E9B70250}"/>
               </a:ext>
             </a:extLst>
           </p:cNvPr>
-          <p:cNvSpPr>
-            <a:spLocks noGrp="1"/>
-          </p:cNvSpPr>
+          <p:cNvPicPr>
+            <a:picLocks noGrp="1" noChangeAspect="1"/>
+          </p:cNvPicPr>
           <p:nvPr>
             <p:ph type="pic" idx="1"/>
           </p:nvPr>
-        </p:nvSpPr>
+        </p:nvPicPr>
+        <p:blipFill rotWithShape="1">
+          <a:blip r:embed="rId2"/>
+          <a:srcRect t="13749" b="13749"/>
+          <a:stretch/>
+        </p:blipFill>
         <p:spPr/>
-      </p:sp>
-      <p:sp>
-        <p:nvSpPr>
-          <p:cNvPr id="4" name="TextBox 3">
+      </p:pic>
+      <p:sp>
+        <p:nvSpPr>
+          <p:cNvPr id="3" name="Text Placeholder 2">
             <a:extLst>
               <a:ext uri="{FF2B5EF4-FFF2-40B4-BE49-F238E27FC236}">
-                <a16:creationId xmlns:a16="http://schemas.microsoft.com/office/drawing/2014/main" id="{8537D974-C7BF-00CA-9F57-8D159334EE07}"/>
+                <a16:creationId xmlns:a16="http://schemas.microsoft.com/office/drawing/2014/main" id="{D57EE854-64AD-859A-AA64-2337BBEDD63B}"/>
               </a:ext>
             </a:extLst>
           </p:cNvPr>
-          <p:cNvSpPr txBox="1"/>
-          <p:nvPr/>
+          <p:cNvSpPr>
+            <a:spLocks noGrp="1"/>
+          </p:cNvSpPr>
+          <p:nvPr>
+            <p:ph type="body" sz="half" idx="2"/>
+          </p:nvPr>
         </p:nvSpPr>
         <p:spPr>
           <a:xfrm>
-            <a:off x="1303088" y="1441174"/>
-            <a:ext cx="3918893" cy="2862322"/>
+            <a:off x="1066473" y="1745665"/>
+            <a:ext cx="3794760" cy="2194037"/>
           </a:xfrm>
-          <a:prstGeom prst="rect">
-            <a:avLst/>
-          </a:prstGeom>
-          <a:noFill/>
         </p:spPr>
         <p:txBody>
-          <a:bodyPr wrap="none" rtlCol="0">
-            <a:spAutoFit/>
+          <a:bodyPr>
+            <a:normAutofit/>
           </a:bodyPr>
           <a:lstStyle/>
           <a:p>
             <a:r>
-              <a:rPr lang="en-US" dirty="0"/>
-              <a:t>Goal: </a:t>
-            </a:r>
-          </a:p>
-          <a:p>
-            <a:pPr marL="285750" indent="-285750">
-              <a:buFont typeface="Arial" panose="020B0604020202020204" pitchFamily="34" charset="0"/>
-              <a:buChar char="•"/>
-            </a:pPr>
-            <a:r>
-              <a:rPr lang="en-US" dirty="0"/>
-              <a:t>Create an initial list of assignments</a:t>
-            </a:r>
-          </a:p>
-          <a:p>
-            <a:pPr marL="285750" indent="-285750">
-              <a:buFont typeface="Arial" panose="020B0604020202020204" pitchFamily="34" charset="0"/>
-              <a:buChar char="•"/>
-            </a:pPr>
-            <a:r>
-              <a:rPr lang="en-US" dirty="0"/>
-              <a:t>Delete two assignments from the list</a:t>
-            </a:r>
-          </a:p>
-          <a:p>
-            <a:pPr marL="285750" indent="-285750">
-              <a:buFont typeface="Arial" panose="020B0604020202020204" pitchFamily="34" charset="0"/>
-              <a:buChar char="•"/>
-            </a:pPr>
-            <a:r>
-              <a:rPr lang="en-US" dirty="0"/>
-              <a:t>Add one more assignment </a:t>
-            </a:r>
-          </a:p>
-          <a:p>
-            <a:pPr marL="285750" indent="-285750">
-              <a:buFont typeface="Arial" panose="020B0604020202020204" pitchFamily="34" charset="0"/>
-              <a:buChar char="•"/>
-            </a:pPr>
-            <a:endParaRPr lang="en-US" dirty="0"/>
-          </a:p>
-          <a:p>
-            <a:r>
-              <a:rPr lang="en-US" dirty="0"/>
-              <a:t>Features Tested:</a:t>
-            </a:r>
-          </a:p>
-          <a:p>
-            <a:pPr marL="285750" indent="-285750">
-              <a:buFont typeface="Arial" panose="020B0604020202020204" pitchFamily="34" charset="0"/>
-              <a:buChar char="•"/>
-            </a:pPr>
-            <a:r>
-              <a:rPr lang="en-US" dirty="0"/>
-              <a:t>Initial intake feature</a:t>
-            </a:r>
-          </a:p>
-          <a:p>
-            <a:pPr marL="285750" indent="-285750">
-              <a:buFont typeface="Arial" panose="020B0604020202020204" pitchFamily="34" charset="0"/>
-              <a:buChar char="•"/>
-            </a:pPr>
-            <a:r>
-              <a:rPr lang="en-US" dirty="0"/>
-              <a:t>Delete assignment feature</a:t>
-            </a:r>
-          </a:p>
-          <a:p>
-            <a:pPr marL="285750" indent="-285750">
-              <a:buFont typeface="Arial" panose="020B0604020202020204" pitchFamily="34" charset="0"/>
-              <a:buChar char="•"/>
-            </a:pPr>
-            <a:r>
-              <a:rPr lang="en-US" dirty="0"/>
-              <a:t>Add assignment feature</a:t>
-            </a:r>
-          </a:p>
-          <a:p>
-            <a:pPr marL="285750" indent="-285750">
-              <a:buFont typeface="Arial" panose="020B0604020202020204" pitchFamily="34" charset="0"/>
-              <a:buChar char="•"/>
-            </a:pPr>
-            <a:r>
-              <a:rPr lang="en-US" dirty="0"/>
-              <a:t>Quit feature</a:t>
+              <a:rPr lang="en-US" sz="1800" dirty="0">
+                <a:solidFill>
+                  <a:schemeClr val="tx1"/>
+                </a:solidFill>
+              </a:rPr>
+              <a:t>The program will continue running until the days until due has been calculated and displayed for all declared assignments</a:t>
             </a:r>
           </a:p>
         </p:txBody>
@@ -4387,7 +5073,7 @@
     </p:spTree>
     <p:extLst>
       <p:ext uri="{BB962C8B-B14F-4D97-AF65-F5344CB8AC3E}">
-        <p14:creationId xmlns:p14="http://schemas.microsoft.com/office/powerpoint/2010/main" val="3515544287"/>
+        <p14:creationId xmlns:p14="http://schemas.microsoft.com/office/powerpoint/2010/main" val="2524216317"/>
       </p:ext>
     </p:extLst>
   </p:cSld>
@@ -4419,7 +5105,7 @@
           <p:cNvPr id="2" name="Title 1">
             <a:extLst>
               <a:ext uri="{FF2B5EF4-FFF2-40B4-BE49-F238E27FC236}">
-                <a16:creationId xmlns:a16="http://schemas.microsoft.com/office/drawing/2014/main" id="{7E2A30A0-8365-12A0-1347-A2C477777111}"/>
+                <a16:creationId xmlns:a16="http://schemas.microsoft.com/office/drawing/2014/main" id="{8E7E6A9B-FAC2-B81A-6689-F58AE96B7ECC}"/>
               </a:ext>
             </a:extLst>
           </p:cNvPr>
@@ -4430,71 +5116,87 @@
             <p:ph type="title"/>
           </p:nvPr>
         </p:nvSpPr>
-        <p:spPr/>
+        <p:spPr>
+          <a:xfrm>
+            <a:off x="769620" y="341385"/>
+            <a:ext cx="4486656" cy="1141497"/>
+          </a:xfrm>
+        </p:spPr>
         <p:txBody>
           <a:bodyPr/>
           <a:lstStyle/>
           <a:p>
             <a:r>
               <a:rPr lang="en-US" dirty="0"/>
-              <a:t>Software architecture</a:t>
-            </a:r>
-          </a:p>
-        </p:txBody>
-      </p:sp>
-      <p:sp>
-        <p:nvSpPr>
-          <p:cNvPr id="3" name="Content Placeholder 2">
+              <a:t>Test case ii continued</a:t>
+            </a:r>
+          </a:p>
+        </p:txBody>
+      </p:sp>
+      <p:pic>
+        <p:nvPicPr>
+          <p:cNvPr id="6" name="Content Placeholder 5">
             <a:extLst>
               <a:ext uri="{FF2B5EF4-FFF2-40B4-BE49-F238E27FC236}">
-                <a16:creationId xmlns:a16="http://schemas.microsoft.com/office/drawing/2014/main" id="{29C4D206-25C0-E9F5-48F7-FCD3B3239E01}"/>
+                <a16:creationId xmlns:a16="http://schemas.microsoft.com/office/drawing/2014/main" id="{D5687641-B1DC-E2D7-BFC0-C083EAF8E5E9}"/>
               </a:ext>
             </a:extLst>
           </p:cNvPr>
-          <p:cNvSpPr>
-            <a:spLocks noGrp="1"/>
-          </p:cNvSpPr>
+          <p:cNvPicPr>
+            <a:picLocks noGrp="1" noChangeAspect="1"/>
+          </p:cNvPicPr>
           <p:nvPr>
             <p:ph idx="1"/>
           </p:nvPr>
-        </p:nvSpPr>
-        <p:spPr/>
+        </p:nvPicPr>
+        <p:blipFill>
+          <a:blip r:embed="rId2"/>
+          <a:stretch>
+            <a:fillRect/>
+          </a:stretch>
+        </p:blipFill>
+        <p:spPr>
+          <a:xfrm>
+            <a:off x="7318925" y="804863"/>
+            <a:ext cx="3650151" cy="5248275"/>
+          </a:xfrm>
+        </p:spPr>
+      </p:pic>
+      <p:sp>
+        <p:nvSpPr>
+          <p:cNvPr id="4" name="Text Placeholder 3">
+            <a:extLst>
+              <a:ext uri="{FF2B5EF4-FFF2-40B4-BE49-F238E27FC236}">
+                <a16:creationId xmlns:a16="http://schemas.microsoft.com/office/drawing/2014/main" id="{55714624-39F1-2CCD-609F-959BE95F6863}"/>
+              </a:ext>
+            </a:extLst>
+          </p:cNvPr>
+          <p:cNvSpPr>
+            <a:spLocks noGrp="1"/>
+          </p:cNvSpPr>
+          <p:nvPr>
+            <p:ph type="body" sz="half" idx="2"/>
+          </p:nvPr>
+        </p:nvSpPr>
+        <p:spPr>
+          <a:xfrm>
+            <a:off x="1026115" y="1850327"/>
+            <a:ext cx="3794760" cy="2194036"/>
+          </a:xfrm>
+        </p:spPr>
         <p:txBody>
           <a:bodyPr>
-            <a:normAutofit fontScale="92500"/>
+            <a:normAutofit/>
           </a:bodyPr>
           <a:lstStyle/>
           <a:p>
             <a:r>
-              <a:rPr lang="en-US" dirty="0"/>
-              <a:t>Used Pass By Reference whenever possible/it made sense to in order to use the smallest amount of storage possible</a:t>
-            </a:r>
-          </a:p>
-          <a:p>
-            <a:r>
-              <a:rPr lang="en-US" dirty="0"/>
-              <a:t>Attempted to keep the variables in </a:t>
-            </a:r>
-            <a:r>
-              <a:rPr lang="en-US" dirty="0" err="1"/>
-              <a:t>main.cpp</a:t>
-            </a:r>
-            <a:r>
-              <a:rPr lang="en-US" dirty="0"/>
-              <a:t> at a minimum and defer their  responsibility to local variables in functions outside of main. This allowed for those variables to pop off the stack and free up memory after they were no longer actively being used.</a:t>
-            </a:r>
-          </a:p>
-          <a:p>
-            <a:r>
-              <a:rPr lang="en-US" dirty="0"/>
-              <a:t>Attempted to use switch statements more frequently than if and if-else statements</a:t>
-            </a:r>
-          </a:p>
-          <a:p>
-            <a:pPr lvl="1"/>
-            <a:r>
-              <a:rPr lang="en-US" dirty="0"/>
-              <a:t>However, this was not completely avoidable → in order to maintain system logic and clarity, sometimes it was best to use a series of if-else statements when operating within a switch statement</a:t>
+              <a:rPr lang="en-US" sz="1800" dirty="0">
+                <a:solidFill>
+                  <a:schemeClr val="tx1"/>
+                </a:solidFill>
+              </a:rPr>
+              <a:t>The user can prompt the program to mark assignments as completed and the status will be displayed below each assignment number</a:t>
             </a:r>
           </a:p>
         </p:txBody>
@@ -4502,7 +5204,7 @@
     </p:spTree>
     <p:extLst>
       <p:ext uri="{BB962C8B-B14F-4D97-AF65-F5344CB8AC3E}">
-        <p14:creationId xmlns:p14="http://schemas.microsoft.com/office/powerpoint/2010/main" val="1291661186"/>
+        <p14:creationId xmlns:p14="http://schemas.microsoft.com/office/powerpoint/2010/main" val="2850736184"/>
       </p:ext>
     </p:extLst>
   </p:cSld>
@@ -4515,6 +5217,14 @@
 <file path=ppt/slides/slide9.xml><?xml version="1.0" encoding="utf-8"?>
 <p:sld xmlns:a="http://schemas.openxmlformats.org/drawingml/2006/main" xmlns:r="http://schemas.openxmlformats.org/officeDocument/2006/relationships" xmlns:p="http://schemas.openxmlformats.org/presentationml/2006/main">
   <p:cSld>
+    <p:bg>
+      <p:bgPr>
+        <a:solidFill>
+          <a:schemeClr val="accent2"/>
+        </a:solidFill>
+        <a:effectLst/>
+      </p:bgPr>
+    </p:bg>
     <p:spTree>
       <p:nvGrpSpPr>
         <p:cNvPr id="1" name=""/>
@@ -4534,7 +5244,7 @@
           <p:cNvPr id="2" name="Title 1">
             <a:extLst>
               <a:ext uri="{FF2B5EF4-FFF2-40B4-BE49-F238E27FC236}">
-                <a16:creationId xmlns:a16="http://schemas.microsoft.com/office/drawing/2014/main" id="{19D66875-484A-1060-C03D-77BE501652F6}"/>
+                <a16:creationId xmlns:a16="http://schemas.microsoft.com/office/drawing/2014/main" id="{CBCBE736-1968-4039-E156-E620C05D9A4E}"/>
               </a:ext>
             </a:extLst>
           </p:cNvPr>
@@ -4545,48 +5255,87 @@
             <p:ph type="title"/>
           </p:nvPr>
         </p:nvSpPr>
-        <p:spPr/>
-        <p:txBody>
-          <a:bodyPr/>
-          <a:lstStyle/>
-          <a:p>
-            <a:r>
-              <a:rPr lang="en-US" dirty="0"/>
-              <a:t>Performance</a:t>
-            </a:r>
-          </a:p>
-        </p:txBody>
-      </p:sp>
-      <p:sp>
-        <p:nvSpPr>
-          <p:cNvPr id="3" name="Content Placeholder 2">
+        <p:spPr>
+          <a:xfrm>
+            <a:off x="915136" y="343152"/>
+            <a:ext cx="4486656" cy="1645920"/>
+          </a:xfrm>
+        </p:spPr>
+        <p:txBody>
+          <a:bodyPr vert="horz" lIns="274320" tIns="182880" rIns="274320" bIns="182880" rtlCol="0" anchor="ctr" anchorCtr="1">
+            <a:normAutofit/>
+          </a:bodyPr>
+          <a:lstStyle/>
+          <a:p>
+            <a:r>
+              <a:rPr lang="en-US" sz="3200"/>
+              <a:t>Test case III</a:t>
+            </a:r>
+          </a:p>
+        </p:txBody>
+      </p:sp>
+      <p:pic>
+        <p:nvPicPr>
+          <p:cNvPr id="9" name="Picture Placeholder 8">
             <a:extLst>
               <a:ext uri="{FF2B5EF4-FFF2-40B4-BE49-F238E27FC236}">
-                <a16:creationId xmlns:a16="http://schemas.microsoft.com/office/drawing/2014/main" id="{5B622429-557F-187F-6250-5521D98D9A9B}"/>
+                <a16:creationId xmlns:a16="http://schemas.microsoft.com/office/drawing/2014/main" id="{EBAA5391-DDDF-B44B-C213-7932986956A1}"/>
               </a:ext>
             </a:extLst>
           </p:cNvPr>
-          <p:cNvSpPr>
-            <a:spLocks noGrp="1"/>
-          </p:cNvSpPr>
-          <p:nvPr>
-            <p:ph idx="1"/>
-          </p:nvPr>
-        </p:nvSpPr>
-        <p:spPr/>
-        <p:txBody>
-          <a:bodyPr/>
-          <a:lstStyle/>
-          <a:p>
-            <a:r>
-              <a:rPr lang="en-US" dirty="0"/>
-              <a:t>The performance of our program is satisfactory</a:t>
-            </a:r>
-          </a:p>
-          <a:p>
-            <a:r>
-              <a:rPr lang="en-US" dirty="0"/>
-              <a:t>Due to the size of our group, we did not perform any performance analysis beyond using our own judgement</a:t>
+          <p:cNvPicPr>
+            <a:picLocks noGrp="1" noChangeAspect="1"/>
+          </p:cNvPicPr>
+          <p:nvPr>
+            <p:ph type="pic" idx="1"/>
+          </p:nvPr>
+        </p:nvPicPr>
+        <p:blipFill rotWithShape="1">
+          <a:blip r:embed="rId2"/>
+          <a:srcRect r="5938"/>
+          <a:stretch/>
+        </p:blipFill>
+        <p:spPr>
+          <a:xfrm>
+            <a:off x="6096000" y="10"/>
+            <a:ext cx="6095999" cy="6857990"/>
+          </a:xfrm>
+          <a:prstGeom prst="rect">
+            <a:avLst/>
+          </a:prstGeom>
+        </p:spPr>
+      </p:pic>
+      <p:sp>
+        <p:nvSpPr>
+          <p:cNvPr id="3" name="TextBox 2">
+            <a:extLst>
+              <a:ext uri="{FF2B5EF4-FFF2-40B4-BE49-F238E27FC236}">
+                <a16:creationId xmlns:a16="http://schemas.microsoft.com/office/drawing/2014/main" id="{79FA2EB8-CD4D-FEB5-27F4-E6CC197685E9}"/>
+              </a:ext>
+            </a:extLst>
+          </p:cNvPr>
+          <p:cNvSpPr txBox="1"/>
+          <p:nvPr/>
+        </p:nvSpPr>
+        <p:spPr>
+          <a:xfrm>
+            <a:off x="1003852" y="2504661"/>
+            <a:ext cx="4397940" cy="646331"/>
+          </a:xfrm>
+          <a:prstGeom prst="rect">
+            <a:avLst/>
+          </a:prstGeom>
+          <a:noFill/>
+        </p:spPr>
+        <p:txBody>
+          <a:bodyPr wrap="square" rtlCol="0">
+            <a:spAutoFit/>
+          </a:bodyPr>
+          <a:lstStyle/>
+          <a:p>
+            <a:r>
+              <a:rPr lang="en-US" dirty="0"/>
+              <a:t>This test case displays the process of saving the assignment list to a file</a:t>
             </a:r>
           </a:p>
         </p:txBody>
@@ -4594,13 +5343,105 @@
     </p:spTree>
     <p:extLst>
       <p:ext uri="{BB962C8B-B14F-4D97-AF65-F5344CB8AC3E}">
-        <p14:creationId xmlns:p14="http://schemas.microsoft.com/office/powerpoint/2010/main" val="1565167725"/>
+        <p14:creationId xmlns:p14="http://schemas.microsoft.com/office/powerpoint/2010/main" val="3715308466"/>
       </p:ext>
     </p:extLst>
   </p:cSld>
   <p:clrMapOvr>
     <a:masterClrMapping/>
   </p:clrMapOvr>
+  <p:timing>
+    <p:tnLst>
+      <p:par>
+        <p:cTn id="1" dur="indefinite" restart="never" nodeType="tmRoot">
+          <p:childTnLst>
+            <p:seq concurrent="1" nextAc="seek">
+              <p:cTn id="2" dur="indefinite" nodeType="mainSeq">
+                <p:childTnLst>
+                  <p:par>
+                    <p:cTn id="3" fill="hold">
+                      <p:stCondLst>
+                        <p:cond delay="indefinite"/>
+                        <p:cond evt="onBegin" delay="0">
+                          <p:tn val="2"/>
+                        </p:cond>
+                      </p:stCondLst>
+                      <p:childTnLst>
+                        <p:par>
+                          <p:cTn id="4" fill="hold">
+                            <p:stCondLst>
+                              <p:cond delay="0"/>
+                            </p:stCondLst>
+                            <p:childTnLst>
+                              <p:par>
+                                <p:cTn id="5" presetID="10" presetClass="entr" presetSubtype="0" fill="hold" grpId="0" nodeType="withEffect">
+                                  <p:stCondLst>
+                                    <p:cond delay="1000"/>
+                                  </p:stCondLst>
+                                  <p:iterate type="lt">
+                                    <p:tmPct val="10000"/>
+                                  </p:iterate>
+                                  <p:childTnLst>
+                                    <p:set>
+                                      <p:cBhvr>
+                                        <p:cTn id="6" dur="1" fill="hold">
+                                          <p:stCondLst>
+                                            <p:cond delay="0"/>
+                                          </p:stCondLst>
+                                        </p:cTn>
+                                        <p:tgtEl>
+                                          <p:spTgt spid="2"/>
+                                        </p:tgtEl>
+                                        <p:attrNameLst>
+                                          <p:attrName>style.visibility</p:attrName>
+                                        </p:attrNameLst>
+                                      </p:cBhvr>
+                                      <p:to>
+                                        <p:strVal val="visible"/>
+                                      </p:to>
+                                    </p:set>
+                                    <p:animEffect transition="in" filter="fade">
+                                      <p:cBhvr>
+                                        <p:cTn id="7" dur="400"/>
+                                        <p:tgtEl>
+                                          <p:spTgt spid="2"/>
+                                        </p:tgtEl>
+                                      </p:cBhvr>
+                                    </p:animEffect>
+                                  </p:childTnLst>
+                                </p:cTn>
+                              </p:par>
+                            </p:childTnLst>
+                          </p:cTn>
+                        </p:par>
+                      </p:childTnLst>
+                    </p:cTn>
+                  </p:par>
+                </p:childTnLst>
+              </p:cTn>
+              <p:prevCondLst>
+                <p:cond evt="onPrev" delay="0">
+                  <p:tgtEl>
+                    <p:sldTgt/>
+                  </p:tgtEl>
+                </p:cond>
+              </p:prevCondLst>
+              <p:nextCondLst>
+                <p:cond evt="onNext" delay="0">
+                  <p:tgtEl>
+                    <p:sldTgt/>
+                  </p:tgtEl>
+                </p:cond>
+              </p:nextCondLst>
+            </p:seq>
+          </p:childTnLst>
+        </p:cTn>
+      </p:par>
+    </p:tnLst>
+    <p:bldLst>
+      <p:bldP spid="2" grpId="0" animBg="1"/>
+    </p:bldLst>
+  </p:timing>
 </p:sld>
 </file>
 
